--- a/undergraduate/lectures/memory.pptx
+++ b/undergraduate/lectures/memory.pptx
@@ -5,26 +5,37 @@
     <p:sldMasterId id="2147483786" r:id="rId1"/>
   </p:sldMasterIdLst>
   <p:notesMasterIdLst>
-    <p:notesMasterId r:id="rId19"/>
+    <p:notesMasterId r:id="rId30"/>
   </p:notesMasterIdLst>
   <p:sldIdLst>
     <p:sldId id="256" r:id="rId2"/>
-    <p:sldId id="264" r:id="rId3"/>
-    <p:sldId id="265" r:id="rId4"/>
-    <p:sldId id="258" r:id="rId5"/>
-    <p:sldId id="259" r:id="rId6"/>
-    <p:sldId id="260" r:id="rId7"/>
-    <p:sldId id="261" r:id="rId8"/>
-    <p:sldId id="262" r:id="rId9"/>
-    <p:sldId id="263" r:id="rId10"/>
-    <p:sldId id="266" r:id="rId11"/>
-    <p:sldId id="273" r:id="rId12"/>
-    <p:sldId id="274" r:id="rId13"/>
-    <p:sldId id="271" r:id="rId14"/>
-    <p:sldId id="272" r:id="rId15"/>
-    <p:sldId id="269" r:id="rId16"/>
-    <p:sldId id="270" r:id="rId17"/>
-    <p:sldId id="267" r:id="rId18"/>
+    <p:sldId id="265" r:id="rId3"/>
+    <p:sldId id="258" r:id="rId4"/>
+    <p:sldId id="259" r:id="rId5"/>
+    <p:sldId id="260" r:id="rId6"/>
+    <p:sldId id="261" r:id="rId7"/>
+    <p:sldId id="262" r:id="rId8"/>
+    <p:sldId id="263" r:id="rId9"/>
+    <p:sldId id="266" r:id="rId10"/>
+    <p:sldId id="273" r:id="rId11"/>
+    <p:sldId id="275" r:id="rId12"/>
+    <p:sldId id="272" r:id="rId13"/>
+    <p:sldId id="278" r:id="rId14"/>
+    <p:sldId id="277" r:id="rId15"/>
+    <p:sldId id="271" r:id="rId16"/>
+    <p:sldId id="269" r:id="rId17"/>
+    <p:sldId id="270" r:id="rId18"/>
+    <p:sldId id="280" r:id="rId19"/>
+    <p:sldId id="276" r:id="rId20"/>
+    <p:sldId id="279" r:id="rId21"/>
+    <p:sldId id="281" r:id="rId22"/>
+    <p:sldId id="282" r:id="rId23"/>
+    <p:sldId id="286" r:id="rId24"/>
+    <p:sldId id="284" r:id="rId25"/>
+    <p:sldId id="283" r:id="rId26"/>
+    <p:sldId id="285" r:id="rId27"/>
+    <p:sldId id="287" r:id="rId28"/>
+    <p:sldId id="267" r:id="rId29"/>
   </p:sldIdLst>
   <p:sldSz cx="12192000" cy="6858000"/>
   <p:notesSz cx="6858000" cy="9144000"/>
@@ -213,7 +224,7 @@
           <a:p>
             <a:fld id="{EC53E720-1243-6043-B4C4-6E31C619CC0A}" type="datetimeFigureOut">
               <a:rPr lang="en-US" smtClean="0"/>
-              <a:t>2/24/17</a:t>
+              <a:t>2/26/17</a:t>
             </a:fld>
             <a:endParaRPr lang="en-US"/>
           </a:p>
@@ -710,9 +721,9 @@
           <a:bodyPr/>
           <a:lstStyle/>
           <a:p>
-            <a:fld id="{26E720F5-B36D-F044-8ECF-58C3AADD4FFA}" type="datetime1">
+            <a:fld id="{E0AD2EBC-7ADE-5743-B1A1-E25E1B061BCD}" type="datetime1">
               <a:rPr lang="en-US" smtClean="0"/>
-              <a:t>2/24/17</a:t>
+              <a:t>2/26/17</a:t>
             </a:fld>
             <a:endParaRPr lang="en-US"/>
           </a:p>
@@ -735,7 +746,7 @@
           <a:p>
             <a:r>
               <a:rPr lang="en-US" smtClean="0"/>
-              <a:t>A Look Inside FreeBSD with DTrace</a:t>
+              <a:t>Introduction to Operating Systems</a:t>
             </a:r>
             <a:endParaRPr lang="en-US" dirty="0"/>
           </a:p>
@@ -989,9 +1000,9 @@
           <a:bodyPr/>
           <a:lstStyle/>
           <a:p>
-            <a:fld id="{3A7898FD-2DE3-2242-AB42-1050745E6125}" type="datetime1">
+            <a:fld id="{7E883F30-43CC-814E-936D-AEA9D0B81B13}" type="datetime1">
               <a:rPr lang="en-US" smtClean="0"/>
-              <a:t>2/24/17</a:t>
+              <a:t>2/26/17</a:t>
             </a:fld>
             <a:endParaRPr lang="en-US"/>
           </a:p>
@@ -1014,7 +1025,7 @@
           <a:p>
             <a:r>
               <a:rPr lang="en-US" smtClean="0"/>
-              <a:t>A Look Inside FreeBSD with DTrace</a:t>
+              <a:t>Introduction to Operating Systems</a:t>
             </a:r>
             <a:endParaRPr lang="en-US"/>
           </a:p>
@@ -1244,9 +1255,9 @@
           <a:bodyPr/>
           <a:lstStyle/>
           <a:p>
-            <a:fld id="{D3004C58-1FC4-1540-81EE-6BBA0CF83C34}" type="datetime1">
+            <a:fld id="{FA92DA59-7789-CC47-BE92-C8DCAF8A5DBA}" type="datetime1">
               <a:rPr lang="en-US" smtClean="0"/>
-              <a:t>2/24/17</a:t>
+              <a:t>2/26/17</a:t>
             </a:fld>
             <a:endParaRPr lang="en-US"/>
           </a:p>
@@ -1269,7 +1280,7 @@
           <a:p>
             <a:r>
               <a:rPr lang="en-US" smtClean="0"/>
-              <a:t>A Look Inside FreeBSD with DTrace</a:t>
+              <a:t>Introduction to Operating Systems</a:t>
             </a:r>
             <a:endParaRPr lang="en-US"/>
           </a:p>
@@ -1422,9 +1433,9 @@
           <a:bodyPr/>
           <a:lstStyle/>
           <a:p>
-            <a:fld id="{1A262375-3BBF-904C-8051-E98C412ED03A}" type="datetime1">
+            <a:fld id="{16287BFD-1109-524B-B78A-E768CC787973}" type="datetime1">
               <a:rPr lang="en-US" smtClean="0"/>
-              <a:t>2/24/17</a:t>
+              <a:t>2/26/17</a:t>
             </a:fld>
             <a:endParaRPr lang="en-US"/>
           </a:p>
@@ -1447,7 +1458,7 @@
           <a:p>
             <a:r>
               <a:rPr lang="en-US" smtClean="0"/>
-              <a:t>A Look Inside FreeBSD with DTrace</a:t>
+              <a:t>Introduction to Operating Systems</a:t>
             </a:r>
             <a:endParaRPr lang="en-US" dirty="0"/>
           </a:p>
@@ -1771,9 +1782,9 @@
           <a:bodyPr/>
           <a:lstStyle/>
           <a:p>
-            <a:fld id="{014586BC-7856-1741-AD0B-EE33EC4E518D}" type="datetime1">
+            <a:fld id="{2DC79FFC-6C5F-814C-BC4B-E9742B064891}" type="datetime1">
               <a:rPr lang="en-US" smtClean="0"/>
-              <a:t>2/24/17</a:t>
+              <a:t>2/26/17</a:t>
             </a:fld>
             <a:endParaRPr lang="en-US"/>
           </a:p>
@@ -1796,7 +1807,7 @@
           <a:p>
             <a:r>
               <a:rPr lang="en-US" smtClean="0"/>
-              <a:t>A Look Inside FreeBSD with DTrace</a:t>
+              <a:t>Introduction to Operating Systems</a:t>
             </a:r>
             <a:endParaRPr lang="en-US"/>
           </a:p>
@@ -2065,9 +2076,9 @@
           <a:bodyPr/>
           <a:lstStyle/>
           <a:p>
-            <a:fld id="{1FCAC5D8-AF87-324D-95D3-D6D54E182293}" type="datetime1">
+            <a:fld id="{1A44CCD4-0CB7-4D4D-8212-11C3F44DCFE7}" type="datetime1">
               <a:rPr lang="en-US" smtClean="0"/>
-              <a:t>2/24/17</a:t>
+              <a:t>2/26/17</a:t>
             </a:fld>
             <a:endParaRPr lang="en-US" dirty="0"/>
           </a:p>
@@ -2090,7 +2101,7 @@
           <a:p>
             <a:r>
               <a:rPr lang="en-US" smtClean="0"/>
-              <a:t>A Look Inside FreeBSD with DTrace</a:t>
+              <a:t>Introduction to Operating Systems</a:t>
             </a:r>
             <a:endParaRPr lang="en-US" dirty="0"/>
           </a:p>
@@ -2452,9 +2463,9 @@
           <a:bodyPr/>
           <a:lstStyle/>
           <a:p>
-            <a:fld id="{EFE068BA-6094-444C-97BA-6FC7A2877310}" type="datetime1">
+            <a:fld id="{0D967720-19A1-F44A-9F81-1C535D98C4C9}" type="datetime1">
               <a:rPr lang="en-US" smtClean="0"/>
-              <a:t>2/24/17</a:t>
+              <a:t>2/26/17</a:t>
             </a:fld>
             <a:endParaRPr lang="en-US"/>
           </a:p>
@@ -2477,7 +2488,7 @@
           <a:p>
             <a:r>
               <a:rPr lang="en-US" smtClean="0"/>
-              <a:t>A Look Inside FreeBSD with DTrace</a:t>
+              <a:t>Introduction to Operating Systems</a:t>
             </a:r>
             <a:endParaRPr lang="en-US"/>
           </a:p>
@@ -2576,9 +2587,9 @@
           <a:bodyPr/>
           <a:lstStyle/>
           <a:p>
-            <a:fld id="{7B52FD35-E83C-5548-B1FB-76D71419F52A}" type="datetime1">
+            <a:fld id="{A85D3553-55B2-8E41-9BFF-AA12744D28EC}" type="datetime1">
               <a:rPr lang="en-US" smtClean="0"/>
-              <a:t>2/24/17</a:t>
+              <a:t>2/26/17</a:t>
             </a:fld>
             <a:endParaRPr lang="en-US"/>
           </a:p>
@@ -2601,7 +2612,7 @@
           <a:p>
             <a:r>
               <a:rPr lang="en-US" smtClean="0"/>
-              <a:t>A Look Inside FreeBSD with DTrace</a:t>
+              <a:t>Introduction to Operating Systems</a:t>
             </a:r>
             <a:endParaRPr lang="en-US"/>
           </a:p>
@@ -2753,9 +2764,9 @@
           <a:bodyPr/>
           <a:lstStyle/>
           <a:p>
-            <a:fld id="{980E0633-7A4C-7745-9F88-15180C289BA2}" type="datetime1">
+            <a:fld id="{02C36750-3634-F946-BDCA-29967BC464B8}" type="datetime1">
               <a:rPr lang="en-US" smtClean="0"/>
-              <a:t>2/24/17</a:t>
+              <a:t>2/26/17</a:t>
             </a:fld>
             <a:endParaRPr lang="en-US"/>
           </a:p>
@@ -2786,7 +2797,7 @@
           <a:p>
             <a:r>
               <a:rPr lang="en-US" smtClean="0"/>
-              <a:t>A Look Inside FreeBSD with DTrace</a:t>
+              <a:t>Introduction to Operating Systems</a:t>
             </a:r>
             <a:endParaRPr lang="en-US"/>
           </a:p>
@@ -3113,9 +3124,9 @@
             </a:lvl1pPr>
           </a:lstStyle>
           <a:p>
-            <a:fld id="{BFA6BC41-C466-2842-BADB-5022C22F5798}" type="datetime1">
+            <a:fld id="{08EB3853-0640-C94E-802A-F9E913880246}" type="datetime1">
               <a:rPr lang="en-US" smtClean="0"/>
-              <a:t>2/24/17</a:t>
+              <a:t>2/26/17</a:t>
             </a:fld>
             <a:endParaRPr lang="en-US"/>
           </a:p>
@@ -3151,7 +3162,7 @@
           <a:p>
             <a:r>
               <a:rPr lang="en-US" smtClean="0"/>
-              <a:t>A Look Inside FreeBSD with DTrace</a:t>
+              <a:t>Introduction to Operating Systems</a:t>
             </a:r>
             <a:endParaRPr lang="en-US"/>
           </a:p>
@@ -3498,9 +3509,9 @@
           <a:bodyPr/>
           <a:lstStyle/>
           <a:p>
-            <a:fld id="{C455B2BC-05B3-8145-BF40-0F0FCDD2882A}" type="datetime1">
+            <a:fld id="{C2BE77C5-81C2-4F42-9A0A-49C6689AE8D0}" type="datetime1">
               <a:rPr lang="en-US" smtClean="0"/>
-              <a:t>2/24/17</a:t>
+              <a:t>2/26/17</a:t>
             </a:fld>
             <a:endParaRPr lang="en-US"/>
           </a:p>
@@ -3523,7 +3534,7 @@
           <a:p>
             <a:r>
               <a:rPr lang="en-US" smtClean="0"/>
-              <a:t>A Look Inside FreeBSD with DTrace</a:t>
+              <a:t>Introduction to Operating Systems</a:t>
             </a:r>
             <a:endParaRPr lang="en-US"/>
           </a:p>
@@ -3784,9 +3795,9 @@
             </a:lvl1pPr>
           </a:lstStyle>
           <a:p>
-            <a:fld id="{AFC88FFC-6D65-4647-AF0B-491B52EDC8EB}" type="datetime1">
+            <a:fld id="{BB814606-2684-9B4A-BC22-4E56968F5EE2}" type="datetime1">
               <a:rPr lang="en-US" smtClean="0"/>
-              <a:t>2/24/17</a:t>
+              <a:t>2/26/17</a:t>
             </a:fld>
             <a:endParaRPr lang="en-US" dirty="0"/>
           </a:p>
@@ -3825,7 +3836,7 @@
           <a:p>
             <a:r>
               <a:rPr lang="en-US" smtClean="0"/>
-              <a:t>A Look Inside FreeBSD with DTrace</a:t>
+              <a:t>Introduction to Operating Systems</a:t>
             </a:r>
             <a:endParaRPr lang="en-US" dirty="0"/>
           </a:p>
@@ -4506,7 +4517,7 @@
           <a:p>
             <a:r>
               <a:rPr lang="en-US" dirty="0" smtClean="0"/>
-              <a:t>Advantages of Virtual Memory</a:t>
+              <a:t>High Level </a:t>
             </a:r>
             <a:endParaRPr lang="en-US" dirty="0"/>
           </a:p>
@@ -4528,54 +4539,103 @@
           <a:lstStyle/>
           <a:p>
             <a:r>
-              <a:rPr lang="en-US" b="1" dirty="0" smtClean="0"/>
-              <a:t>Simplification</a:t>
-            </a:r>
-            <a:r>
-              <a:rPr lang="en-US" dirty="0" smtClean="0"/>
-              <a:t> </a:t>
-            </a:r>
-            <a:r>
               <a:rPr lang="en-US" dirty="0"/>
-              <a:t>Programs (mostly) </a:t>
-            </a:r>
-            <a:r>
-              <a:rPr lang="en-US" dirty="0" smtClean="0"/>
-              <a:t>don’t </a:t>
+              <a:t>Memory is laid out in </a:t>
+            </a:r>
+            <a:r>
+              <a:rPr lang="en-US" i="1" dirty="0"/>
+              <a:t>pages</a:t>
             </a:r>
             <a:r>
               <a:rPr lang="en-US" dirty="0"/>
-              <a:t>care about addresses.  </a:t>
-            </a:r>
-          </a:p>
-          <a:p>
-            <a:r>
-              <a:rPr lang="en-US" b="1" dirty="0" smtClean="0"/>
-              <a:t>Portability</a:t>
-            </a:r>
-            <a:r>
-              <a:rPr lang="en-US" dirty="0" smtClean="0"/>
-              <a:t> </a:t>
+              <a:t> (4K, 2M, 1G</a:t>
+            </a:r>
+            <a:r>
+              <a:rPr lang="mr-IN" dirty="0"/>
+              <a:t>…</a:t>
             </a:r>
             <a:r>
               <a:rPr lang="en-US" dirty="0"/>
-              <a:t>No memory location is more special than any other.  </a:t>
-            </a:r>
-            <a:endParaRPr lang="en-US" dirty="0" smtClean="0"/>
-          </a:p>
-          <a:p>
-            <a:r>
-              <a:rPr lang="en-US" b="1" dirty="0" smtClean="0"/>
-              <a:t>Protection</a:t>
-            </a:r>
-            <a:r>
-              <a:rPr lang="en-US" dirty="0" smtClean="0"/>
-              <a:t> </a:t>
+              <a:t>)      </a:t>
+            </a:r>
+          </a:p>
+          <a:p>
+            <a:r>
+              <a:rPr lang="en-US" dirty="0" smtClean="0"/>
+              <a:t>Pages are controlled by the Memory </a:t>
             </a:r>
             <a:r>
               <a:rPr lang="en-US" dirty="0"/>
-              <a:t>All memory accesses go via the kernel.</a:t>
-            </a:r>
+              <a:t>Management Unit (</a:t>
+            </a:r>
+            <a:r>
+              <a:rPr lang="en-US" dirty="0" smtClean="0"/>
+              <a:t>MMU)</a:t>
+            </a:r>
+          </a:p>
+          <a:p>
+            <a:r>
+              <a:rPr lang="en-US" dirty="0" smtClean="0"/>
+              <a:t>Transforms </a:t>
+            </a:r>
+            <a:r>
+              <a:rPr lang="en-US" i="1" dirty="0" smtClean="0"/>
+              <a:t>virtual addresses </a:t>
+            </a:r>
+            <a:r>
+              <a:rPr lang="en-US" dirty="0"/>
+              <a:t>into </a:t>
+            </a:r>
+            <a:r>
+              <a:rPr lang="en-US" i="1" dirty="0" smtClean="0"/>
+              <a:t>physical addresses</a:t>
+            </a:r>
+          </a:p>
+          <a:p>
+            <a:r>
+              <a:rPr lang="en-US" dirty="0" smtClean="0"/>
+              <a:t>Control </a:t>
+            </a:r>
+            <a:r>
+              <a:rPr lang="en-US" dirty="0"/>
+              <a:t>available only </a:t>
+            </a:r>
+            <a:r>
+              <a:rPr lang="en-US" dirty="0" smtClean="0"/>
+              <a:t>in supervisor mode</a:t>
+            </a:r>
+          </a:p>
+          <a:p>
+            <a:r>
+              <a:rPr lang="en-US" dirty="0" smtClean="0"/>
+              <a:t>Software </a:t>
+            </a:r>
+            <a:r>
+              <a:rPr lang="en-US" dirty="0"/>
+              <a:t>handles failures (e.g., permissions) via </a:t>
+            </a:r>
+            <a:r>
+              <a:rPr lang="en-US" dirty="0" smtClean="0"/>
+              <a:t>traps</a:t>
+            </a:r>
+          </a:p>
+          <a:p>
+            <a:pPr lvl="1"/>
+            <a:r>
+              <a:rPr lang="en-US" dirty="0" smtClean="0"/>
+              <a:t>page faults</a:t>
+            </a:r>
+          </a:p>
+          <a:p>
+            <a:r>
+              <a:rPr lang="en-US" dirty="0" smtClean="0"/>
+              <a:t>A program’s memory is its </a:t>
+            </a:r>
+            <a:r>
+              <a:rPr lang="en-US" i="1" dirty="0" smtClean="0"/>
+              <a:t>working set</a:t>
+            </a:r>
+            <a:endParaRPr lang="en-US" i="1" dirty="0"/>
           </a:p>
         </p:txBody>
       </p:sp>
@@ -4596,196 +4656,7 @@
           <a:p>
             <a:r>
               <a:rPr lang="en-US" smtClean="0"/>
-              <a:t>A Look Inside FreeBSD with DTrace</a:t>
-            </a:r>
-            <a:endParaRPr lang="en-US" dirty="0"/>
-          </a:p>
-        </p:txBody>
-      </p:sp>
-    </p:spTree>
-    <p:extLst>
-      <p:ext uri="{BB962C8B-B14F-4D97-AF65-F5344CB8AC3E}">
-        <p14:creationId xmlns:p14="http://schemas.microsoft.com/office/powerpoint/2010/main" val="1467265578"/>
-      </p:ext>
-    </p:extLst>
-  </p:cSld>
-  <p:clrMapOvr>
-    <a:masterClrMapping/>
-  </p:clrMapOvr>
-  <p:timing>
-    <p:tnLst>
-      <p:par>
-        <p:cTn id="1" dur="indefinite" restart="never" nodeType="tmRoot"/>
-      </p:par>
-    </p:tnLst>
-  </p:timing>
-</p:sld>
-</file>
-
-<file path=ppt/slides/slide11.xml><?xml version="1.0" encoding="utf-8"?>
-<p:sld xmlns:a="http://schemas.openxmlformats.org/drawingml/2006/main" xmlns:r="http://schemas.openxmlformats.org/officeDocument/2006/relationships" xmlns:p="http://schemas.openxmlformats.org/presentationml/2006/main">
-  <p:cSld>
-    <p:spTree>
-      <p:nvGrpSpPr>
-        <p:cNvPr id="1" name=""/>
-        <p:cNvGrpSpPr/>
-        <p:nvPr/>
-      </p:nvGrpSpPr>
-      <p:grpSpPr>
-        <a:xfrm>
-          <a:off x="0" y="0"/>
-          <a:ext cx="0" cy="0"/>
-          <a:chOff x="0" y="0"/>
-          <a:chExt cx="0" cy="0"/>
-        </a:xfrm>
-      </p:grpSpPr>
-      <p:sp>
-        <p:nvSpPr>
-          <p:cNvPr id="2" name="Title 1"/>
-          <p:cNvSpPr>
-            <a:spLocks noGrp="1"/>
-          </p:cNvSpPr>
-          <p:nvPr>
-            <p:ph type="title"/>
-          </p:nvPr>
-        </p:nvSpPr>
-        <p:spPr/>
-        <p:txBody>
-          <a:bodyPr/>
-          <a:lstStyle/>
-          <a:p>
-            <a:r>
-              <a:rPr lang="en-US" dirty="0" smtClean="0"/>
-              <a:t>High Level </a:t>
-            </a:r>
-            <a:endParaRPr lang="en-US" dirty="0"/>
-          </a:p>
-        </p:txBody>
-      </p:sp>
-      <p:sp>
-        <p:nvSpPr>
-          <p:cNvPr id="3" name="Content Placeholder 2"/>
-          <p:cNvSpPr>
-            <a:spLocks noGrp="1"/>
-          </p:cNvSpPr>
-          <p:nvPr>
-            <p:ph idx="1"/>
-          </p:nvPr>
-        </p:nvSpPr>
-        <p:spPr/>
-        <p:txBody>
-          <a:bodyPr/>
-          <a:lstStyle/>
-          <a:p>
-            <a:r>
-              <a:rPr lang="en-US" dirty="0" smtClean="0"/>
-              <a:t>Memory </a:t>
-            </a:r>
-            <a:r>
-              <a:rPr lang="en-US" dirty="0"/>
-              <a:t>Management Unit (</a:t>
-            </a:r>
-            <a:r>
-              <a:rPr lang="en-US" dirty="0" smtClean="0"/>
-              <a:t>MMU)</a:t>
-            </a:r>
-          </a:p>
-          <a:p>
-            <a:r>
-              <a:rPr lang="en-US" dirty="0" smtClean="0"/>
-              <a:t>Transforms </a:t>
-            </a:r>
-            <a:r>
-              <a:rPr lang="en-US" i="1" dirty="0" smtClean="0"/>
-              <a:t>virtual addresses </a:t>
-            </a:r>
-            <a:r>
-              <a:rPr lang="en-US" dirty="0"/>
-              <a:t>into </a:t>
-            </a:r>
-            <a:r>
-              <a:rPr lang="en-US" i="1" dirty="0" smtClean="0"/>
-              <a:t>physical addresses</a:t>
-            </a:r>
-          </a:p>
-          <a:p>
-            <a:r>
-              <a:rPr lang="en-US" dirty="0" smtClean="0"/>
-              <a:t>Memory </a:t>
-            </a:r>
-            <a:r>
-              <a:rPr lang="en-US" dirty="0"/>
-              <a:t>is laid out in </a:t>
-            </a:r>
-            <a:r>
-              <a:rPr lang="en-US" i="1" dirty="0" smtClean="0"/>
-              <a:t>pages</a:t>
-            </a:r>
-            <a:r>
-              <a:rPr lang="en-US" dirty="0" smtClean="0"/>
-              <a:t> (</a:t>
-            </a:r>
-            <a:r>
-              <a:rPr lang="en-US" dirty="0"/>
-              <a:t>4K, 2M, </a:t>
-            </a:r>
-            <a:r>
-              <a:rPr lang="en-US" dirty="0" smtClean="0"/>
-              <a:t>1G</a:t>
-            </a:r>
-            <a:r>
-              <a:rPr lang="mr-IN" dirty="0" smtClean="0"/>
-              <a:t>…</a:t>
-            </a:r>
-            <a:r>
-              <a:rPr lang="en-US" dirty="0" smtClean="0"/>
-              <a:t>)      </a:t>
-            </a:r>
-          </a:p>
-          <a:p>
-            <a:r>
-              <a:rPr lang="en-US" dirty="0" smtClean="0"/>
-              <a:t>Control </a:t>
-            </a:r>
-            <a:r>
-              <a:rPr lang="en-US" dirty="0"/>
-              <a:t>available only </a:t>
-            </a:r>
-            <a:r>
-              <a:rPr lang="en-US" dirty="0" smtClean="0"/>
-              <a:t>in supervisor mode</a:t>
-            </a:r>
-          </a:p>
-          <a:p>
-            <a:r>
-              <a:rPr lang="en-US" dirty="0" smtClean="0"/>
-              <a:t>Software </a:t>
-            </a:r>
-            <a:r>
-              <a:rPr lang="en-US" dirty="0"/>
-              <a:t>handles failures (e.g., permissions) via traps</a:t>
-            </a:r>
-          </a:p>
-        </p:txBody>
-      </p:sp>
-      <p:sp>
-        <p:nvSpPr>
-          <p:cNvPr id="4" name="Footer Placeholder 3"/>
-          <p:cNvSpPr>
-            <a:spLocks noGrp="1"/>
-          </p:cNvSpPr>
-          <p:nvPr>
-            <p:ph type="ftr" sz="quarter" idx="11"/>
-          </p:nvPr>
-        </p:nvSpPr>
-        <p:spPr/>
-        <p:txBody>
-          <a:bodyPr/>
-          <a:lstStyle/>
-          <a:p>
-            <a:r>
-              <a:rPr lang="en-US" smtClean="0"/>
-              <a:t>A Look Inside FreeBSD with DTrace</a:t>
+              <a:t>Introduction to Operating Systems</a:t>
             </a:r>
             <a:endParaRPr lang="en-US" dirty="0"/>
           </a:p>
@@ -4795,348 +4666,6 @@
     <p:extLst>
       <p:ext uri="{BB962C8B-B14F-4D97-AF65-F5344CB8AC3E}">
         <p14:creationId xmlns:p14="http://schemas.microsoft.com/office/powerpoint/2010/main" val="123136366"/>
-      </p:ext>
-    </p:extLst>
-  </p:cSld>
-  <p:clrMapOvr>
-    <a:masterClrMapping/>
-  </p:clrMapOvr>
-  <p:timing>
-    <p:tnLst>
-      <p:par>
-        <p:cTn id="1" dur="indefinite" restart="never" nodeType="tmRoot"/>
-      </p:par>
-    </p:tnLst>
-  </p:timing>
-</p:sld>
-</file>
-
-<file path=ppt/slides/slide12.xml><?xml version="1.0" encoding="utf-8"?>
-<p:sld xmlns:a="http://schemas.openxmlformats.org/drawingml/2006/main" xmlns:r="http://schemas.openxmlformats.org/officeDocument/2006/relationships" xmlns:p="http://schemas.openxmlformats.org/presentationml/2006/main">
-  <p:cSld>
-    <p:spTree>
-      <p:nvGrpSpPr>
-        <p:cNvPr id="1" name=""/>
-        <p:cNvGrpSpPr/>
-        <p:nvPr/>
-      </p:nvGrpSpPr>
-      <p:grpSpPr>
-        <a:xfrm>
-          <a:off x="0" y="0"/>
-          <a:ext cx="0" cy="0"/>
-          <a:chOff x="0" y="0"/>
-          <a:chExt cx="0" cy="0"/>
-        </a:xfrm>
-      </p:grpSpPr>
-      <p:sp>
-        <p:nvSpPr>
-          <p:cNvPr id="2" name="Title 1"/>
-          <p:cNvSpPr>
-            <a:spLocks noGrp="1"/>
-          </p:cNvSpPr>
-          <p:nvPr>
-            <p:ph type="title"/>
-          </p:nvPr>
-        </p:nvSpPr>
-        <p:spPr/>
-        <p:txBody>
-          <a:bodyPr/>
-          <a:lstStyle/>
-          <a:p>
-            <a:r>
-              <a:rPr lang="en-US" dirty="0" smtClean="0"/>
-              <a:t>Translating Addresses</a:t>
-            </a:r>
-            <a:endParaRPr lang="en-US" dirty="0"/>
-          </a:p>
-        </p:txBody>
-      </p:sp>
-      <p:sp>
-        <p:nvSpPr>
-          <p:cNvPr id="3" name="Content Placeholder 2"/>
-          <p:cNvSpPr>
-            <a:spLocks noGrp="1"/>
-          </p:cNvSpPr>
-          <p:nvPr>
-            <p:ph idx="1"/>
-          </p:nvPr>
-        </p:nvSpPr>
-        <p:spPr/>
-        <p:txBody>
-          <a:bodyPr/>
-          <a:lstStyle/>
-          <a:p>
-            <a:r>
-              <a:rPr lang="en-US" dirty="0" smtClean="0"/>
-              <a:t>The </a:t>
-            </a:r>
-            <a:r>
-              <a:rPr lang="en-US" dirty="0"/>
-              <a:t>Translation Look-aside Buffer (TLB</a:t>
-            </a:r>
-            <a:r>
-              <a:rPr lang="en-US" dirty="0" smtClean="0"/>
-              <a:t>) </a:t>
-            </a:r>
-          </a:p>
-          <a:p>
-            <a:r>
-              <a:rPr lang="en-US" dirty="0" smtClean="0"/>
-              <a:t>Hardware </a:t>
-            </a:r>
-            <a:r>
-              <a:rPr lang="en-US" dirty="0"/>
-              <a:t>cache of entries -- avoid walking </a:t>
-            </a:r>
-            <a:r>
-              <a:rPr lang="en-US" dirty="0" err="1"/>
-              <a:t>pagetables</a:t>
-            </a:r>
-            <a:r>
-              <a:rPr lang="en-US" dirty="0"/>
-              <a:t>      </a:t>
-            </a:r>
-            <a:endParaRPr lang="en-US" dirty="0" smtClean="0"/>
-          </a:p>
-          <a:p>
-            <a:r>
-              <a:rPr lang="en-US" dirty="0" smtClean="0"/>
-              <a:t>Content </a:t>
-            </a:r>
-            <a:r>
-              <a:rPr lang="en-US" dirty="0"/>
-              <a:t>Addressable Memory (CAM); </a:t>
-            </a:r>
-            <a:endParaRPr lang="en-US" dirty="0" smtClean="0"/>
-          </a:p>
-          <a:p>
-            <a:pPr lvl="1"/>
-            <a:r>
-              <a:rPr lang="en-US" dirty="0" smtClean="0"/>
-              <a:t>48</a:t>
-            </a:r>
-            <a:r>
-              <a:rPr lang="en-US" dirty="0"/>
-              <a:t>? 1024? entries      </a:t>
-            </a:r>
-            <a:endParaRPr lang="en-US" dirty="0" smtClean="0"/>
-          </a:p>
-          <a:p>
-            <a:r>
-              <a:rPr lang="en-US" dirty="0" smtClean="0"/>
-              <a:t>TLB </a:t>
-            </a:r>
-            <a:r>
-              <a:rPr lang="en-US" i="1" dirty="0" smtClean="0"/>
-              <a:t>tags</a:t>
-            </a:r>
-            <a:r>
-              <a:rPr lang="en-US" dirty="0" smtClean="0"/>
-              <a:t>: </a:t>
-            </a:r>
-            <a:r>
-              <a:rPr lang="en-US" dirty="0"/>
-              <a:t>entries </a:t>
-            </a:r>
-            <a:r>
-              <a:rPr lang="en-US" dirty="0" smtClean="0"/>
-              <a:t> are either </a:t>
-            </a:r>
-            <a:r>
-              <a:rPr lang="en-US" i="1" dirty="0" smtClean="0"/>
-              <a:t>global</a:t>
-            </a:r>
-            <a:r>
-              <a:rPr lang="en-US" dirty="0" smtClean="0"/>
-              <a:t> </a:t>
-            </a:r>
-            <a:r>
-              <a:rPr lang="en-US" dirty="0"/>
-              <a:t>or for a specific process      </a:t>
-            </a:r>
-            <a:endParaRPr lang="en-US" dirty="0" smtClean="0"/>
-          </a:p>
-          <a:p>
-            <a:r>
-              <a:rPr lang="en-US" dirty="0" smtClean="0"/>
-              <a:t>Software- </a:t>
-            </a:r>
-            <a:r>
-              <a:rPr lang="en-US" dirty="0"/>
-              <a:t>vs. hardware-managed </a:t>
-            </a:r>
-            <a:r>
-              <a:rPr lang="en-US" dirty="0" smtClean="0"/>
-              <a:t>TLBs</a:t>
-            </a:r>
-            <a:endParaRPr lang="en-US" dirty="0"/>
-          </a:p>
-        </p:txBody>
-      </p:sp>
-      <p:sp>
-        <p:nvSpPr>
-          <p:cNvPr id="4" name="Footer Placeholder 3"/>
-          <p:cNvSpPr>
-            <a:spLocks noGrp="1"/>
-          </p:cNvSpPr>
-          <p:nvPr>
-            <p:ph type="ftr" sz="quarter" idx="11"/>
-          </p:nvPr>
-        </p:nvSpPr>
-        <p:spPr/>
-        <p:txBody>
-          <a:bodyPr/>
-          <a:lstStyle/>
-          <a:p>
-            <a:r>
-              <a:rPr lang="en-US" smtClean="0"/>
-              <a:t>A Look Inside FreeBSD with DTrace</a:t>
-            </a:r>
-            <a:endParaRPr lang="en-US" dirty="0"/>
-          </a:p>
-        </p:txBody>
-      </p:sp>
-    </p:spTree>
-    <p:extLst>
-      <p:ext uri="{BB962C8B-B14F-4D97-AF65-F5344CB8AC3E}">
-        <p14:creationId xmlns:p14="http://schemas.microsoft.com/office/powerpoint/2010/main" val="1039976886"/>
-      </p:ext>
-    </p:extLst>
-  </p:cSld>
-  <p:clrMapOvr>
-    <a:masterClrMapping/>
-  </p:clrMapOvr>
-  <p:timing>
-    <p:tnLst>
-      <p:par>
-        <p:cTn id="1" dur="indefinite" restart="never" nodeType="tmRoot"/>
-      </p:par>
-    </p:tnLst>
-  </p:timing>
-</p:sld>
-</file>
-
-<file path=ppt/slides/slide13.xml><?xml version="1.0" encoding="utf-8"?>
-<p:sld xmlns:a="http://schemas.openxmlformats.org/drawingml/2006/main" xmlns:r="http://schemas.openxmlformats.org/officeDocument/2006/relationships" xmlns:p="http://schemas.openxmlformats.org/presentationml/2006/main">
-  <p:cSld>
-    <p:spTree>
-      <p:nvGrpSpPr>
-        <p:cNvPr id="1" name=""/>
-        <p:cNvGrpSpPr/>
-        <p:nvPr/>
-      </p:nvGrpSpPr>
-      <p:grpSpPr>
-        <a:xfrm>
-          <a:off x="0" y="0"/>
-          <a:ext cx="0" cy="0"/>
-          <a:chOff x="0" y="0"/>
-          <a:chExt cx="0" cy="0"/>
-        </a:xfrm>
-      </p:grpSpPr>
-      <p:sp>
-        <p:nvSpPr>
-          <p:cNvPr id="2" name="Title 1"/>
-          <p:cNvSpPr>
-            <a:spLocks noGrp="1"/>
-          </p:cNvSpPr>
-          <p:nvPr>
-            <p:ph type="title"/>
-          </p:nvPr>
-        </p:nvSpPr>
-        <p:spPr/>
-        <p:txBody>
-          <a:bodyPr>
-            <a:normAutofit/>
-          </a:bodyPr>
-          <a:lstStyle/>
-          <a:p>
-            <a:r>
-              <a:rPr lang="en-US" sz="3600" dirty="0"/>
-              <a:t>Virtual memory (quick but painful primer)</a:t>
-            </a:r>
-            <a:endParaRPr lang="en-US" sz="3600" dirty="0"/>
-          </a:p>
-        </p:txBody>
-      </p:sp>
-      <p:pic>
-        <p:nvPicPr>
-          <p:cNvPr id="6" name="Content Placeholder 5"/>
-          <p:cNvPicPr>
-            <a:picLocks noGrp="1" noChangeAspect="1"/>
-          </p:cNvPicPr>
-          <p:nvPr>
-            <p:ph idx="1"/>
-          </p:nvPr>
-        </p:nvPicPr>
-        <p:blipFill>
-          <a:blip r:embed="rId2">
-            <a:extLst>
-              <a:ext uri="{28A0092B-C50C-407E-A947-70E740481C1C}">
-                <a14:useLocalDpi xmlns:a14="http://schemas.microsoft.com/office/drawing/2010/main" val="0"/>
-              </a:ext>
-            </a:extLst>
-          </a:blip>
-          <a:stretch>
-            <a:fillRect/>
-          </a:stretch>
-        </p:blipFill>
-        <p:spPr>
-          <a:xfrm>
-            <a:off x="2705693" y="1149395"/>
-            <a:ext cx="6780615" cy="5206957"/>
-          </a:xfrm>
-        </p:spPr>
-      </p:pic>
-      <p:sp>
-        <p:nvSpPr>
-          <p:cNvPr id="4" name="Footer Placeholder 3"/>
-          <p:cNvSpPr>
-            <a:spLocks noGrp="1"/>
-          </p:cNvSpPr>
-          <p:nvPr>
-            <p:ph type="ftr" sz="quarter" idx="11"/>
-          </p:nvPr>
-        </p:nvSpPr>
-        <p:spPr/>
-        <p:txBody>
-          <a:bodyPr/>
-          <a:lstStyle/>
-          <a:p>
-            <a:r>
-              <a:rPr lang="en-US" smtClean="0"/>
-              <a:t>L41 Lecture 3 - The Process Model (1)</a:t>
-            </a:r>
-            <a:endParaRPr lang="en-US"/>
-          </a:p>
-        </p:txBody>
-      </p:sp>
-      <p:sp>
-        <p:nvSpPr>
-          <p:cNvPr id="5" name="Slide Number Placeholder 4"/>
-          <p:cNvSpPr>
-            <a:spLocks noGrp="1"/>
-          </p:cNvSpPr>
-          <p:nvPr>
-            <p:ph type="sldNum" sz="quarter" idx="12"/>
-          </p:nvPr>
-        </p:nvSpPr>
-        <p:spPr/>
-        <p:txBody>
-          <a:bodyPr/>
-          <a:lstStyle/>
-          <a:p>
-            <a:fld id="{4451A708-1483-F44A-AC56-12F69CC7793D}" type="slidenum">
-              <a:rPr lang="en-US" smtClean="0"/>
-              <a:t>13</a:t>
-            </a:fld>
-            <a:endParaRPr lang="en-US"/>
-          </a:p>
-        </p:txBody>
-      </p:sp>
-    </p:spTree>
-    <p:extLst>
-      <p:ext uri="{BB962C8B-B14F-4D97-AF65-F5344CB8AC3E}">
-        <p14:creationId xmlns:p14="http://schemas.microsoft.com/office/powerpoint/2010/main" val="507104546"/>
       </p:ext>
     </p:extLst>
   </p:cSld>
@@ -5164,7 +4693,7 @@
                             </p:stCondLst>
                             <p:childTnLst>
                               <p:par>
-                                <p:cTn id="5" presetID="1" presetClass="entr" presetSubtype="0" fill="hold" nodeType="clickEffect">
+                                <p:cTn id="5" presetID="1" presetClass="entr" presetSubtype="0" fill="hold" grpId="0" nodeType="clickEffect">
                                   <p:stCondLst>
                                     <p:cond delay="0"/>
                                   </p:stCondLst>
@@ -5177,7 +4706,287 @@
                                           </p:stCondLst>
                                         </p:cTn>
                                         <p:tgtEl>
-                                          <p:spTgt spid="6"/>
+                                          <p:spTgt spid="3">
+                                            <p:txEl>
+                                              <p:pRg st="0" end="0"/>
+                                            </p:txEl>
+                                          </p:spTgt>
+                                        </p:tgtEl>
+                                        <p:attrNameLst>
+                                          <p:attrName>style.visibility</p:attrName>
+                                        </p:attrNameLst>
+                                      </p:cBhvr>
+                                      <p:to>
+                                        <p:strVal val="visible"/>
+                                      </p:to>
+                                    </p:set>
+                                  </p:childTnLst>
+                                </p:cTn>
+                              </p:par>
+                            </p:childTnLst>
+                          </p:cTn>
+                        </p:par>
+                      </p:childTnLst>
+                    </p:cTn>
+                  </p:par>
+                  <p:par>
+                    <p:cTn id="7" fill="hold">
+                      <p:stCondLst>
+                        <p:cond delay="indefinite"/>
+                      </p:stCondLst>
+                      <p:childTnLst>
+                        <p:par>
+                          <p:cTn id="8" fill="hold">
+                            <p:stCondLst>
+                              <p:cond delay="0"/>
+                            </p:stCondLst>
+                            <p:childTnLst>
+                              <p:par>
+                                <p:cTn id="9" presetID="1" presetClass="entr" presetSubtype="0" fill="hold" grpId="0" nodeType="clickEffect">
+                                  <p:stCondLst>
+                                    <p:cond delay="0"/>
+                                  </p:stCondLst>
+                                  <p:childTnLst>
+                                    <p:set>
+                                      <p:cBhvr>
+                                        <p:cTn id="10" dur="1" fill="hold">
+                                          <p:stCondLst>
+                                            <p:cond delay="0"/>
+                                          </p:stCondLst>
+                                        </p:cTn>
+                                        <p:tgtEl>
+                                          <p:spTgt spid="3">
+                                            <p:txEl>
+                                              <p:pRg st="1" end="1"/>
+                                            </p:txEl>
+                                          </p:spTgt>
+                                        </p:tgtEl>
+                                        <p:attrNameLst>
+                                          <p:attrName>style.visibility</p:attrName>
+                                        </p:attrNameLst>
+                                      </p:cBhvr>
+                                      <p:to>
+                                        <p:strVal val="visible"/>
+                                      </p:to>
+                                    </p:set>
+                                  </p:childTnLst>
+                                </p:cTn>
+                              </p:par>
+                            </p:childTnLst>
+                          </p:cTn>
+                        </p:par>
+                      </p:childTnLst>
+                    </p:cTn>
+                  </p:par>
+                  <p:par>
+                    <p:cTn id="11" fill="hold">
+                      <p:stCondLst>
+                        <p:cond delay="indefinite"/>
+                      </p:stCondLst>
+                      <p:childTnLst>
+                        <p:par>
+                          <p:cTn id="12" fill="hold">
+                            <p:stCondLst>
+                              <p:cond delay="0"/>
+                            </p:stCondLst>
+                            <p:childTnLst>
+                              <p:par>
+                                <p:cTn id="13" presetID="1" presetClass="entr" presetSubtype="0" fill="hold" grpId="0" nodeType="clickEffect">
+                                  <p:stCondLst>
+                                    <p:cond delay="0"/>
+                                  </p:stCondLst>
+                                  <p:childTnLst>
+                                    <p:set>
+                                      <p:cBhvr>
+                                        <p:cTn id="14" dur="1" fill="hold">
+                                          <p:stCondLst>
+                                            <p:cond delay="0"/>
+                                          </p:stCondLst>
+                                        </p:cTn>
+                                        <p:tgtEl>
+                                          <p:spTgt spid="3">
+                                            <p:txEl>
+                                              <p:pRg st="2" end="2"/>
+                                            </p:txEl>
+                                          </p:spTgt>
+                                        </p:tgtEl>
+                                        <p:attrNameLst>
+                                          <p:attrName>style.visibility</p:attrName>
+                                        </p:attrNameLst>
+                                      </p:cBhvr>
+                                      <p:to>
+                                        <p:strVal val="visible"/>
+                                      </p:to>
+                                    </p:set>
+                                  </p:childTnLst>
+                                </p:cTn>
+                              </p:par>
+                            </p:childTnLst>
+                          </p:cTn>
+                        </p:par>
+                      </p:childTnLst>
+                    </p:cTn>
+                  </p:par>
+                  <p:par>
+                    <p:cTn id="15" fill="hold">
+                      <p:stCondLst>
+                        <p:cond delay="indefinite"/>
+                      </p:stCondLst>
+                      <p:childTnLst>
+                        <p:par>
+                          <p:cTn id="16" fill="hold">
+                            <p:stCondLst>
+                              <p:cond delay="0"/>
+                            </p:stCondLst>
+                            <p:childTnLst>
+                              <p:par>
+                                <p:cTn id="17" presetID="1" presetClass="entr" presetSubtype="0" fill="hold" grpId="0" nodeType="clickEffect">
+                                  <p:stCondLst>
+                                    <p:cond delay="0"/>
+                                  </p:stCondLst>
+                                  <p:childTnLst>
+                                    <p:set>
+                                      <p:cBhvr>
+                                        <p:cTn id="18" dur="1" fill="hold">
+                                          <p:stCondLst>
+                                            <p:cond delay="0"/>
+                                          </p:stCondLst>
+                                        </p:cTn>
+                                        <p:tgtEl>
+                                          <p:spTgt spid="3">
+                                            <p:txEl>
+                                              <p:pRg st="3" end="3"/>
+                                            </p:txEl>
+                                          </p:spTgt>
+                                        </p:tgtEl>
+                                        <p:attrNameLst>
+                                          <p:attrName>style.visibility</p:attrName>
+                                        </p:attrNameLst>
+                                      </p:cBhvr>
+                                      <p:to>
+                                        <p:strVal val="visible"/>
+                                      </p:to>
+                                    </p:set>
+                                  </p:childTnLst>
+                                </p:cTn>
+                              </p:par>
+                            </p:childTnLst>
+                          </p:cTn>
+                        </p:par>
+                      </p:childTnLst>
+                    </p:cTn>
+                  </p:par>
+                  <p:par>
+                    <p:cTn id="19" fill="hold">
+                      <p:stCondLst>
+                        <p:cond delay="indefinite"/>
+                      </p:stCondLst>
+                      <p:childTnLst>
+                        <p:par>
+                          <p:cTn id="20" fill="hold">
+                            <p:stCondLst>
+                              <p:cond delay="0"/>
+                            </p:stCondLst>
+                            <p:childTnLst>
+                              <p:par>
+                                <p:cTn id="21" presetID="1" presetClass="entr" presetSubtype="0" fill="hold" grpId="0" nodeType="clickEffect">
+                                  <p:stCondLst>
+                                    <p:cond delay="0"/>
+                                  </p:stCondLst>
+                                  <p:childTnLst>
+                                    <p:set>
+                                      <p:cBhvr>
+                                        <p:cTn id="22" dur="1" fill="hold">
+                                          <p:stCondLst>
+                                            <p:cond delay="0"/>
+                                          </p:stCondLst>
+                                        </p:cTn>
+                                        <p:tgtEl>
+                                          <p:spTgt spid="3">
+                                            <p:txEl>
+                                              <p:pRg st="4" end="4"/>
+                                            </p:txEl>
+                                          </p:spTgt>
+                                        </p:tgtEl>
+                                        <p:attrNameLst>
+                                          <p:attrName>style.visibility</p:attrName>
+                                        </p:attrNameLst>
+                                      </p:cBhvr>
+                                      <p:to>
+                                        <p:strVal val="visible"/>
+                                      </p:to>
+                                    </p:set>
+                                  </p:childTnLst>
+                                </p:cTn>
+                              </p:par>
+                              <p:par>
+                                <p:cTn id="23" presetID="1" presetClass="entr" presetSubtype="0" fill="hold" grpId="0" nodeType="withEffect">
+                                  <p:stCondLst>
+                                    <p:cond delay="0"/>
+                                  </p:stCondLst>
+                                  <p:childTnLst>
+                                    <p:set>
+                                      <p:cBhvr>
+                                        <p:cTn id="24" dur="1" fill="hold">
+                                          <p:stCondLst>
+                                            <p:cond delay="0"/>
+                                          </p:stCondLst>
+                                        </p:cTn>
+                                        <p:tgtEl>
+                                          <p:spTgt spid="3">
+                                            <p:txEl>
+                                              <p:pRg st="5" end="5"/>
+                                            </p:txEl>
+                                          </p:spTgt>
+                                        </p:tgtEl>
+                                        <p:attrNameLst>
+                                          <p:attrName>style.visibility</p:attrName>
+                                        </p:attrNameLst>
+                                      </p:cBhvr>
+                                      <p:to>
+                                        <p:strVal val="visible"/>
+                                      </p:to>
+                                    </p:set>
+                                  </p:childTnLst>
+                                </p:cTn>
+                              </p:par>
+                            </p:childTnLst>
+                          </p:cTn>
+                        </p:par>
+                      </p:childTnLst>
+                    </p:cTn>
+                  </p:par>
+                  <p:par>
+                    <p:cTn id="25" fill="hold">
+                      <p:stCondLst>
+                        <p:cond delay="indefinite"/>
+                      </p:stCondLst>
+                      <p:childTnLst>
+                        <p:par>
+                          <p:cTn id="26" fill="hold">
+                            <p:stCondLst>
+                              <p:cond delay="0"/>
+                            </p:stCondLst>
+                            <p:childTnLst>
+                              <p:par>
+                                <p:cTn id="27" presetID="1" presetClass="entr" presetSubtype="0" fill="hold" grpId="0" nodeType="clickEffect">
+                                  <p:stCondLst>
+                                    <p:cond delay="0"/>
+                                  </p:stCondLst>
+                                  <p:childTnLst>
+                                    <p:set>
+                                      <p:cBhvr>
+                                        <p:cTn id="28" dur="1" fill="hold">
+                                          <p:stCondLst>
+                                            <p:cond delay="0"/>
+                                          </p:stCondLst>
+                                        </p:cTn>
+                                        <p:tgtEl>
+                                          <p:spTgt spid="3">
+                                            <p:txEl>
+                                              <p:pRg st="6" end="6"/>
+                                            </p:txEl>
+                                          </p:spTgt>
                                         </p:tgtEl>
                                         <p:attrNameLst>
                                           <p:attrName>style.visibility</p:attrName>
@@ -5217,11 +5026,14 @@
         </p:cTn>
       </p:par>
     </p:tnLst>
+    <p:bldLst>
+      <p:bldP spid="3" grpId="0" build="p"/>
+    </p:bldLst>
   </p:timing>
 </p:sld>
 </file>
 
-<file path=ppt/slides/slide14.xml><?xml version="1.0" encoding="utf-8"?>
+<file path=ppt/slides/slide11.xml><?xml version="1.0" encoding="utf-8"?>
 <p:sld xmlns:a="http://schemas.openxmlformats.org/drawingml/2006/main" xmlns:r="http://schemas.openxmlformats.org/officeDocument/2006/relationships" xmlns:p="http://schemas.openxmlformats.org/presentationml/2006/main">
   <p:cSld>
     <p:spTree>
@@ -5250,336 +5062,25 @@
         </p:nvSpPr>
         <p:spPr/>
         <p:txBody>
-          <a:bodyPr>
-            <a:normAutofit/>
-          </a:bodyPr>
-          <a:lstStyle/>
-          <a:p>
-            <a:r>
-              <a:rPr lang="en-US" sz="3600" dirty="0"/>
-              <a:t>Virtual memory (quick but painful primer)</a:t>
-            </a:r>
-            <a:endParaRPr lang="en-US" sz="3600" dirty="0"/>
-          </a:p>
-        </p:txBody>
-      </p:sp>
-      <p:sp>
-        <p:nvSpPr>
-          <p:cNvPr id="3" name="Content Placeholder 2"/>
-          <p:cNvSpPr>
-            <a:spLocks noGrp="1"/>
-          </p:cNvSpPr>
-          <p:nvPr>
-            <p:ph idx="1"/>
-          </p:nvPr>
-        </p:nvSpPr>
-        <p:spPr/>
-        <p:txBody>
-          <a:bodyPr>
-            <a:normAutofit fontScale="92500" lnSpcReduction="20000"/>
-          </a:bodyPr>
-          <a:lstStyle/>
-          <a:p>
-            <a:r>
-              <a:rPr lang="en-US" b="1" dirty="0" smtClean="0">
-                <a:solidFill>
-                  <a:schemeClr val="accent5">
-                    <a:lumMod val="50000"/>
-                  </a:schemeClr>
-                </a:solidFill>
-              </a:rPr>
-              <a:t>Memory Management Unit (MMU)</a:t>
-            </a:r>
-          </a:p>
-          <a:p>
-            <a:pPr lvl="1"/>
-            <a:r>
-              <a:rPr lang="en-US" dirty="0" smtClean="0"/>
-              <a:t>Transforms </a:t>
-            </a:r>
-            <a:r>
-              <a:rPr lang="en-US" b="1" dirty="0" smtClean="0">
-                <a:solidFill>
-                  <a:schemeClr val="accent5">
-                    <a:lumMod val="50000"/>
-                  </a:schemeClr>
-                </a:solidFill>
-              </a:rPr>
-              <a:t>virtual addresses </a:t>
-            </a:r>
-            <a:r>
-              <a:rPr lang="en-US" dirty="0" smtClean="0"/>
-              <a:t>into </a:t>
-            </a:r>
-            <a:r>
-              <a:rPr lang="en-US" b="1" dirty="0" smtClean="0">
-                <a:solidFill>
-                  <a:schemeClr val="accent5">
-                    <a:lumMod val="50000"/>
-                  </a:schemeClr>
-                </a:solidFill>
-              </a:rPr>
-              <a:t>physical addresses</a:t>
-            </a:r>
-          </a:p>
-          <a:p>
-            <a:pPr lvl="1"/>
-            <a:r>
-              <a:rPr lang="en-US" dirty="0" smtClean="0"/>
-              <a:t>Memory is laid out in </a:t>
-            </a:r>
-            <a:r>
-              <a:rPr lang="en-US" b="1" dirty="0" smtClean="0">
-                <a:solidFill>
-                  <a:schemeClr val="accent5">
-                    <a:lumMod val="50000"/>
-                  </a:schemeClr>
-                </a:solidFill>
-              </a:rPr>
-              <a:t>virtual</a:t>
-            </a:r>
-            <a:r>
-              <a:rPr lang="en-US" dirty="0" smtClean="0">
-                <a:solidFill>
-                  <a:schemeClr val="accent5">
-                    <a:lumMod val="50000"/>
-                  </a:schemeClr>
-                </a:solidFill>
-              </a:rPr>
-              <a:t> </a:t>
-            </a:r>
-            <a:r>
-              <a:rPr lang="en-US" b="1" dirty="0" smtClean="0">
-                <a:solidFill>
-                  <a:schemeClr val="accent5">
-                    <a:lumMod val="50000"/>
-                  </a:schemeClr>
-                </a:solidFill>
-              </a:rPr>
-              <a:t>pages</a:t>
-            </a:r>
-            <a:r>
-              <a:rPr lang="en-US" dirty="0" smtClean="0">
-                <a:solidFill>
-                  <a:schemeClr val="accent5">
-                    <a:lumMod val="50000"/>
-                  </a:schemeClr>
-                </a:solidFill>
-              </a:rPr>
-              <a:t> </a:t>
-            </a:r>
-            <a:r>
-              <a:rPr lang="en-US" dirty="0" smtClean="0"/>
-              <a:t>(4K, 2M, 1G, </a:t>
-            </a:r>
-            <a:r>
-              <a:rPr lang="is-IS" dirty="0" smtClean="0"/>
-              <a:t>…)</a:t>
-            </a:r>
-          </a:p>
-          <a:p>
-            <a:pPr lvl="1"/>
-            <a:r>
-              <a:rPr lang="is-IS" dirty="0" smtClean="0"/>
-              <a:t>Control available only to the supervisor (historically)</a:t>
-            </a:r>
-          </a:p>
-          <a:p>
-            <a:pPr lvl="1"/>
-            <a:r>
-              <a:rPr lang="is-IS" dirty="0" smtClean="0"/>
-              <a:t>Software handles failures (e.g., permissions) via traps</a:t>
-            </a:r>
-          </a:p>
-          <a:p>
-            <a:r>
-              <a:rPr lang="is-IS" b="1" dirty="0" smtClean="0">
-                <a:solidFill>
-                  <a:schemeClr val="accent5">
-                    <a:lumMod val="50000"/>
-                  </a:schemeClr>
-                </a:solidFill>
-              </a:rPr>
-              <a:t>Page tables</a:t>
-            </a:r>
-          </a:p>
-          <a:p>
-            <a:pPr lvl="1"/>
-            <a:r>
-              <a:rPr lang="is-IS" dirty="0" smtClean="0"/>
-              <a:t>SW-managed </a:t>
-            </a:r>
-            <a:r>
-              <a:rPr lang="is-IS" b="1" dirty="0" smtClean="0">
-                <a:solidFill>
-                  <a:schemeClr val="accent5">
-                    <a:lumMod val="50000"/>
-                  </a:schemeClr>
-                </a:solidFill>
-              </a:rPr>
-              <a:t>page tables </a:t>
-            </a:r>
-            <a:r>
-              <a:rPr lang="is-IS" dirty="0" smtClean="0"/>
-              <a:t>provide </a:t>
-            </a:r>
-            <a:r>
-              <a:rPr lang="is-IS" b="1" dirty="0" smtClean="0">
-                <a:solidFill>
-                  <a:schemeClr val="accent5">
-                    <a:lumMod val="50000"/>
-                  </a:schemeClr>
-                </a:solidFill>
-              </a:rPr>
-              <a:t>virtual-physical mappings</a:t>
-            </a:r>
-          </a:p>
-          <a:p>
-            <a:pPr lvl="1"/>
-            <a:r>
-              <a:rPr lang="is-IS" dirty="0" smtClean="0"/>
-              <a:t>Access permissions, page attributes (e.g., caching), dirty bit</a:t>
-            </a:r>
-          </a:p>
-          <a:p>
-            <a:pPr lvl="1"/>
-            <a:r>
-              <a:rPr lang="is-IS" dirty="0" smtClean="0"/>
-              <a:t>Various configurations + traps implement BSS, COW, sharing, ...</a:t>
-            </a:r>
-          </a:p>
-          <a:p>
-            <a:r>
-              <a:rPr lang="is-IS" b="1" dirty="0" smtClean="0">
-                <a:solidFill>
-                  <a:schemeClr val="accent5">
-                    <a:lumMod val="50000"/>
-                  </a:schemeClr>
-                </a:solidFill>
-              </a:rPr>
-              <a:t>Translation Look-aside Buffer (TLB)</a:t>
-            </a:r>
-          </a:p>
-          <a:p>
-            <a:pPr lvl="1"/>
-            <a:r>
-              <a:rPr lang="is-IS" dirty="0" smtClean="0"/>
-              <a:t>Hardware cache of entries – avoid walking pagetables</a:t>
-            </a:r>
-          </a:p>
-          <a:p>
-            <a:pPr lvl="1"/>
-            <a:r>
-              <a:rPr lang="is-IS" dirty="0" smtClean="0"/>
-              <a:t>Content A</a:t>
-            </a:r>
-            <a:r>
-              <a:rPr lang="en-US" dirty="0" smtClean="0"/>
-              <a:t>d</a:t>
-            </a:r>
-            <a:r>
-              <a:rPr lang="is-IS" dirty="0" smtClean="0"/>
-              <a:t>dressable Memory (CAM); 48? 1024? entries</a:t>
-            </a:r>
-          </a:p>
-          <a:p>
-            <a:pPr lvl="1"/>
-            <a:r>
-              <a:rPr lang="is-IS" dirty="0" smtClean="0"/>
-              <a:t>TLB </a:t>
-            </a:r>
-            <a:r>
-              <a:rPr lang="is-IS" b="1" dirty="0" smtClean="0">
-                <a:solidFill>
-                  <a:schemeClr val="accent5">
-                    <a:lumMod val="50000"/>
-                  </a:schemeClr>
-                </a:solidFill>
-              </a:rPr>
-              <a:t>tags</a:t>
-            </a:r>
-            <a:r>
-              <a:rPr lang="is-IS" dirty="0" smtClean="0"/>
-              <a:t>: entries </a:t>
-            </a:r>
-            <a:r>
-              <a:rPr lang="is-IS" b="1" dirty="0" smtClean="0">
-                <a:solidFill>
-                  <a:schemeClr val="accent5">
-                    <a:lumMod val="50000"/>
-                  </a:schemeClr>
-                </a:solidFill>
-              </a:rPr>
-              <a:t>global</a:t>
-            </a:r>
-            <a:r>
-              <a:rPr lang="is-IS" dirty="0" smtClean="0">
-                <a:solidFill>
-                  <a:schemeClr val="accent5">
-                    <a:lumMod val="50000"/>
-                  </a:schemeClr>
-                </a:solidFill>
-              </a:rPr>
-              <a:t> </a:t>
-            </a:r>
-            <a:r>
-              <a:rPr lang="is-IS" dirty="0" smtClean="0"/>
-              <a:t>or for a specific </a:t>
-            </a:r>
-            <a:r>
-              <a:rPr lang="is-IS" b="1" dirty="0" smtClean="0">
-                <a:solidFill>
-                  <a:schemeClr val="accent5">
-                    <a:lumMod val="50000"/>
-                  </a:schemeClr>
-                </a:solidFill>
-              </a:rPr>
-              <a:t>address-space ID (ASID)</a:t>
-            </a:r>
-          </a:p>
-          <a:p>
-            <a:pPr lvl="1"/>
-            <a:r>
-              <a:rPr lang="is-IS" dirty="0" smtClean="0"/>
-              <a:t>Software- vs. hardware-managed TLBs</a:t>
-            </a:r>
-          </a:p>
-          <a:p>
-            <a:endParaRPr lang="en-US" dirty="0"/>
-          </a:p>
-        </p:txBody>
-      </p:sp>
-      <p:sp>
-        <p:nvSpPr>
-          <p:cNvPr id="4" name="Footer Placeholder 3"/>
-          <p:cNvSpPr>
-            <a:spLocks noGrp="1"/>
-          </p:cNvSpPr>
-          <p:nvPr>
-            <p:ph type="ftr" sz="quarter" idx="11"/>
-          </p:nvPr>
-        </p:nvSpPr>
-        <p:spPr/>
-        <p:txBody>
           <a:bodyPr/>
           <a:lstStyle/>
           <a:p>
             <a:r>
-              <a:rPr lang="en-US" smtClean="0"/>
-              <a:t>L41 Lecture 3 - The Process Model (1)</a:t>
-            </a:r>
-            <a:endParaRPr lang="en-US"/>
-          </a:p>
-        </p:txBody>
-      </p:sp>
-      <p:sp>
-        <p:nvSpPr>
-          <p:cNvPr id="5" name="Slide Number Placeholder 4"/>
-          <p:cNvSpPr>
-            <a:spLocks noGrp="1"/>
-          </p:cNvSpPr>
-          <p:nvPr>
-            <p:ph type="sldNum" sz="quarter" idx="12"/>
+              <a:rPr lang="en-US" dirty="0" smtClean="0"/>
+              <a:t>Getting Access to Memory</a:t>
+            </a:r>
+            <a:endParaRPr lang="en-US" dirty="0"/>
+          </a:p>
+        </p:txBody>
+      </p:sp>
+      <p:sp>
+        <p:nvSpPr>
+          <p:cNvPr id="3" name="Content Placeholder 2"/>
+          <p:cNvSpPr>
+            <a:spLocks noGrp="1"/>
+          </p:cNvSpPr>
+          <p:nvPr>
+            <p:ph idx="1"/>
           </p:nvPr>
         </p:nvSpPr>
         <p:spPr/>
@@ -5587,18 +5088,74 @@
           <a:bodyPr/>
           <a:lstStyle/>
           <a:p>
-            <a:fld id="{4451A708-1483-F44A-AC56-12F69CC7793D}" type="slidenum">
+            <a:r>
+              <a:rPr lang="en-US" dirty="0" smtClean="0"/>
+              <a:t>A program reads or writes and address</a:t>
+            </a:r>
+          </a:p>
+          <a:p>
+            <a:r>
+              <a:rPr lang="en-US" dirty="0" smtClean="0"/>
+              <a:t>If the page with that address is currently </a:t>
+            </a:r>
+            <a:r>
+              <a:rPr lang="en-US" i="1" dirty="0" smtClean="0"/>
+              <a:t>mapped</a:t>
+            </a:r>
+            <a:r>
+              <a:rPr lang="en-US" dirty="0" smtClean="0"/>
+              <a:t> it gets immediate access</a:t>
+            </a:r>
+          </a:p>
+          <a:p>
+            <a:r>
+              <a:rPr lang="en-US" dirty="0" smtClean="0"/>
+              <a:t>A page fault occurs on an address that has not been seen</a:t>
+            </a:r>
+          </a:p>
+          <a:p>
+            <a:r>
+              <a:rPr lang="en-US" dirty="0" smtClean="0"/>
+              <a:t>Process protection occurs at the page fault boundary</a:t>
+            </a:r>
+          </a:p>
+          <a:p>
+            <a:pPr lvl="1"/>
+            <a:r>
+              <a:rPr lang="en-US" dirty="0" smtClean="0"/>
+              <a:t>A process that touches an invalid address is terminated (SEGFAULT)</a:t>
+            </a:r>
+            <a:endParaRPr lang="en-US" dirty="0"/>
+          </a:p>
+        </p:txBody>
+      </p:sp>
+      <p:sp>
+        <p:nvSpPr>
+          <p:cNvPr id="4" name="Footer Placeholder 3"/>
+          <p:cNvSpPr>
+            <a:spLocks noGrp="1"/>
+          </p:cNvSpPr>
+          <p:nvPr>
+            <p:ph type="ftr" sz="quarter" idx="11"/>
+          </p:nvPr>
+        </p:nvSpPr>
+        <p:spPr/>
+        <p:txBody>
+          <a:bodyPr/>
+          <a:lstStyle/>
+          <a:p>
+            <a:r>
               <a:rPr lang="en-US" smtClean="0"/>
-              <a:t>14</a:t>
-            </a:fld>
-            <a:endParaRPr lang="en-US"/>
+              <a:t>Introduction to Operating Systems</a:t>
+            </a:r>
+            <a:endParaRPr lang="en-US" dirty="0"/>
           </a:p>
         </p:txBody>
       </p:sp>
     </p:spTree>
     <p:extLst>
       <p:ext uri="{BB962C8B-B14F-4D97-AF65-F5344CB8AC3E}">
-        <p14:creationId xmlns:p14="http://schemas.microsoft.com/office/powerpoint/2010/main" val="1690993326"/>
+        <p14:creationId xmlns:p14="http://schemas.microsoft.com/office/powerpoint/2010/main" val="315805857"/>
       </p:ext>
     </p:extLst>
   </p:cSld>
@@ -5626,7 +5183,483 @@
                             </p:stCondLst>
                             <p:childTnLst>
                               <p:par>
-                                <p:cTn id="5" presetID="1" presetClass="entr" presetSubtype="0" fill="hold" nodeType="clickEffect">
+                                <p:cTn id="5" presetID="1" presetClass="entr" presetSubtype="0" fill="hold" grpId="0" nodeType="clickEffect">
+                                  <p:stCondLst>
+                                    <p:cond delay="0"/>
+                                  </p:stCondLst>
+                                  <p:childTnLst>
+                                    <p:set>
+                                      <p:cBhvr>
+                                        <p:cTn id="6" dur="1" fill="hold">
+                                          <p:stCondLst>
+                                            <p:cond delay="0"/>
+                                          </p:stCondLst>
+                                        </p:cTn>
+                                        <p:tgtEl>
+                                          <p:spTgt spid="3">
+                                            <p:txEl>
+                                              <p:pRg st="0" end="0"/>
+                                            </p:txEl>
+                                          </p:spTgt>
+                                        </p:tgtEl>
+                                        <p:attrNameLst>
+                                          <p:attrName>style.visibility</p:attrName>
+                                        </p:attrNameLst>
+                                      </p:cBhvr>
+                                      <p:to>
+                                        <p:strVal val="visible"/>
+                                      </p:to>
+                                    </p:set>
+                                  </p:childTnLst>
+                                </p:cTn>
+                              </p:par>
+                            </p:childTnLst>
+                          </p:cTn>
+                        </p:par>
+                      </p:childTnLst>
+                    </p:cTn>
+                  </p:par>
+                  <p:par>
+                    <p:cTn id="7" fill="hold">
+                      <p:stCondLst>
+                        <p:cond delay="indefinite"/>
+                      </p:stCondLst>
+                      <p:childTnLst>
+                        <p:par>
+                          <p:cTn id="8" fill="hold">
+                            <p:stCondLst>
+                              <p:cond delay="0"/>
+                            </p:stCondLst>
+                            <p:childTnLst>
+                              <p:par>
+                                <p:cTn id="9" presetID="1" presetClass="entr" presetSubtype="0" fill="hold" grpId="0" nodeType="clickEffect">
+                                  <p:stCondLst>
+                                    <p:cond delay="0"/>
+                                  </p:stCondLst>
+                                  <p:childTnLst>
+                                    <p:set>
+                                      <p:cBhvr>
+                                        <p:cTn id="10" dur="1" fill="hold">
+                                          <p:stCondLst>
+                                            <p:cond delay="0"/>
+                                          </p:stCondLst>
+                                        </p:cTn>
+                                        <p:tgtEl>
+                                          <p:spTgt spid="3">
+                                            <p:txEl>
+                                              <p:pRg st="1" end="1"/>
+                                            </p:txEl>
+                                          </p:spTgt>
+                                        </p:tgtEl>
+                                        <p:attrNameLst>
+                                          <p:attrName>style.visibility</p:attrName>
+                                        </p:attrNameLst>
+                                      </p:cBhvr>
+                                      <p:to>
+                                        <p:strVal val="visible"/>
+                                      </p:to>
+                                    </p:set>
+                                  </p:childTnLst>
+                                </p:cTn>
+                              </p:par>
+                            </p:childTnLst>
+                          </p:cTn>
+                        </p:par>
+                      </p:childTnLst>
+                    </p:cTn>
+                  </p:par>
+                  <p:par>
+                    <p:cTn id="11" fill="hold">
+                      <p:stCondLst>
+                        <p:cond delay="indefinite"/>
+                      </p:stCondLst>
+                      <p:childTnLst>
+                        <p:par>
+                          <p:cTn id="12" fill="hold">
+                            <p:stCondLst>
+                              <p:cond delay="0"/>
+                            </p:stCondLst>
+                            <p:childTnLst>
+                              <p:par>
+                                <p:cTn id="13" presetID="1" presetClass="entr" presetSubtype="0" fill="hold" grpId="0" nodeType="clickEffect">
+                                  <p:stCondLst>
+                                    <p:cond delay="0"/>
+                                  </p:stCondLst>
+                                  <p:childTnLst>
+                                    <p:set>
+                                      <p:cBhvr>
+                                        <p:cTn id="14" dur="1" fill="hold">
+                                          <p:stCondLst>
+                                            <p:cond delay="0"/>
+                                          </p:stCondLst>
+                                        </p:cTn>
+                                        <p:tgtEl>
+                                          <p:spTgt spid="3">
+                                            <p:txEl>
+                                              <p:pRg st="2" end="2"/>
+                                            </p:txEl>
+                                          </p:spTgt>
+                                        </p:tgtEl>
+                                        <p:attrNameLst>
+                                          <p:attrName>style.visibility</p:attrName>
+                                        </p:attrNameLst>
+                                      </p:cBhvr>
+                                      <p:to>
+                                        <p:strVal val="visible"/>
+                                      </p:to>
+                                    </p:set>
+                                  </p:childTnLst>
+                                </p:cTn>
+                              </p:par>
+                            </p:childTnLst>
+                          </p:cTn>
+                        </p:par>
+                      </p:childTnLst>
+                    </p:cTn>
+                  </p:par>
+                  <p:par>
+                    <p:cTn id="15" fill="hold">
+                      <p:stCondLst>
+                        <p:cond delay="indefinite"/>
+                      </p:stCondLst>
+                      <p:childTnLst>
+                        <p:par>
+                          <p:cTn id="16" fill="hold">
+                            <p:stCondLst>
+                              <p:cond delay="0"/>
+                            </p:stCondLst>
+                            <p:childTnLst>
+                              <p:par>
+                                <p:cTn id="17" presetID="1" presetClass="entr" presetSubtype="0" fill="hold" grpId="0" nodeType="clickEffect">
+                                  <p:stCondLst>
+                                    <p:cond delay="0"/>
+                                  </p:stCondLst>
+                                  <p:childTnLst>
+                                    <p:set>
+                                      <p:cBhvr>
+                                        <p:cTn id="18" dur="1" fill="hold">
+                                          <p:stCondLst>
+                                            <p:cond delay="0"/>
+                                          </p:stCondLst>
+                                        </p:cTn>
+                                        <p:tgtEl>
+                                          <p:spTgt spid="3">
+                                            <p:txEl>
+                                              <p:pRg st="3" end="3"/>
+                                            </p:txEl>
+                                          </p:spTgt>
+                                        </p:tgtEl>
+                                        <p:attrNameLst>
+                                          <p:attrName>style.visibility</p:attrName>
+                                        </p:attrNameLst>
+                                      </p:cBhvr>
+                                      <p:to>
+                                        <p:strVal val="visible"/>
+                                      </p:to>
+                                    </p:set>
+                                  </p:childTnLst>
+                                </p:cTn>
+                              </p:par>
+                              <p:par>
+                                <p:cTn id="19" presetID="1" presetClass="entr" presetSubtype="0" fill="hold" grpId="0" nodeType="withEffect">
+                                  <p:stCondLst>
+                                    <p:cond delay="0"/>
+                                  </p:stCondLst>
+                                  <p:childTnLst>
+                                    <p:set>
+                                      <p:cBhvr>
+                                        <p:cTn id="20" dur="1" fill="hold">
+                                          <p:stCondLst>
+                                            <p:cond delay="0"/>
+                                          </p:stCondLst>
+                                        </p:cTn>
+                                        <p:tgtEl>
+                                          <p:spTgt spid="3">
+                                            <p:txEl>
+                                              <p:pRg st="4" end="4"/>
+                                            </p:txEl>
+                                          </p:spTgt>
+                                        </p:tgtEl>
+                                        <p:attrNameLst>
+                                          <p:attrName>style.visibility</p:attrName>
+                                        </p:attrNameLst>
+                                      </p:cBhvr>
+                                      <p:to>
+                                        <p:strVal val="visible"/>
+                                      </p:to>
+                                    </p:set>
+                                  </p:childTnLst>
+                                </p:cTn>
+                              </p:par>
+                            </p:childTnLst>
+                          </p:cTn>
+                        </p:par>
+                      </p:childTnLst>
+                    </p:cTn>
+                  </p:par>
+                </p:childTnLst>
+              </p:cTn>
+              <p:prevCondLst>
+                <p:cond evt="onPrev" delay="0">
+                  <p:tgtEl>
+                    <p:sldTgt/>
+                  </p:tgtEl>
+                </p:cond>
+              </p:prevCondLst>
+              <p:nextCondLst>
+                <p:cond evt="onNext" delay="0">
+                  <p:tgtEl>
+                    <p:sldTgt/>
+                  </p:tgtEl>
+                </p:cond>
+              </p:nextCondLst>
+            </p:seq>
+          </p:childTnLst>
+        </p:cTn>
+      </p:par>
+    </p:tnLst>
+    <p:bldLst>
+      <p:bldP spid="3" grpId="0" build="p"/>
+    </p:bldLst>
+  </p:timing>
+</p:sld>
+</file>
+
+<file path=ppt/slides/slide12.xml><?xml version="1.0" encoding="utf-8"?>
+<p:sld xmlns:a="http://schemas.openxmlformats.org/drawingml/2006/main" xmlns:r="http://schemas.openxmlformats.org/officeDocument/2006/relationships" xmlns:p="http://schemas.openxmlformats.org/presentationml/2006/main">
+  <p:cSld>
+    <p:spTree>
+      <p:nvGrpSpPr>
+        <p:cNvPr id="1" name=""/>
+        <p:cNvGrpSpPr/>
+        <p:nvPr/>
+      </p:nvGrpSpPr>
+      <p:grpSpPr>
+        <a:xfrm>
+          <a:off x="0" y="0"/>
+          <a:ext cx="0" cy="0"/>
+          <a:chOff x="0" y="0"/>
+          <a:chExt cx="0" cy="0"/>
+        </a:xfrm>
+      </p:grpSpPr>
+      <p:sp>
+        <p:nvSpPr>
+          <p:cNvPr id="2" name="Title 1"/>
+          <p:cNvSpPr>
+            <a:spLocks noGrp="1"/>
+          </p:cNvSpPr>
+          <p:nvPr>
+            <p:ph type="title"/>
+          </p:nvPr>
+        </p:nvSpPr>
+        <p:spPr/>
+        <p:txBody>
+          <a:bodyPr>
+            <a:normAutofit/>
+          </a:bodyPr>
+          <a:lstStyle/>
+          <a:p>
+            <a:r>
+              <a:rPr lang="en-US" sz="3600" dirty="0">
+                <a:solidFill>
+                  <a:schemeClr val="accent5">
+                    <a:lumMod val="50000"/>
+                  </a:schemeClr>
+                </a:solidFill>
+              </a:rPr>
+              <a:t>Memory Management Unit (MMU</a:t>
+            </a:r>
+            <a:r>
+              <a:rPr lang="en-US" sz="3600" dirty="0" smtClean="0">
+                <a:solidFill>
+                  <a:schemeClr val="accent5">
+                    <a:lumMod val="50000"/>
+                  </a:schemeClr>
+                </a:solidFill>
+              </a:rPr>
+              <a:t>)</a:t>
+            </a:r>
+            <a:endParaRPr lang="en-US" sz="3600" dirty="0"/>
+          </a:p>
+        </p:txBody>
+      </p:sp>
+      <p:sp>
+        <p:nvSpPr>
+          <p:cNvPr id="3" name="Content Placeholder 2"/>
+          <p:cNvSpPr>
+            <a:spLocks noGrp="1"/>
+          </p:cNvSpPr>
+          <p:nvPr>
+            <p:ph idx="1"/>
+          </p:nvPr>
+        </p:nvSpPr>
+        <p:spPr/>
+        <p:txBody>
+          <a:bodyPr>
+            <a:normAutofit/>
+          </a:bodyPr>
+          <a:lstStyle/>
+          <a:p>
+            <a:r>
+              <a:rPr lang="en-US" dirty="0" smtClean="0"/>
+              <a:t>Transforms </a:t>
+            </a:r>
+            <a:r>
+              <a:rPr lang="en-US" b="1" dirty="0" smtClean="0">
+                <a:solidFill>
+                  <a:schemeClr val="accent5">
+                    <a:lumMod val="50000"/>
+                  </a:schemeClr>
+                </a:solidFill>
+              </a:rPr>
+              <a:t>virtual addresses </a:t>
+            </a:r>
+            <a:r>
+              <a:rPr lang="en-US" dirty="0" smtClean="0"/>
+              <a:t>into </a:t>
+            </a:r>
+            <a:r>
+              <a:rPr lang="en-US" b="1" dirty="0" smtClean="0">
+                <a:solidFill>
+                  <a:schemeClr val="accent5">
+                    <a:lumMod val="50000"/>
+                  </a:schemeClr>
+                </a:solidFill>
+              </a:rPr>
+              <a:t>physical addresses</a:t>
+            </a:r>
+          </a:p>
+          <a:p>
+            <a:r>
+              <a:rPr lang="en-US" dirty="0" smtClean="0"/>
+              <a:t>Memory is laid out in </a:t>
+            </a:r>
+            <a:r>
+              <a:rPr lang="en-US" b="1" dirty="0" smtClean="0">
+                <a:solidFill>
+                  <a:schemeClr val="accent5">
+                    <a:lumMod val="50000"/>
+                  </a:schemeClr>
+                </a:solidFill>
+              </a:rPr>
+              <a:t>virtual</a:t>
+            </a:r>
+            <a:r>
+              <a:rPr lang="en-US" dirty="0" smtClean="0">
+                <a:solidFill>
+                  <a:schemeClr val="accent5">
+                    <a:lumMod val="50000"/>
+                  </a:schemeClr>
+                </a:solidFill>
+              </a:rPr>
+              <a:t> </a:t>
+            </a:r>
+            <a:r>
+              <a:rPr lang="en-US" b="1" dirty="0" smtClean="0">
+                <a:solidFill>
+                  <a:schemeClr val="accent5">
+                    <a:lumMod val="50000"/>
+                  </a:schemeClr>
+                </a:solidFill>
+              </a:rPr>
+              <a:t>pages</a:t>
+            </a:r>
+            <a:r>
+              <a:rPr lang="en-US" dirty="0" smtClean="0">
+                <a:solidFill>
+                  <a:schemeClr val="accent5">
+                    <a:lumMod val="50000"/>
+                  </a:schemeClr>
+                </a:solidFill>
+              </a:rPr>
+              <a:t> </a:t>
+            </a:r>
+            <a:r>
+              <a:rPr lang="en-US" dirty="0" smtClean="0"/>
+              <a:t>(4K, 2M, 1G, </a:t>
+            </a:r>
+            <a:r>
+              <a:rPr lang="is-IS" dirty="0" smtClean="0"/>
+              <a:t>…)</a:t>
+            </a:r>
+          </a:p>
+          <a:p>
+            <a:r>
+              <a:rPr lang="is-IS" dirty="0" smtClean="0"/>
+              <a:t>Control available only to the supervisor (historically)</a:t>
+            </a:r>
+          </a:p>
+          <a:p>
+            <a:r>
+              <a:rPr lang="is-IS" dirty="0" smtClean="0"/>
+              <a:t>Software handles failures (e.g., permissions) via </a:t>
+            </a:r>
+            <a:r>
+              <a:rPr lang="is-IS" dirty="0" smtClean="0"/>
+              <a:t>traps</a:t>
+            </a:r>
+            <a:endParaRPr lang="is-IS" dirty="0" smtClean="0"/>
+          </a:p>
+        </p:txBody>
+      </p:sp>
+      <p:sp>
+        <p:nvSpPr>
+          <p:cNvPr id="4" name="Footer Placeholder 3"/>
+          <p:cNvSpPr>
+            <a:spLocks noGrp="1"/>
+          </p:cNvSpPr>
+          <p:nvPr>
+            <p:ph type="ftr" sz="quarter" idx="11"/>
+          </p:nvPr>
+        </p:nvSpPr>
+        <p:spPr/>
+        <p:txBody>
+          <a:bodyPr/>
+          <a:lstStyle/>
+          <a:p>
+            <a:r>
+              <a:rPr lang="en-US" smtClean="0"/>
+              <a:t>Introduction to Operating Systems</a:t>
+            </a:r>
+            <a:endParaRPr lang="en-US"/>
+          </a:p>
+        </p:txBody>
+      </p:sp>
+    </p:spTree>
+    <p:extLst>
+      <p:ext uri="{BB962C8B-B14F-4D97-AF65-F5344CB8AC3E}">
+        <p14:creationId xmlns:p14="http://schemas.microsoft.com/office/powerpoint/2010/main" val="1690993326"/>
+      </p:ext>
+    </p:extLst>
+  </p:cSld>
+  <p:clrMapOvr>
+    <a:masterClrMapping/>
+  </p:clrMapOvr>
+  <p:timing>
+    <p:tnLst>
+      <p:par>
+        <p:cTn id="1" dur="indefinite" restart="never" nodeType="tmRoot">
+          <p:childTnLst>
+            <p:seq concurrent="1" nextAc="seek">
+              <p:cTn id="2" dur="indefinite" nodeType="mainSeq">
+                <p:childTnLst>
+                  <p:par>
+                    <p:cTn id="3" fill="hold">
+                      <p:stCondLst>
+                        <p:cond delay="indefinite"/>
+                        <p:cond evt="onBegin" delay="0">
+                          <p:tn val="2"/>
+                        </p:cond>
+                      </p:stCondLst>
+                      <p:childTnLst>
+                        <p:par>
+                          <p:cTn id="4" fill="hold">
+                            <p:stCondLst>
+                              <p:cond delay="0"/>
+                            </p:stCondLst>
+                            <p:childTnLst>
+                              <p:par>
+                                <p:cTn id="5" presetID="1" presetClass="entr" presetSubtype="0" fill="hold" nodeType="withEffect">
                                   <p:stCondLst>
                                     <p:cond delay="0"/>
                                   </p:stCondLst>
@@ -5749,15 +5782,33 @@
                                   </p:childTnLst>
                                 </p:cTn>
                               </p:par>
+                            </p:childTnLst>
+                          </p:cTn>
+                        </p:par>
+                      </p:childTnLst>
+                    </p:cTn>
+                  </p:par>
+                  <p:par>
+                    <p:cTn id="13" fill="hold">
+                      <p:stCondLst>
+                        <p:cond delay="indefinite"/>
+                      </p:stCondLst>
+                      <p:childTnLst>
+                        <p:par>
+                          <p:cTn id="14" fill="hold">
+                            <p:stCondLst>
+                              <p:cond delay="0"/>
+                            </p:stCondLst>
+                            <p:childTnLst>
                               <p:par>
-                                <p:cTn id="13" presetID="1" presetClass="entr" presetSubtype="0" fill="hold" nodeType="withEffect">
+                                <p:cTn id="15" presetID="1" presetClass="entr" presetSubtype="0" fill="hold" nodeType="clickEffect">
                                   <p:stCondLst>
                                     <p:cond delay="0"/>
                                   </p:stCondLst>
                                   <p:childTnLst>
                                     <p:set>
                                       <p:cBhvr>
-                                        <p:cTn id="14" dur="1" fill="hold">
+                                        <p:cTn id="16" dur="1" fill="hold">
                                           <p:stCondLst>
                                             <p:cond delay="0"/>
                                           </p:stCondLst>
@@ -5765,7 +5816,7 @@
                                         <p:tgtEl>
                                           <p:spTgt spid="3">
                                             <p:txEl>
-                                              <p:pRg st="4" end="4"/>
+                                              <p:pRg st="0" end="0"/>
                                             </p:txEl>
                                           </p:spTgt>
                                         </p:tgtEl>
@@ -5780,26 +5831,8 @@
                                   </p:childTnLst>
                                 </p:cTn>
                               </p:par>
-                            </p:childTnLst>
-                          </p:cTn>
-                        </p:par>
-                      </p:childTnLst>
-                    </p:cTn>
-                  </p:par>
-                  <p:par>
-                    <p:cTn id="15" fill="hold">
-                      <p:stCondLst>
-                        <p:cond delay="indefinite"/>
-                      </p:stCondLst>
-                      <p:childTnLst>
-                        <p:par>
-                          <p:cTn id="16" fill="hold">
-                            <p:stCondLst>
-                              <p:cond delay="0"/>
-                            </p:stCondLst>
-                            <p:childTnLst>
                               <p:par>
-                                <p:cTn id="17" presetID="1" presetClass="entr" presetSubtype="0" fill="hold" nodeType="clickEffect">
+                                <p:cTn id="17" presetID="1" presetClass="entr" presetSubtype="0" fill="hold" nodeType="withEffect">
                                   <p:stCondLst>
                                     <p:cond delay="0"/>
                                   </p:stCondLst>
@@ -5814,7 +5847,7 @@
                                         <p:tgtEl>
                                           <p:spTgt spid="3">
                                             <p:txEl>
-                                              <p:pRg st="5" end="5"/>
+                                              <p:pRg st="1" end="1"/>
                                             </p:txEl>
                                           </p:spTgt>
                                         </p:tgtEl>
@@ -5845,7 +5878,7 @@
                                         <p:tgtEl>
                                           <p:spTgt spid="3">
                                             <p:txEl>
-                                              <p:pRg st="6" end="6"/>
+                                              <p:pRg st="2" end="2"/>
                                             </p:txEl>
                                           </p:spTgt>
                                         </p:tgtEl>
@@ -5876,211 +5909,7 @@
                                         <p:tgtEl>
                                           <p:spTgt spid="3">
                                             <p:txEl>
-                                              <p:pRg st="7" end="7"/>
-                                            </p:txEl>
-                                          </p:spTgt>
-                                        </p:tgtEl>
-                                        <p:attrNameLst>
-                                          <p:attrName>style.visibility</p:attrName>
-                                        </p:attrNameLst>
-                                      </p:cBhvr>
-                                      <p:to>
-                                        <p:strVal val="visible"/>
-                                      </p:to>
-                                    </p:set>
-                                  </p:childTnLst>
-                                </p:cTn>
-                              </p:par>
-                              <p:par>
-                                <p:cTn id="23" presetID="1" presetClass="entr" presetSubtype="0" fill="hold" nodeType="withEffect">
-                                  <p:stCondLst>
-                                    <p:cond delay="0"/>
-                                  </p:stCondLst>
-                                  <p:childTnLst>
-                                    <p:set>
-                                      <p:cBhvr>
-                                        <p:cTn id="24" dur="1" fill="hold">
-                                          <p:stCondLst>
-                                            <p:cond delay="0"/>
-                                          </p:stCondLst>
-                                        </p:cTn>
-                                        <p:tgtEl>
-                                          <p:spTgt spid="3">
-                                            <p:txEl>
-                                              <p:pRg st="8" end="8"/>
-                                            </p:txEl>
-                                          </p:spTgt>
-                                        </p:tgtEl>
-                                        <p:attrNameLst>
-                                          <p:attrName>style.visibility</p:attrName>
-                                        </p:attrNameLst>
-                                      </p:cBhvr>
-                                      <p:to>
-                                        <p:strVal val="visible"/>
-                                      </p:to>
-                                    </p:set>
-                                  </p:childTnLst>
-                                </p:cTn>
-                              </p:par>
-                            </p:childTnLst>
-                          </p:cTn>
-                        </p:par>
-                      </p:childTnLst>
-                    </p:cTn>
-                  </p:par>
-                  <p:par>
-                    <p:cTn id="25" fill="hold">
-                      <p:stCondLst>
-                        <p:cond delay="indefinite"/>
-                      </p:stCondLst>
-                      <p:childTnLst>
-                        <p:par>
-                          <p:cTn id="26" fill="hold">
-                            <p:stCondLst>
-                              <p:cond delay="0"/>
-                            </p:stCondLst>
-                            <p:childTnLst>
-                              <p:par>
-                                <p:cTn id="27" presetID="1" presetClass="entr" presetSubtype="0" fill="hold" nodeType="clickEffect">
-                                  <p:stCondLst>
-                                    <p:cond delay="0"/>
-                                  </p:stCondLst>
-                                  <p:childTnLst>
-                                    <p:set>
-                                      <p:cBhvr>
-                                        <p:cTn id="28" dur="1" fill="hold">
-                                          <p:stCondLst>
-                                            <p:cond delay="0"/>
-                                          </p:stCondLst>
-                                        </p:cTn>
-                                        <p:tgtEl>
-                                          <p:spTgt spid="3">
-                                            <p:txEl>
-                                              <p:pRg st="9" end="9"/>
-                                            </p:txEl>
-                                          </p:spTgt>
-                                        </p:tgtEl>
-                                        <p:attrNameLst>
-                                          <p:attrName>style.visibility</p:attrName>
-                                        </p:attrNameLst>
-                                      </p:cBhvr>
-                                      <p:to>
-                                        <p:strVal val="visible"/>
-                                      </p:to>
-                                    </p:set>
-                                  </p:childTnLst>
-                                </p:cTn>
-                              </p:par>
-                              <p:par>
-                                <p:cTn id="29" presetID="1" presetClass="entr" presetSubtype="0" fill="hold" nodeType="withEffect">
-                                  <p:stCondLst>
-                                    <p:cond delay="0"/>
-                                  </p:stCondLst>
-                                  <p:childTnLst>
-                                    <p:set>
-                                      <p:cBhvr>
-                                        <p:cTn id="30" dur="1" fill="hold">
-                                          <p:stCondLst>
-                                            <p:cond delay="0"/>
-                                          </p:stCondLst>
-                                        </p:cTn>
-                                        <p:tgtEl>
-                                          <p:spTgt spid="3">
-                                            <p:txEl>
-                                              <p:pRg st="10" end="10"/>
-                                            </p:txEl>
-                                          </p:spTgt>
-                                        </p:tgtEl>
-                                        <p:attrNameLst>
-                                          <p:attrName>style.visibility</p:attrName>
-                                        </p:attrNameLst>
-                                      </p:cBhvr>
-                                      <p:to>
-                                        <p:strVal val="visible"/>
-                                      </p:to>
-                                    </p:set>
-                                  </p:childTnLst>
-                                </p:cTn>
-                              </p:par>
-                              <p:par>
-                                <p:cTn id="31" presetID="1" presetClass="entr" presetSubtype="0" fill="hold" nodeType="withEffect">
-                                  <p:stCondLst>
-                                    <p:cond delay="0"/>
-                                  </p:stCondLst>
-                                  <p:childTnLst>
-                                    <p:set>
-                                      <p:cBhvr>
-                                        <p:cTn id="32" dur="1" fill="hold">
-                                          <p:stCondLst>
-                                            <p:cond delay="0"/>
-                                          </p:stCondLst>
-                                        </p:cTn>
-                                        <p:tgtEl>
-                                          <p:spTgt spid="3">
-                                            <p:txEl>
-                                              <p:pRg st="11" end="11"/>
-                                            </p:txEl>
-                                          </p:spTgt>
-                                        </p:tgtEl>
-                                        <p:attrNameLst>
-                                          <p:attrName>style.visibility</p:attrName>
-                                        </p:attrNameLst>
-                                      </p:cBhvr>
-                                      <p:to>
-                                        <p:strVal val="visible"/>
-                                      </p:to>
-                                    </p:set>
-                                  </p:childTnLst>
-                                </p:cTn>
-                              </p:par>
-                              <p:par>
-                                <p:cTn id="33" presetID="1" presetClass="entr" presetSubtype="0" fill="hold" nodeType="withEffect">
-                                  <p:stCondLst>
-                                    <p:cond delay="0"/>
-                                  </p:stCondLst>
-                                  <p:childTnLst>
-                                    <p:set>
-                                      <p:cBhvr>
-                                        <p:cTn id="34" dur="1" fill="hold">
-                                          <p:stCondLst>
-                                            <p:cond delay="0"/>
-                                          </p:stCondLst>
-                                        </p:cTn>
-                                        <p:tgtEl>
-                                          <p:spTgt spid="3">
-                                            <p:txEl>
-                                              <p:pRg st="12" end="12"/>
-                                            </p:txEl>
-                                          </p:spTgt>
-                                        </p:tgtEl>
-                                        <p:attrNameLst>
-                                          <p:attrName>style.visibility</p:attrName>
-                                        </p:attrNameLst>
-                                      </p:cBhvr>
-                                      <p:to>
-                                        <p:strVal val="visible"/>
-                                      </p:to>
-                                    </p:set>
-                                  </p:childTnLst>
-                                </p:cTn>
-                              </p:par>
-                              <p:par>
-                                <p:cTn id="35" presetID="1" presetClass="entr" presetSubtype="0" fill="hold" nodeType="withEffect">
-                                  <p:stCondLst>
-                                    <p:cond delay="0"/>
-                                  </p:stCondLst>
-                                  <p:childTnLst>
-                                    <p:set>
-                                      <p:cBhvr>
-                                        <p:cTn id="36" dur="1" fill="hold">
-                                          <p:stCondLst>
-                                            <p:cond delay="0"/>
-                                          </p:stCondLst>
-                                        </p:cTn>
-                                        <p:tgtEl>
-                                          <p:spTgt spid="3">
-                                            <p:txEl>
-                                              <p:pRg st="13" end="13"/>
+                                              <p:pRg st="3" end="3"/>
                                             </p:txEl>
                                           </p:spTgt>
                                         </p:tgtEl>
@@ -6126,6 +5955,814 @@
 </p:sld>
 </file>
 
+<file path=ppt/slides/slide13.xml><?xml version="1.0" encoding="utf-8"?>
+<p:sld xmlns:a="http://schemas.openxmlformats.org/drawingml/2006/main" xmlns:r="http://schemas.openxmlformats.org/officeDocument/2006/relationships" xmlns:p="http://schemas.openxmlformats.org/presentationml/2006/main">
+  <p:cSld>
+    <p:spTree>
+      <p:nvGrpSpPr>
+        <p:cNvPr id="1" name=""/>
+        <p:cNvGrpSpPr/>
+        <p:nvPr/>
+      </p:nvGrpSpPr>
+      <p:grpSpPr>
+        <a:xfrm>
+          <a:off x="0" y="0"/>
+          <a:ext cx="0" cy="0"/>
+          <a:chOff x="0" y="0"/>
+          <a:chExt cx="0" cy="0"/>
+        </a:xfrm>
+      </p:grpSpPr>
+      <p:sp>
+        <p:nvSpPr>
+          <p:cNvPr id="2" name="Title 1"/>
+          <p:cNvSpPr>
+            <a:spLocks noGrp="1"/>
+          </p:cNvSpPr>
+          <p:nvPr>
+            <p:ph type="title"/>
+          </p:nvPr>
+        </p:nvSpPr>
+        <p:spPr/>
+        <p:txBody>
+          <a:bodyPr>
+            <a:normAutofit/>
+          </a:bodyPr>
+          <a:lstStyle/>
+          <a:p>
+            <a:r>
+              <a:rPr lang="is-IS" dirty="0">
+                <a:solidFill>
+                  <a:schemeClr val="accent5">
+                    <a:lumMod val="50000"/>
+                  </a:schemeClr>
+                </a:solidFill>
+              </a:rPr>
+              <a:t>Page </a:t>
+            </a:r>
+            <a:r>
+              <a:rPr lang="is-IS" dirty="0" smtClean="0">
+                <a:solidFill>
+                  <a:schemeClr val="accent5">
+                    <a:lumMod val="50000"/>
+                  </a:schemeClr>
+                </a:solidFill>
+              </a:rPr>
+              <a:t>Tables</a:t>
+            </a:r>
+            <a:endParaRPr lang="en-US" dirty="0"/>
+          </a:p>
+        </p:txBody>
+      </p:sp>
+      <p:sp>
+        <p:nvSpPr>
+          <p:cNvPr id="3" name="Content Placeholder 2"/>
+          <p:cNvSpPr>
+            <a:spLocks noGrp="1"/>
+          </p:cNvSpPr>
+          <p:nvPr>
+            <p:ph idx="1"/>
+          </p:nvPr>
+        </p:nvSpPr>
+        <p:spPr/>
+        <p:txBody>
+          <a:bodyPr/>
+          <a:lstStyle/>
+          <a:p>
+            <a:r>
+              <a:rPr lang="is-IS" dirty="0" smtClean="0"/>
+              <a:t>SW-managed </a:t>
+            </a:r>
+            <a:r>
+              <a:rPr lang="is-IS" b="1" dirty="0">
+                <a:solidFill>
+                  <a:schemeClr val="accent5">
+                    <a:lumMod val="50000"/>
+                  </a:schemeClr>
+                </a:solidFill>
+              </a:rPr>
+              <a:t>page tables </a:t>
+            </a:r>
+            <a:r>
+              <a:rPr lang="is-IS" dirty="0"/>
+              <a:t>provide </a:t>
+            </a:r>
+            <a:r>
+              <a:rPr lang="is-IS" b="1" dirty="0">
+                <a:solidFill>
+                  <a:schemeClr val="accent5">
+                    <a:lumMod val="50000"/>
+                  </a:schemeClr>
+                </a:solidFill>
+              </a:rPr>
+              <a:t>virtual-physical mappings</a:t>
+            </a:r>
+          </a:p>
+          <a:p>
+            <a:r>
+              <a:rPr lang="is-IS" dirty="0"/>
+              <a:t>Access permissions, page attributes (e.g., caching), dirty bit</a:t>
+            </a:r>
+          </a:p>
+          <a:p>
+            <a:r>
+              <a:rPr lang="is-IS" dirty="0"/>
+              <a:t>Various configurations + traps implement BSS, COW, sharing, </a:t>
+            </a:r>
+            <a:r>
+              <a:rPr lang="is-IS" dirty="0" smtClean="0"/>
+              <a:t>...</a:t>
+            </a:r>
+            <a:endParaRPr lang="is-IS" dirty="0"/>
+          </a:p>
+        </p:txBody>
+      </p:sp>
+      <p:sp>
+        <p:nvSpPr>
+          <p:cNvPr id="4" name="Footer Placeholder 3"/>
+          <p:cNvSpPr>
+            <a:spLocks noGrp="1"/>
+          </p:cNvSpPr>
+          <p:nvPr>
+            <p:ph type="ftr" sz="quarter" idx="11"/>
+          </p:nvPr>
+        </p:nvSpPr>
+        <p:spPr/>
+        <p:txBody>
+          <a:bodyPr/>
+          <a:lstStyle/>
+          <a:p>
+            <a:r>
+              <a:rPr lang="en-US" smtClean="0"/>
+              <a:t>Introduction to Operating Systems</a:t>
+            </a:r>
+            <a:endParaRPr lang="en-US" dirty="0"/>
+          </a:p>
+        </p:txBody>
+      </p:sp>
+    </p:spTree>
+    <p:extLst>
+      <p:ext uri="{BB962C8B-B14F-4D97-AF65-F5344CB8AC3E}">
+        <p14:creationId xmlns:p14="http://schemas.microsoft.com/office/powerpoint/2010/main" val="117024596"/>
+      </p:ext>
+    </p:extLst>
+  </p:cSld>
+  <p:clrMapOvr>
+    <a:masterClrMapping/>
+  </p:clrMapOvr>
+  <p:timing>
+    <p:tnLst>
+      <p:par>
+        <p:cTn id="1" dur="indefinite" restart="never" nodeType="tmRoot">
+          <p:childTnLst>
+            <p:seq concurrent="1" nextAc="seek">
+              <p:cTn id="2" dur="indefinite" nodeType="mainSeq">
+                <p:childTnLst>
+                  <p:par>
+                    <p:cTn id="3" fill="hold">
+                      <p:stCondLst>
+                        <p:cond delay="indefinite"/>
+                      </p:stCondLst>
+                      <p:childTnLst>
+                        <p:par>
+                          <p:cTn id="4" fill="hold">
+                            <p:stCondLst>
+                              <p:cond delay="0"/>
+                            </p:stCondLst>
+                            <p:childTnLst>
+                              <p:par>
+                                <p:cTn id="5" presetID="1" presetClass="entr" presetSubtype="0" fill="hold" grpId="0" nodeType="clickEffect">
+                                  <p:stCondLst>
+                                    <p:cond delay="0"/>
+                                  </p:stCondLst>
+                                  <p:childTnLst>
+                                    <p:set>
+                                      <p:cBhvr>
+                                        <p:cTn id="6" dur="1" fill="hold">
+                                          <p:stCondLst>
+                                            <p:cond delay="0"/>
+                                          </p:stCondLst>
+                                        </p:cTn>
+                                        <p:tgtEl>
+                                          <p:spTgt spid="3">
+                                            <p:txEl>
+                                              <p:pRg st="0" end="0"/>
+                                            </p:txEl>
+                                          </p:spTgt>
+                                        </p:tgtEl>
+                                        <p:attrNameLst>
+                                          <p:attrName>style.visibility</p:attrName>
+                                        </p:attrNameLst>
+                                      </p:cBhvr>
+                                      <p:to>
+                                        <p:strVal val="visible"/>
+                                      </p:to>
+                                    </p:set>
+                                  </p:childTnLst>
+                                </p:cTn>
+                              </p:par>
+                            </p:childTnLst>
+                          </p:cTn>
+                        </p:par>
+                      </p:childTnLst>
+                    </p:cTn>
+                  </p:par>
+                  <p:par>
+                    <p:cTn id="7" fill="hold">
+                      <p:stCondLst>
+                        <p:cond delay="indefinite"/>
+                      </p:stCondLst>
+                      <p:childTnLst>
+                        <p:par>
+                          <p:cTn id="8" fill="hold">
+                            <p:stCondLst>
+                              <p:cond delay="0"/>
+                            </p:stCondLst>
+                            <p:childTnLst>
+                              <p:par>
+                                <p:cTn id="9" presetID="1" presetClass="entr" presetSubtype="0" fill="hold" grpId="0" nodeType="clickEffect">
+                                  <p:stCondLst>
+                                    <p:cond delay="0"/>
+                                  </p:stCondLst>
+                                  <p:childTnLst>
+                                    <p:set>
+                                      <p:cBhvr>
+                                        <p:cTn id="10" dur="1" fill="hold">
+                                          <p:stCondLst>
+                                            <p:cond delay="0"/>
+                                          </p:stCondLst>
+                                        </p:cTn>
+                                        <p:tgtEl>
+                                          <p:spTgt spid="3">
+                                            <p:txEl>
+                                              <p:pRg st="1" end="1"/>
+                                            </p:txEl>
+                                          </p:spTgt>
+                                        </p:tgtEl>
+                                        <p:attrNameLst>
+                                          <p:attrName>style.visibility</p:attrName>
+                                        </p:attrNameLst>
+                                      </p:cBhvr>
+                                      <p:to>
+                                        <p:strVal val="visible"/>
+                                      </p:to>
+                                    </p:set>
+                                  </p:childTnLst>
+                                </p:cTn>
+                              </p:par>
+                            </p:childTnLst>
+                          </p:cTn>
+                        </p:par>
+                      </p:childTnLst>
+                    </p:cTn>
+                  </p:par>
+                  <p:par>
+                    <p:cTn id="11" fill="hold">
+                      <p:stCondLst>
+                        <p:cond delay="indefinite"/>
+                      </p:stCondLst>
+                      <p:childTnLst>
+                        <p:par>
+                          <p:cTn id="12" fill="hold">
+                            <p:stCondLst>
+                              <p:cond delay="0"/>
+                            </p:stCondLst>
+                            <p:childTnLst>
+                              <p:par>
+                                <p:cTn id="13" presetID="1" presetClass="entr" presetSubtype="0" fill="hold" grpId="0" nodeType="clickEffect">
+                                  <p:stCondLst>
+                                    <p:cond delay="0"/>
+                                  </p:stCondLst>
+                                  <p:childTnLst>
+                                    <p:set>
+                                      <p:cBhvr>
+                                        <p:cTn id="14" dur="1" fill="hold">
+                                          <p:stCondLst>
+                                            <p:cond delay="0"/>
+                                          </p:stCondLst>
+                                        </p:cTn>
+                                        <p:tgtEl>
+                                          <p:spTgt spid="3">
+                                            <p:txEl>
+                                              <p:pRg st="2" end="2"/>
+                                            </p:txEl>
+                                          </p:spTgt>
+                                        </p:tgtEl>
+                                        <p:attrNameLst>
+                                          <p:attrName>style.visibility</p:attrName>
+                                        </p:attrNameLst>
+                                      </p:cBhvr>
+                                      <p:to>
+                                        <p:strVal val="visible"/>
+                                      </p:to>
+                                    </p:set>
+                                  </p:childTnLst>
+                                </p:cTn>
+                              </p:par>
+                            </p:childTnLst>
+                          </p:cTn>
+                        </p:par>
+                      </p:childTnLst>
+                    </p:cTn>
+                  </p:par>
+                </p:childTnLst>
+              </p:cTn>
+              <p:prevCondLst>
+                <p:cond evt="onPrev" delay="0">
+                  <p:tgtEl>
+                    <p:sldTgt/>
+                  </p:tgtEl>
+                </p:cond>
+              </p:prevCondLst>
+              <p:nextCondLst>
+                <p:cond evt="onNext" delay="0">
+                  <p:tgtEl>
+                    <p:sldTgt/>
+                  </p:tgtEl>
+                </p:cond>
+              </p:nextCondLst>
+            </p:seq>
+          </p:childTnLst>
+        </p:cTn>
+      </p:par>
+    </p:tnLst>
+    <p:bldLst>
+      <p:bldP spid="3" grpId="0" build="p"/>
+    </p:bldLst>
+  </p:timing>
+</p:sld>
+</file>
+
+<file path=ppt/slides/slide14.xml><?xml version="1.0" encoding="utf-8"?>
+<p:sld xmlns:a="http://schemas.openxmlformats.org/drawingml/2006/main" xmlns:r="http://schemas.openxmlformats.org/officeDocument/2006/relationships" xmlns:p="http://schemas.openxmlformats.org/presentationml/2006/main">
+  <p:cSld>
+    <p:spTree>
+      <p:nvGrpSpPr>
+        <p:cNvPr id="1" name=""/>
+        <p:cNvGrpSpPr/>
+        <p:nvPr/>
+      </p:nvGrpSpPr>
+      <p:grpSpPr>
+        <a:xfrm>
+          <a:off x="0" y="0"/>
+          <a:ext cx="0" cy="0"/>
+          <a:chOff x="0" y="0"/>
+          <a:chExt cx="0" cy="0"/>
+        </a:xfrm>
+      </p:grpSpPr>
+      <p:sp>
+        <p:nvSpPr>
+          <p:cNvPr id="2" name="Title 1"/>
+          <p:cNvSpPr>
+            <a:spLocks noGrp="1"/>
+          </p:cNvSpPr>
+          <p:nvPr>
+            <p:ph type="title"/>
+          </p:nvPr>
+        </p:nvSpPr>
+        <p:spPr/>
+        <p:txBody>
+          <a:bodyPr>
+            <a:normAutofit fontScale="90000"/>
+          </a:bodyPr>
+          <a:lstStyle/>
+          <a:p>
+            <a:r>
+              <a:rPr lang="is-IS" b="1" dirty="0">
+                <a:solidFill>
+                  <a:schemeClr val="accent5">
+                    <a:lumMod val="50000"/>
+                  </a:schemeClr>
+                </a:solidFill>
+              </a:rPr>
+              <a:t>Translation Look-aside Buffer (TLB</a:t>
+            </a:r>
+            <a:r>
+              <a:rPr lang="is-IS" b="1" dirty="0" smtClean="0">
+                <a:solidFill>
+                  <a:schemeClr val="accent5">
+                    <a:lumMod val="50000"/>
+                  </a:schemeClr>
+                </a:solidFill>
+              </a:rPr>
+              <a:t>)</a:t>
+            </a:r>
+            <a:endParaRPr lang="en-US" dirty="0"/>
+          </a:p>
+        </p:txBody>
+      </p:sp>
+      <p:sp>
+        <p:nvSpPr>
+          <p:cNvPr id="3" name="Content Placeholder 2"/>
+          <p:cNvSpPr>
+            <a:spLocks noGrp="1"/>
+          </p:cNvSpPr>
+          <p:nvPr>
+            <p:ph idx="1"/>
+          </p:nvPr>
+        </p:nvSpPr>
+        <p:spPr/>
+        <p:txBody>
+          <a:bodyPr/>
+          <a:lstStyle/>
+          <a:p>
+            <a:r>
+              <a:rPr lang="is-IS" dirty="0" smtClean="0"/>
+              <a:t>Hardware </a:t>
+            </a:r>
+            <a:r>
+              <a:rPr lang="is-IS" dirty="0"/>
+              <a:t>cache of entries – avoid walking pagetables</a:t>
+            </a:r>
+          </a:p>
+          <a:p>
+            <a:r>
+              <a:rPr lang="is-IS" dirty="0"/>
+              <a:t>Content A</a:t>
+            </a:r>
+            <a:r>
+              <a:rPr lang="en-US" dirty="0"/>
+              <a:t>d</a:t>
+            </a:r>
+            <a:r>
+              <a:rPr lang="is-IS" dirty="0"/>
+              <a:t>dressable Memory (CAM); </a:t>
+            </a:r>
+            <a:endParaRPr lang="is-IS" dirty="0" smtClean="0"/>
+          </a:p>
+          <a:p>
+            <a:pPr lvl="1"/>
+            <a:r>
+              <a:rPr lang="is-IS" dirty="0" smtClean="0"/>
+              <a:t>48</a:t>
+            </a:r>
+            <a:r>
+              <a:rPr lang="is-IS" dirty="0"/>
+              <a:t>? 1024? entries</a:t>
+            </a:r>
+          </a:p>
+          <a:p>
+            <a:r>
+              <a:rPr lang="is-IS" dirty="0"/>
+              <a:t>TLB </a:t>
+            </a:r>
+            <a:r>
+              <a:rPr lang="is-IS" b="1" dirty="0">
+                <a:solidFill>
+                  <a:schemeClr val="accent5">
+                    <a:lumMod val="50000"/>
+                  </a:schemeClr>
+                </a:solidFill>
+              </a:rPr>
+              <a:t>tags</a:t>
+            </a:r>
+            <a:r>
+              <a:rPr lang="is-IS" dirty="0"/>
+              <a:t>: entries </a:t>
+            </a:r>
+            <a:r>
+              <a:rPr lang="is-IS" b="1" dirty="0">
+                <a:solidFill>
+                  <a:schemeClr val="accent5">
+                    <a:lumMod val="50000"/>
+                  </a:schemeClr>
+                </a:solidFill>
+              </a:rPr>
+              <a:t>global</a:t>
+            </a:r>
+            <a:r>
+              <a:rPr lang="is-IS" dirty="0">
+                <a:solidFill>
+                  <a:schemeClr val="accent5">
+                    <a:lumMod val="50000"/>
+                  </a:schemeClr>
+                </a:solidFill>
+              </a:rPr>
+              <a:t> </a:t>
+            </a:r>
+            <a:r>
+              <a:rPr lang="is-IS" dirty="0"/>
+              <a:t>or for a specific </a:t>
+            </a:r>
+            <a:r>
+              <a:rPr lang="is-IS" b="1" dirty="0">
+                <a:solidFill>
+                  <a:schemeClr val="accent5">
+                    <a:lumMod val="50000"/>
+                  </a:schemeClr>
+                </a:solidFill>
+              </a:rPr>
+              <a:t>address-space ID (ASID)</a:t>
+            </a:r>
+          </a:p>
+          <a:p>
+            <a:r>
+              <a:rPr lang="is-IS" dirty="0"/>
+              <a:t>Software- vs. hardware-managed </a:t>
+            </a:r>
+            <a:r>
+              <a:rPr lang="is-IS" dirty="0" smtClean="0"/>
+              <a:t>TLBs</a:t>
+            </a:r>
+            <a:endParaRPr lang="is-IS" dirty="0"/>
+          </a:p>
+        </p:txBody>
+      </p:sp>
+      <p:sp>
+        <p:nvSpPr>
+          <p:cNvPr id="4" name="Footer Placeholder 3"/>
+          <p:cNvSpPr>
+            <a:spLocks noGrp="1"/>
+          </p:cNvSpPr>
+          <p:nvPr>
+            <p:ph type="ftr" sz="quarter" idx="11"/>
+          </p:nvPr>
+        </p:nvSpPr>
+        <p:spPr/>
+        <p:txBody>
+          <a:bodyPr/>
+          <a:lstStyle/>
+          <a:p>
+            <a:r>
+              <a:rPr lang="en-US" smtClean="0"/>
+              <a:t>Introduction to Operating Systems</a:t>
+            </a:r>
+            <a:endParaRPr lang="en-US" dirty="0"/>
+          </a:p>
+        </p:txBody>
+      </p:sp>
+    </p:spTree>
+    <p:extLst>
+      <p:ext uri="{BB962C8B-B14F-4D97-AF65-F5344CB8AC3E}">
+        <p14:creationId xmlns:p14="http://schemas.microsoft.com/office/powerpoint/2010/main" val="461444894"/>
+      </p:ext>
+    </p:extLst>
+  </p:cSld>
+  <p:clrMapOvr>
+    <a:masterClrMapping/>
+  </p:clrMapOvr>
+  <p:timing>
+    <p:tnLst>
+      <p:par>
+        <p:cTn id="1" dur="indefinite" restart="never" nodeType="tmRoot">
+          <p:childTnLst>
+            <p:seq concurrent="1" nextAc="seek">
+              <p:cTn id="2" dur="indefinite" nodeType="mainSeq">
+                <p:childTnLst>
+                  <p:par>
+                    <p:cTn id="3" fill="hold">
+                      <p:stCondLst>
+                        <p:cond delay="indefinite"/>
+                      </p:stCondLst>
+                      <p:childTnLst>
+                        <p:par>
+                          <p:cTn id="4" fill="hold">
+                            <p:stCondLst>
+                              <p:cond delay="0"/>
+                            </p:stCondLst>
+                            <p:childTnLst>
+                              <p:par>
+                                <p:cTn id="5" presetID="1" presetClass="entr" presetSubtype="0" fill="hold" grpId="0" nodeType="clickEffect">
+                                  <p:stCondLst>
+                                    <p:cond delay="0"/>
+                                  </p:stCondLst>
+                                  <p:childTnLst>
+                                    <p:set>
+                                      <p:cBhvr>
+                                        <p:cTn id="6" dur="1" fill="hold">
+                                          <p:stCondLst>
+                                            <p:cond delay="0"/>
+                                          </p:stCondLst>
+                                        </p:cTn>
+                                        <p:tgtEl>
+                                          <p:spTgt spid="3">
+                                            <p:txEl>
+                                              <p:pRg st="0" end="0"/>
+                                            </p:txEl>
+                                          </p:spTgt>
+                                        </p:tgtEl>
+                                        <p:attrNameLst>
+                                          <p:attrName>style.visibility</p:attrName>
+                                        </p:attrNameLst>
+                                      </p:cBhvr>
+                                      <p:to>
+                                        <p:strVal val="visible"/>
+                                      </p:to>
+                                    </p:set>
+                                  </p:childTnLst>
+                                </p:cTn>
+                              </p:par>
+                            </p:childTnLst>
+                          </p:cTn>
+                        </p:par>
+                      </p:childTnLst>
+                    </p:cTn>
+                  </p:par>
+                  <p:par>
+                    <p:cTn id="7" fill="hold">
+                      <p:stCondLst>
+                        <p:cond delay="indefinite"/>
+                      </p:stCondLst>
+                      <p:childTnLst>
+                        <p:par>
+                          <p:cTn id="8" fill="hold">
+                            <p:stCondLst>
+                              <p:cond delay="0"/>
+                            </p:stCondLst>
+                            <p:childTnLst>
+                              <p:par>
+                                <p:cTn id="9" presetID="1" presetClass="entr" presetSubtype="0" fill="hold" grpId="0" nodeType="clickEffect">
+                                  <p:stCondLst>
+                                    <p:cond delay="0"/>
+                                  </p:stCondLst>
+                                  <p:childTnLst>
+                                    <p:set>
+                                      <p:cBhvr>
+                                        <p:cTn id="10" dur="1" fill="hold">
+                                          <p:stCondLst>
+                                            <p:cond delay="0"/>
+                                          </p:stCondLst>
+                                        </p:cTn>
+                                        <p:tgtEl>
+                                          <p:spTgt spid="3">
+                                            <p:txEl>
+                                              <p:pRg st="1" end="1"/>
+                                            </p:txEl>
+                                          </p:spTgt>
+                                        </p:tgtEl>
+                                        <p:attrNameLst>
+                                          <p:attrName>style.visibility</p:attrName>
+                                        </p:attrNameLst>
+                                      </p:cBhvr>
+                                      <p:to>
+                                        <p:strVal val="visible"/>
+                                      </p:to>
+                                    </p:set>
+                                  </p:childTnLst>
+                                </p:cTn>
+                              </p:par>
+                              <p:par>
+                                <p:cTn id="11" presetID="1" presetClass="entr" presetSubtype="0" fill="hold" grpId="0" nodeType="withEffect">
+                                  <p:stCondLst>
+                                    <p:cond delay="0"/>
+                                  </p:stCondLst>
+                                  <p:childTnLst>
+                                    <p:set>
+                                      <p:cBhvr>
+                                        <p:cTn id="12" dur="1" fill="hold">
+                                          <p:stCondLst>
+                                            <p:cond delay="0"/>
+                                          </p:stCondLst>
+                                        </p:cTn>
+                                        <p:tgtEl>
+                                          <p:spTgt spid="3">
+                                            <p:txEl>
+                                              <p:pRg st="2" end="2"/>
+                                            </p:txEl>
+                                          </p:spTgt>
+                                        </p:tgtEl>
+                                        <p:attrNameLst>
+                                          <p:attrName>style.visibility</p:attrName>
+                                        </p:attrNameLst>
+                                      </p:cBhvr>
+                                      <p:to>
+                                        <p:strVal val="visible"/>
+                                      </p:to>
+                                    </p:set>
+                                  </p:childTnLst>
+                                </p:cTn>
+                              </p:par>
+                            </p:childTnLst>
+                          </p:cTn>
+                        </p:par>
+                      </p:childTnLst>
+                    </p:cTn>
+                  </p:par>
+                  <p:par>
+                    <p:cTn id="13" fill="hold">
+                      <p:stCondLst>
+                        <p:cond delay="indefinite"/>
+                      </p:stCondLst>
+                      <p:childTnLst>
+                        <p:par>
+                          <p:cTn id="14" fill="hold">
+                            <p:stCondLst>
+                              <p:cond delay="0"/>
+                            </p:stCondLst>
+                            <p:childTnLst>
+                              <p:par>
+                                <p:cTn id="15" presetID="1" presetClass="entr" presetSubtype="0" fill="hold" grpId="0" nodeType="clickEffect">
+                                  <p:stCondLst>
+                                    <p:cond delay="0"/>
+                                  </p:stCondLst>
+                                  <p:childTnLst>
+                                    <p:set>
+                                      <p:cBhvr>
+                                        <p:cTn id="16" dur="1" fill="hold">
+                                          <p:stCondLst>
+                                            <p:cond delay="0"/>
+                                          </p:stCondLst>
+                                        </p:cTn>
+                                        <p:tgtEl>
+                                          <p:spTgt spid="3">
+                                            <p:txEl>
+                                              <p:pRg st="3" end="3"/>
+                                            </p:txEl>
+                                          </p:spTgt>
+                                        </p:tgtEl>
+                                        <p:attrNameLst>
+                                          <p:attrName>style.visibility</p:attrName>
+                                        </p:attrNameLst>
+                                      </p:cBhvr>
+                                      <p:to>
+                                        <p:strVal val="visible"/>
+                                      </p:to>
+                                    </p:set>
+                                  </p:childTnLst>
+                                </p:cTn>
+                              </p:par>
+                            </p:childTnLst>
+                          </p:cTn>
+                        </p:par>
+                      </p:childTnLst>
+                    </p:cTn>
+                  </p:par>
+                  <p:par>
+                    <p:cTn id="17" fill="hold">
+                      <p:stCondLst>
+                        <p:cond delay="indefinite"/>
+                      </p:stCondLst>
+                      <p:childTnLst>
+                        <p:par>
+                          <p:cTn id="18" fill="hold">
+                            <p:stCondLst>
+                              <p:cond delay="0"/>
+                            </p:stCondLst>
+                            <p:childTnLst>
+                              <p:par>
+                                <p:cTn id="19" presetID="1" presetClass="entr" presetSubtype="0" fill="hold" grpId="0" nodeType="clickEffect">
+                                  <p:stCondLst>
+                                    <p:cond delay="0"/>
+                                  </p:stCondLst>
+                                  <p:childTnLst>
+                                    <p:set>
+                                      <p:cBhvr>
+                                        <p:cTn id="20" dur="1" fill="hold">
+                                          <p:stCondLst>
+                                            <p:cond delay="0"/>
+                                          </p:stCondLst>
+                                        </p:cTn>
+                                        <p:tgtEl>
+                                          <p:spTgt spid="3">
+                                            <p:txEl>
+                                              <p:pRg st="4" end="4"/>
+                                            </p:txEl>
+                                          </p:spTgt>
+                                        </p:tgtEl>
+                                        <p:attrNameLst>
+                                          <p:attrName>style.visibility</p:attrName>
+                                        </p:attrNameLst>
+                                      </p:cBhvr>
+                                      <p:to>
+                                        <p:strVal val="visible"/>
+                                      </p:to>
+                                    </p:set>
+                                  </p:childTnLst>
+                                </p:cTn>
+                              </p:par>
+                            </p:childTnLst>
+                          </p:cTn>
+                        </p:par>
+                      </p:childTnLst>
+                    </p:cTn>
+                  </p:par>
+                </p:childTnLst>
+              </p:cTn>
+              <p:prevCondLst>
+                <p:cond evt="onPrev" delay="0">
+                  <p:tgtEl>
+                    <p:sldTgt/>
+                  </p:tgtEl>
+                </p:cond>
+              </p:prevCondLst>
+              <p:nextCondLst>
+                <p:cond evt="onNext" delay="0">
+                  <p:tgtEl>
+                    <p:sldTgt/>
+                  </p:tgtEl>
+                </p:cond>
+              </p:nextCondLst>
+            </p:seq>
+          </p:childTnLst>
+        </p:cTn>
+      </p:par>
+    </p:tnLst>
+    <p:bldLst>
+      <p:bldP spid="3" grpId="0" build="p"/>
+    </p:bldLst>
+  </p:timing>
+</p:sld>
+</file>
+
 <file path=ppt/slides/slide15.xml><?xml version="1.0" encoding="utf-8"?>
 <p:sld xmlns:a="http://schemas.openxmlformats.org/drawingml/2006/main" xmlns:r="http://schemas.openxmlformats.org/officeDocument/2006/relationships" xmlns:p="http://schemas.openxmlformats.org/presentationml/2006/main">
   <p:cSld>
@@ -6155,35 +6792,229 @@
         </p:nvSpPr>
         <p:spPr/>
         <p:txBody>
-          <a:bodyPr/>
-          <a:lstStyle/>
-          <a:p>
-            <a:r>
-              <a:rPr lang="en-US" dirty="0" smtClean="0"/>
-              <a:t>So: back to Virtual Memory (VM)</a:t>
-            </a:r>
-            <a:endParaRPr lang="en-US" dirty="0"/>
-          </a:p>
-        </p:txBody>
-      </p:sp>
-      <p:sp>
-        <p:nvSpPr>
-          <p:cNvPr id="5" name="Content Placeholder 4"/>
-          <p:cNvSpPr>
-            <a:spLocks noGrp="1"/>
-          </p:cNvSpPr>
-          <p:nvPr>
-            <p:ph idx="1"/>
-          </p:nvPr>
-        </p:nvSpPr>
-        <p:spPr/>
-        <p:txBody>
           <a:bodyPr>
             <a:normAutofit/>
           </a:bodyPr>
           <a:lstStyle/>
           <a:p>
             <a:r>
+              <a:rPr lang="en-US" sz="3600" dirty="0" smtClean="0"/>
+              <a:t>Two Processes and their Memory</a:t>
+            </a:r>
+            <a:endParaRPr lang="en-US" sz="3600" dirty="0"/>
+          </a:p>
+        </p:txBody>
+      </p:sp>
+      <p:pic>
+        <p:nvPicPr>
+          <p:cNvPr id="6" name="Content Placeholder 5"/>
+          <p:cNvPicPr>
+            <a:picLocks noGrp="1" noChangeAspect="1"/>
+          </p:cNvPicPr>
+          <p:nvPr>
+            <p:ph idx="1"/>
+          </p:nvPr>
+        </p:nvPicPr>
+        <p:blipFill>
+          <a:blip r:embed="rId2">
+            <a:extLst>
+              <a:ext uri="{28A0092B-C50C-407E-A947-70E740481C1C}">
+                <a14:useLocalDpi xmlns:a14="http://schemas.microsoft.com/office/drawing/2010/main" val="0"/>
+              </a:ext>
+            </a:extLst>
+          </a:blip>
+          <a:stretch>
+            <a:fillRect/>
+          </a:stretch>
+        </p:blipFill>
+        <p:spPr>
+          <a:xfrm>
+            <a:off x="2705693" y="1149395"/>
+            <a:ext cx="6780615" cy="5206957"/>
+          </a:xfrm>
+        </p:spPr>
+      </p:pic>
+      <p:sp>
+        <p:nvSpPr>
+          <p:cNvPr id="4" name="Footer Placeholder 3"/>
+          <p:cNvSpPr>
+            <a:spLocks noGrp="1"/>
+          </p:cNvSpPr>
+          <p:nvPr>
+            <p:ph type="ftr" sz="quarter" idx="11"/>
+          </p:nvPr>
+        </p:nvSpPr>
+        <p:spPr/>
+        <p:txBody>
+          <a:bodyPr/>
+          <a:lstStyle/>
+          <a:p>
+            <a:r>
+              <a:rPr lang="en-US" smtClean="0"/>
+              <a:t>Introduction to Operating Systems</a:t>
+            </a:r>
+            <a:endParaRPr lang="en-US"/>
+          </a:p>
+        </p:txBody>
+      </p:sp>
+    </p:spTree>
+    <p:extLst>
+      <p:ext uri="{BB962C8B-B14F-4D97-AF65-F5344CB8AC3E}">
+        <p14:creationId xmlns:p14="http://schemas.microsoft.com/office/powerpoint/2010/main" val="507104546"/>
+      </p:ext>
+    </p:extLst>
+  </p:cSld>
+  <p:clrMapOvr>
+    <a:masterClrMapping/>
+  </p:clrMapOvr>
+  <p:timing>
+    <p:tnLst>
+      <p:par>
+        <p:cTn id="1" dur="indefinite" restart="never" nodeType="tmRoot">
+          <p:childTnLst>
+            <p:seq concurrent="1" nextAc="seek">
+              <p:cTn id="2" dur="indefinite" nodeType="mainSeq">
+                <p:childTnLst>
+                  <p:par>
+                    <p:cTn id="3" fill="hold">
+                      <p:stCondLst>
+                        <p:cond delay="indefinite"/>
+                      </p:stCondLst>
+                      <p:childTnLst>
+                        <p:par>
+                          <p:cTn id="4" fill="hold">
+                            <p:stCondLst>
+                              <p:cond delay="0"/>
+                            </p:stCondLst>
+                            <p:childTnLst>
+                              <p:par>
+                                <p:cTn id="5" presetID="1" presetClass="entr" presetSubtype="0" fill="hold" nodeType="clickEffect">
+                                  <p:stCondLst>
+                                    <p:cond delay="0"/>
+                                  </p:stCondLst>
+                                  <p:childTnLst>
+                                    <p:set>
+                                      <p:cBhvr>
+                                        <p:cTn id="6" dur="1" fill="hold">
+                                          <p:stCondLst>
+                                            <p:cond delay="0"/>
+                                          </p:stCondLst>
+                                        </p:cTn>
+                                        <p:tgtEl>
+                                          <p:spTgt spid="6"/>
+                                        </p:tgtEl>
+                                        <p:attrNameLst>
+                                          <p:attrName>style.visibility</p:attrName>
+                                        </p:attrNameLst>
+                                      </p:cBhvr>
+                                      <p:to>
+                                        <p:strVal val="visible"/>
+                                      </p:to>
+                                    </p:set>
+                                  </p:childTnLst>
+                                </p:cTn>
+                              </p:par>
+                            </p:childTnLst>
+                          </p:cTn>
+                        </p:par>
+                      </p:childTnLst>
+                    </p:cTn>
+                  </p:par>
+                </p:childTnLst>
+              </p:cTn>
+              <p:prevCondLst>
+                <p:cond evt="onPrev" delay="0">
+                  <p:tgtEl>
+                    <p:sldTgt/>
+                  </p:tgtEl>
+                </p:cond>
+              </p:prevCondLst>
+              <p:nextCondLst>
+                <p:cond evt="onNext" delay="0">
+                  <p:tgtEl>
+                    <p:sldTgt/>
+                  </p:tgtEl>
+                </p:cond>
+              </p:nextCondLst>
+            </p:seq>
+          </p:childTnLst>
+        </p:cTn>
+      </p:par>
+    </p:tnLst>
+  </p:timing>
+</p:sld>
+</file>
+
+<file path=ppt/slides/slide16.xml><?xml version="1.0" encoding="utf-8"?>
+<p:sld xmlns:a="http://schemas.openxmlformats.org/drawingml/2006/main" xmlns:r="http://schemas.openxmlformats.org/officeDocument/2006/relationships" xmlns:p="http://schemas.openxmlformats.org/presentationml/2006/main">
+  <p:cSld>
+    <p:spTree>
+      <p:nvGrpSpPr>
+        <p:cNvPr id="1" name=""/>
+        <p:cNvGrpSpPr/>
+        <p:nvPr/>
+      </p:nvGrpSpPr>
+      <p:grpSpPr>
+        <a:xfrm>
+          <a:off x="0" y="0"/>
+          <a:ext cx="0" cy="0"/>
+          <a:chOff x="0" y="0"/>
+          <a:chExt cx="0" cy="0"/>
+        </a:xfrm>
+      </p:grpSpPr>
+      <p:sp>
+        <p:nvSpPr>
+          <p:cNvPr id="2" name="Title 1"/>
+          <p:cNvSpPr>
+            <a:spLocks noGrp="1"/>
+          </p:cNvSpPr>
+          <p:nvPr>
+            <p:ph type="title"/>
+          </p:nvPr>
+        </p:nvSpPr>
+        <p:spPr/>
+        <p:txBody>
+          <a:bodyPr/>
+          <a:lstStyle/>
+          <a:p>
+            <a:r>
+              <a:rPr lang="en-US" dirty="0" smtClean="0"/>
+              <a:t>The </a:t>
+            </a:r>
+            <a:r>
+              <a:rPr lang="en-US" dirty="0" smtClean="0"/>
+              <a:t>Virtual </a:t>
+            </a:r>
+            <a:r>
+              <a:rPr lang="en-US" dirty="0" smtClean="0"/>
+              <a:t>Memory (VM</a:t>
+            </a:r>
+            <a:r>
+              <a:rPr lang="en-US" dirty="0" smtClean="0"/>
+              <a:t>) Subsystem</a:t>
+            </a:r>
+            <a:endParaRPr lang="en-US" dirty="0"/>
+          </a:p>
+        </p:txBody>
+      </p:sp>
+      <p:sp>
+        <p:nvSpPr>
+          <p:cNvPr id="5" name="Content Placeholder 4"/>
+          <p:cNvSpPr>
+            <a:spLocks noGrp="1"/>
+          </p:cNvSpPr>
+          <p:nvPr>
+            <p:ph idx="1"/>
+          </p:nvPr>
+        </p:nvSpPr>
+        <p:spPr/>
+        <p:txBody>
+          <a:bodyPr>
+            <a:normAutofit/>
+          </a:bodyPr>
+          <a:lstStyle/>
+          <a:p>
+            <a:r>
               <a:rPr lang="en-US" dirty="0" smtClean="0"/>
               <a:t>The process model’s isolation guarantees incur real expense</a:t>
             </a:r>
@@ -6296,7 +7127,6 @@
               <a:rPr lang="en-US" b="1" dirty="0" smtClean="0"/>
               <a:t>deduplication</a:t>
             </a:r>
-            <a:endParaRPr lang="en-US" b="1" dirty="0" smtClean="0"/>
           </a:p>
         </p:txBody>
       </p:sp>
@@ -6317,31 +7147,8 @@
           <a:p>
             <a:r>
               <a:rPr lang="en-US" smtClean="0"/>
-              <a:t>L41 Lecture 4 - The Process Model (2)</a:t>
-            </a:r>
-            <a:endParaRPr lang="en-US"/>
-          </a:p>
-        </p:txBody>
-      </p:sp>
-      <p:sp>
-        <p:nvSpPr>
-          <p:cNvPr id="4" name="Slide Number Placeholder 3"/>
-          <p:cNvSpPr>
-            <a:spLocks noGrp="1"/>
-          </p:cNvSpPr>
-          <p:nvPr>
-            <p:ph type="sldNum" sz="quarter" idx="12"/>
-          </p:nvPr>
-        </p:nvSpPr>
-        <p:spPr/>
-        <p:txBody>
-          <a:bodyPr/>
-          <a:lstStyle/>
-          <a:p>
-            <a:fld id="{4451A708-1483-F44A-AC56-12F69CC7793D}" type="slidenum">
-              <a:rPr lang="en-US" smtClean="0"/>
-              <a:t>15</a:t>
-            </a:fld>
+              <a:t>Introduction to Operating Systems</a:t>
+            </a:r>
             <a:endParaRPr lang="en-US"/>
           </a:p>
         </p:txBody>
@@ -6753,7 +7560,7 @@
 </p:sld>
 </file>
 
-<file path=ppt/slides/slide16.xml><?xml version="1.0" encoding="utf-8"?>
+<file path=ppt/slides/slide17.xml><?xml version="1.0" encoding="utf-8"?>
 <p:sld xmlns:a="http://schemas.openxmlformats.org/drawingml/2006/main" xmlns:r="http://schemas.openxmlformats.org/officeDocument/2006/relationships" xmlns:p="http://schemas.openxmlformats.org/presentationml/2006/main">
   <p:cSld>
     <p:spTree>
@@ -6810,31 +7617,8 @@
           <a:p>
             <a:r>
               <a:rPr lang="en-US" smtClean="0"/>
-              <a:t>L41 Lecture 4 - The Process Model (2)</a:t>
-            </a:r>
-            <a:endParaRPr lang="en-US"/>
-          </a:p>
-        </p:txBody>
-      </p:sp>
-      <p:sp>
-        <p:nvSpPr>
-          <p:cNvPr id="5" name="Slide Number Placeholder 4"/>
-          <p:cNvSpPr>
-            <a:spLocks noGrp="1"/>
-          </p:cNvSpPr>
-          <p:nvPr>
-            <p:ph type="sldNum" sz="quarter" idx="12"/>
-          </p:nvPr>
-        </p:nvSpPr>
-        <p:spPr/>
-        <p:txBody>
-          <a:bodyPr/>
-          <a:lstStyle/>
-          <a:p>
-            <a:fld id="{4451A708-1483-F44A-AC56-12F69CC7793D}" type="slidenum">
-              <a:rPr lang="en-US" smtClean="0"/>
-              <a:t>16</a:t>
-            </a:fld>
+              <a:t>Introduction to Operating Systems</a:t>
+            </a:r>
             <a:endParaRPr lang="en-US"/>
           </a:p>
         </p:txBody>
@@ -6957,7 +7741,7 @@
 </p:sld>
 </file>
 
-<file path=ppt/slides/slide17.xml><?xml version="1.0" encoding="utf-8"?>
+<file path=ppt/slides/slide18.xml><?xml version="1.0" encoding="utf-8"?>
 <p:sld xmlns:a="http://schemas.openxmlformats.org/drawingml/2006/main" xmlns:r="http://schemas.openxmlformats.org/officeDocument/2006/relationships" xmlns:p="http://schemas.openxmlformats.org/presentationml/2006/main">
   <p:cSld>
     <p:spTree>
@@ -6990,16 +7774,16 @@
           <a:lstStyle/>
           <a:p>
             <a:r>
-              <a:rPr lang="en-US" smtClean="0"/>
-              <a:t>Observing Virtual Memory</a:t>
-            </a:r>
-            <a:endParaRPr lang="en-US"/>
-          </a:p>
-        </p:txBody>
-      </p:sp>
-      <p:sp>
-        <p:nvSpPr>
-          <p:cNvPr id="3" name="Content Placeholder 2"/>
+              <a:rPr lang="en-US" dirty="0" smtClean="0"/>
+              <a:t>Memory for Many Users</a:t>
+            </a:r>
+            <a:endParaRPr lang="en-US" dirty="0"/>
+          </a:p>
+        </p:txBody>
+      </p:sp>
+      <p:sp>
+        <p:nvSpPr>
+          <p:cNvPr id="4" name="Content Placeholder 3"/>
           <p:cNvSpPr>
             <a:spLocks noGrp="1"/>
           </p:cNvSpPr>
@@ -7012,13 +7796,89 @@
           <a:bodyPr/>
           <a:lstStyle/>
           <a:p>
-            <a:endParaRPr lang="en-US"/>
-          </a:p>
-        </p:txBody>
-      </p:sp>
-      <p:sp>
-        <p:nvSpPr>
-          <p:cNvPr id="4" name="Footer Placeholder 3"/>
+            <a:r>
+              <a:rPr lang="en-US" dirty="0" smtClean="0"/>
+              <a:t>User Processes</a:t>
+            </a:r>
+          </a:p>
+          <a:p>
+            <a:pPr lvl="1"/>
+            <a:r>
+              <a:rPr lang="en-US" dirty="0" smtClean="0"/>
+              <a:t>Heap</a:t>
+            </a:r>
+          </a:p>
+          <a:p>
+            <a:pPr lvl="1"/>
+            <a:r>
+              <a:rPr lang="en-US" dirty="0" smtClean="0"/>
+              <a:t>Stack</a:t>
+            </a:r>
+          </a:p>
+          <a:p>
+            <a:pPr lvl="1"/>
+            <a:r>
+              <a:rPr lang="en-US" dirty="0" smtClean="0"/>
+              <a:t>Code</a:t>
+            </a:r>
+          </a:p>
+          <a:p>
+            <a:pPr lvl="1"/>
+            <a:r>
+              <a:rPr lang="en-US" dirty="0" smtClean="0"/>
+              <a:t>Shared Memory</a:t>
+            </a:r>
+          </a:p>
+          <a:p>
+            <a:r>
+              <a:rPr lang="en-US" dirty="0" smtClean="0"/>
+              <a:t>Kernel</a:t>
+            </a:r>
+          </a:p>
+          <a:p>
+            <a:pPr lvl="1"/>
+            <a:r>
+              <a:rPr lang="en-US" dirty="0" smtClean="0"/>
+              <a:t>Heap</a:t>
+            </a:r>
+          </a:p>
+          <a:p>
+            <a:pPr lvl="2"/>
+            <a:r>
+              <a:rPr lang="en-US" dirty="0" smtClean="0"/>
+              <a:t>Meta-data</a:t>
+            </a:r>
+          </a:p>
+          <a:p>
+            <a:pPr lvl="1"/>
+            <a:r>
+              <a:rPr lang="en-US" dirty="0" smtClean="0"/>
+              <a:t>Process Stacks</a:t>
+            </a:r>
+          </a:p>
+          <a:p>
+            <a:pPr lvl="1"/>
+            <a:r>
+              <a:rPr lang="en-US" dirty="0" smtClean="0"/>
+              <a:t>Network Buffers</a:t>
+            </a:r>
+          </a:p>
+          <a:p>
+            <a:pPr lvl="1"/>
+            <a:r>
+              <a:rPr lang="en-US" dirty="0" smtClean="0"/>
+              <a:t>Disk Buffers for File Data</a:t>
+            </a:r>
+          </a:p>
+          <a:p>
+            <a:pPr lvl="1"/>
+            <a:endParaRPr lang="en-US" dirty="0"/>
+          </a:p>
+        </p:txBody>
+      </p:sp>
+      <p:sp>
+        <p:nvSpPr>
+          <p:cNvPr id="3" name="Footer Placeholder 2"/>
           <p:cNvSpPr>
             <a:spLocks noGrp="1"/>
           </p:cNvSpPr>
@@ -7033,16 +7893,599 @@
           <a:p>
             <a:r>
               <a:rPr lang="en-US" smtClean="0"/>
-              <a:t>A Look Inside FreeBSD with DTrace</a:t>
-            </a:r>
-            <a:endParaRPr lang="en-US" dirty="0"/>
+              <a:t>Introduction to Operating Systems</a:t>
+            </a:r>
+            <a:endParaRPr lang="en-US"/>
           </a:p>
         </p:txBody>
       </p:sp>
     </p:spTree>
     <p:extLst>
       <p:ext uri="{BB962C8B-B14F-4D97-AF65-F5344CB8AC3E}">
-        <p14:creationId xmlns:p14="http://schemas.microsoft.com/office/powerpoint/2010/main" val="1559188252"/>
+        <p14:creationId xmlns:p14="http://schemas.microsoft.com/office/powerpoint/2010/main" val="148611542"/>
+      </p:ext>
+    </p:extLst>
+  </p:cSld>
+  <p:clrMapOvr>
+    <a:masterClrMapping/>
+  </p:clrMapOvr>
+  <p:timing>
+    <p:tnLst>
+      <p:par>
+        <p:cTn id="1" dur="indefinite" restart="never" nodeType="tmRoot">
+          <p:childTnLst>
+            <p:seq concurrent="1" nextAc="seek">
+              <p:cTn id="2" dur="indefinite" nodeType="mainSeq">
+                <p:childTnLst>
+                  <p:par>
+                    <p:cTn id="3" fill="hold">
+                      <p:stCondLst>
+                        <p:cond delay="indefinite"/>
+                      </p:stCondLst>
+                      <p:childTnLst>
+                        <p:par>
+                          <p:cTn id="4" fill="hold">
+                            <p:stCondLst>
+                              <p:cond delay="0"/>
+                            </p:stCondLst>
+                            <p:childTnLst>
+                              <p:par>
+                                <p:cTn id="5" presetID="1" presetClass="entr" presetSubtype="0" fill="hold" nodeType="clickEffect">
+                                  <p:stCondLst>
+                                    <p:cond delay="0"/>
+                                  </p:stCondLst>
+                                  <p:childTnLst>
+                                    <p:set>
+                                      <p:cBhvr>
+                                        <p:cTn id="6" dur="1" fill="hold">
+                                          <p:stCondLst>
+                                            <p:cond delay="0"/>
+                                          </p:stCondLst>
+                                        </p:cTn>
+                                        <p:tgtEl>
+                                          <p:spTgt spid="4">
+                                            <p:txEl>
+                                              <p:pRg st="0" end="0"/>
+                                            </p:txEl>
+                                          </p:spTgt>
+                                        </p:tgtEl>
+                                        <p:attrNameLst>
+                                          <p:attrName>style.visibility</p:attrName>
+                                        </p:attrNameLst>
+                                      </p:cBhvr>
+                                      <p:to>
+                                        <p:strVal val="visible"/>
+                                      </p:to>
+                                    </p:set>
+                                  </p:childTnLst>
+                                </p:cTn>
+                              </p:par>
+                              <p:par>
+                                <p:cTn id="7" presetID="1" presetClass="entr" presetSubtype="0" fill="hold" nodeType="withEffect">
+                                  <p:stCondLst>
+                                    <p:cond delay="0"/>
+                                  </p:stCondLst>
+                                  <p:childTnLst>
+                                    <p:set>
+                                      <p:cBhvr>
+                                        <p:cTn id="8" dur="1" fill="hold">
+                                          <p:stCondLst>
+                                            <p:cond delay="0"/>
+                                          </p:stCondLst>
+                                        </p:cTn>
+                                        <p:tgtEl>
+                                          <p:spTgt spid="4">
+                                            <p:txEl>
+                                              <p:pRg st="1" end="1"/>
+                                            </p:txEl>
+                                          </p:spTgt>
+                                        </p:tgtEl>
+                                        <p:attrNameLst>
+                                          <p:attrName>style.visibility</p:attrName>
+                                        </p:attrNameLst>
+                                      </p:cBhvr>
+                                      <p:to>
+                                        <p:strVal val="visible"/>
+                                      </p:to>
+                                    </p:set>
+                                  </p:childTnLst>
+                                </p:cTn>
+                              </p:par>
+                              <p:par>
+                                <p:cTn id="9" presetID="1" presetClass="entr" presetSubtype="0" fill="hold" nodeType="withEffect">
+                                  <p:stCondLst>
+                                    <p:cond delay="0"/>
+                                  </p:stCondLst>
+                                  <p:childTnLst>
+                                    <p:set>
+                                      <p:cBhvr>
+                                        <p:cTn id="10" dur="1" fill="hold">
+                                          <p:stCondLst>
+                                            <p:cond delay="0"/>
+                                          </p:stCondLst>
+                                        </p:cTn>
+                                        <p:tgtEl>
+                                          <p:spTgt spid="4">
+                                            <p:txEl>
+                                              <p:pRg st="2" end="2"/>
+                                            </p:txEl>
+                                          </p:spTgt>
+                                        </p:tgtEl>
+                                        <p:attrNameLst>
+                                          <p:attrName>style.visibility</p:attrName>
+                                        </p:attrNameLst>
+                                      </p:cBhvr>
+                                      <p:to>
+                                        <p:strVal val="visible"/>
+                                      </p:to>
+                                    </p:set>
+                                  </p:childTnLst>
+                                </p:cTn>
+                              </p:par>
+                              <p:par>
+                                <p:cTn id="11" presetID="1" presetClass="entr" presetSubtype="0" fill="hold" nodeType="withEffect">
+                                  <p:stCondLst>
+                                    <p:cond delay="0"/>
+                                  </p:stCondLst>
+                                  <p:childTnLst>
+                                    <p:set>
+                                      <p:cBhvr>
+                                        <p:cTn id="12" dur="1" fill="hold">
+                                          <p:stCondLst>
+                                            <p:cond delay="0"/>
+                                          </p:stCondLst>
+                                        </p:cTn>
+                                        <p:tgtEl>
+                                          <p:spTgt spid="4">
+                                            <p:txEl>
+                                              <p:pRg st="3" end="3"/>
+                                            </p:txEl>
+                                          </p:spTgt>
+                                        </p:tgtEl>
+                                        <p:attrNameLst>
+                                          <p:attrName>style.visibility</p:attrName>
+                                        </p:attrNameLst>
+                                      </p:cBhvr>
+                                      <p:to>
+                                        <p:strVal val="visible"/>
+                                      </p:to>
+                                    </p:set>
+                                  </p:childTnLst>
+                                </p:cTn>
+                              </p:par>
+                              <p:par>
+                                <p:cTn id="13" presetID="1" presetClass="entr" presetSubtype="0" fill="hold" nodeType="withEffect">
+                                  <p:stCondLst>
+                                    <p:cond delay="0"/>
+                                  </p:stCondLst>
+                                  <p:childTnLst>
+                                    <p:set>
+                                      <p:cBhvr>
+                                        <p:cTn id="14" dur="1" fill="hold">
+                                          <p:stCondLst>
+                                            <p:cond delay="0"/>
+                                          </p:stCondLst>
+                                        </p:cTn>
+                                        <p:tgtEl>
+                                          <p:spTgt spid="4">
+                                            <p:txEl>
+                                              <p:pRg st="4" end="4"/>
+                                            </p:txEl>
+                                          </p:spTgt>
+                                        </p:tgtEl>
+                                        <p:attrNameLst>
+                                          <p:attrName>style.visibility</p:attrName>
+                                        </p:attrNameLst>
+                                      </p:cBhvr>
+                                      <p:to>
+                                        <p:strVal val="visible"/>
+                                      </p:to>
+                                    </p:set>
+                                  </p:childTnLst>
+                                </p:cTn>
+                              </p:par>
+                            </p:childTnLst>
+                          </p:cTn>
+                        </p:par>
+                      </p:childTnLst>
+                    </p:cTn>
+                  </p:par>
+                  <p:par>
+                    <p:cTn id="15" fill="hold">
+                      <p:stCondLst>
+                        <p:cond delay="indefinite"/>
+                      </p:stCondLst>
+                      <p:childTnLst>
+                        <p:par>
+                          <p:cTn id="16" fill="hold">
+                            <p:stCondLst>
+                              <p:cond delay="0"/>
+                            </p:stCondLst>
+                            <p:childTnLst>
+                              <p:par>
+                                <p:cTn id="17" presetID="1" presetClass="entr" presetSubtype="0" fill="hold" nodeType="clickEffect">
+                                  <p:stCondLst>
+                                    <p:cond delay="0"/>
+                                  </p:stCondLst>
+                                  <p:childTnLst>
+                                    <p:set>
+                                      <p:cBhvr>
+                                        <p:cTn id="18" dur="1" fill="hold">
+                                          <p:stCondLst>
+                                            <p:cond delay="0"/>
+                                          </p:stCondLst>
+                                        </p:cTn>
+                                        <p:tgtEl>
+                                          <p:spTgt spid="4">
+                                            <p:txEl>
+                                              <p:pRg st="5" end="5"/>
+                                            </p:txEl>
+                                          </p:spTgt>
+                                        </p:tgtEl>
+                                        <p:attrNameLst>
+                                          <p:attrName>style.visibility</p:attrName>
+                                        </p:attrNameLst>
+                                      </p:cBhvr>
+                                      <p:to>
+                                        <p:strVal val="visible"/>
+                                      </p:to>
+                                    </p:set>
+                                  </p:childTnLst>
+                                </p:cTn>
+                              </p:par>
+                              <p:par>
+                                <p:cTn id="19" presetID="1" presetClass="entr" presetSubtype="0" fill="hold" nodeType="withEffect">
+                                  <p:stCondLst>
+                                    <p:cond delay="0"/>
+                                  </p:stCondLst>
+                                  <p:childTnLst>
+                                    <p:set>
+                                      <p:cBhvr>
+                                        <p:cTn id="20" dur="1" fill="hold">
+                                          <p:stCondLst>
+                                            <p:cond delay="0"/>
+                                          </p:stCondLst>
+                                        </p:cTn>
+                                        <p:tgtEl>
+                                          <p:spTgt spid="4">
+                                            <p:txEl>
+                                              <p:pRg st="6" end="6"/>
+                                            </p:txEl>
+                                          </p:spTgt>
+                                        </p:tgtEl>
+                                        <p:attrNameLst>
+                                          <p:attrName>style.visibility</p:attrName>
+                                        </p:attrNameLst>
+                                      </p:cBhvr>
+                                      <p:to>
+                                        <p:strVal val="visible"/>
+                                      </p:to>
+                                    </p:set>
+                                  </p:childTnLst>
+                                </p:cTn>
+                              </p:par>
+                              <p:par>
+                                <p:cTn id="21" presetID="1" presetClass="entr" presetSubtype="0" fill="hold" nodeType="withEffect">
+                                  <p:stCondLst>
+                                    <p:cond delay="0"/>
+                                  </p:stCondLst>
+                                  <p:childTnLst>
+                                    <p:set>
+                                      <p:cBhvr>
+                                        <p:cTn id="22" dur="1" fill="hold">
+                                          <p:stCondLst>
+                                            <p:cond delay="0"/>
+                                          </p:stCondLst>
+                                        </p:cTn>
+                                        <p:tgtEl>
+                                          <p:spTgt spid="4">
+                                            <p:txEl>
+                                              <p:pRg st="7" end="7"/>
+                                            </p:txEl>
+                                          </p:spTgt>
+                                        </p:tgtEl>
+                                        <p:attrNameLst>
+                                          <p:attrName>style.visibility</p:attrName>
+                                        </p:attrNameLst>
+                                      </p:cBhvr>
+                                      <p:to>
+                                        <p:strVal val="visible"/>
+                                      </p:to>
+                                    </p:set>
+                                  </p:childTnLst>
+                                </p:cTn>
+                              </p:par>
+                              <p:par>
+                                <p:cTn id="23" presetID="1" presetClass="entr" presetSubtype="0" fill="hold" nodeType="withEffect">
+                                  <p:stCondLst>
+                                    <p:cond delay="0"/>
+                                  </p:stCondLst>
+                                  <p:childTnLst>
+                                    <p:set>
+                                      <p:cBhvr>
+                                        <p:cTn id="24" dur="1" fill="hold">
+                                          <p:stCondLst>
+                                            <p:cond delay="0"/>
+                                          </p:stCondLst>
+                                        </p:cTn>
+                                        <p:tgtEl>
+                                          <p:spTgt spid="4">
+                                            <p:txEl>
+                                              <p:pRg st="8" end="8"/>
+                                            </p:txEl>
+                                          </p:spTgt>
+                                        </p:tgtEl>
+                                        <p:attrNameLst>
+                                          <p:attrName>style.visibility</p:attrName>
+                                        </p:attrNameLst>
+                                      </p:cBhvr>
+                                      <p:to>
+                                        <p:strVal val="visible"/>
+                                      </p:to>
+                                    </p:set>
+                                  </p:childTnLst>
+                                </p:cTn>
+                              </p:par>
+                              <p:par>
+                                <p:cTn id="25" presetID="1" presetClass="entr" presetSubtype="0" fill="hold" nodeType="withEffect">
+                                  <p:stCondLst>
+                                    <p:cond delay="0"/>
+                                  </p:stCondLst>
+                                  <p:childTnLst>
+                                    <p:set>
+                                      <p:cBhvr>
+                                        <p:cTn id="26" dur="1" fill="hold">
+                                          <p:stCondLst>
+                                            <p:cond delay="0"/>
+                                          </p:stCondLst>
+                                        </p:cTn>
+                                        <p:tgtEl>
+                                          <p:spTgt spid="4">
+                                            <p:txEl>
+                                              <p:pRg st="9" end="9"/>
+                                            </p:txEl>
+                                          </p:spTgt>
+                                        </p:tgtEl>
+                                        <p:attrNameLst>
+                                          <p:attrName>style.visibility</p:attrName>
+                                        </p:attrNameLst>
+                                      </p:cBhvr>
+                                      <p:to>
+                                        <p:strVal val="visible"/>
+                                      </p:to>
+                                    </p:set>
+                                  </p:childTnLst>
+                                </p:cTn>
+                              </p:par>
+                              <p:par>
+                                <p:cTn id="27" presetID="1" presetClass="entr" presetSubtype="0" fill="hold" nodeType="withEffect">
+                                  <p:stCondLst>
+                                    <p:cond delay="0"/>
+                                  </p:stCondLst>
+                                  <p:childTnLst>
+                                    <p:set>
+                                      <p:cBhvr>
+                                        <p:cTn id="28" dur="1" fill="hold">
+                                          <p:stCondLst>
+                                            <p:cond delay="0"/>
+                                          </p:stCondLst>
+                                        </p:cTn>
+                                        <p:tgtEl>
+                                          <p:spTgt spid="4">
+                                            <p:txEl>
+                                              <p:pRg st="10" end="10"/>
+                                            </p:txEl>
+                                          </p:spTgt>
+                                        </p:tgtEl>
+                                        <p:attrNameLst>
+                                          <p:attrName>style.visibility</p:attrName>
+                                        </p:attrNameLst>
+                                      </p:cBhvr>
+                                      <p:to>
+                                        <p:strVal val="visible"/>
+                                      </p:to>
+                                    </p:set>
+                                  </p:childTnLst>
+                                </p:cTn>
+                              </p:par>
+                            </p:childTnLst>
+                          </p:cTn>
+                        </p:par>
+                      </p:childTnLst>
+                    </p:cTn>
+                  </p:par>
+                </p:childTnLst>
+              </p:cTn>
+              <p:prevCondLst>
+                <p:cond evt="onPrev" delay="0">
+                  <p:tgtEl>
+                    <p:sldTgt/>
+                  </p:tgtEl>
+                </p:cond>
+              </p:prevCondLst>
+              <p:nextCondLst>
+                <p:cond evt="onNext" delay="0">
+                  <p:tgtEl>
+                    <p:sldTgt/>
+                  </p:tgtEl>
+                </p:cond>
+              </p:nextCondLst>
+            </p:seq>
+          </p:childTnLst>
+        </p:cTn>
+      </p:par>
+    </p:tnLst>
+  </p:timing>
+</p:sld>
+</file>
+
+<file path=ppt/slides/slide19.xml><?xml version="1.0" encoding="utf-8"?>
+<p:sld xmlns:a="http://schemas.openxmlformats.org/drawingml/2006/main" xmlns:r="http://schemas.openxmlformats.org/officeDocument/2006/relationships" xmlns:p="http://schemas.openxmlformats.org/presentationml/2006/main">
+  <p:cSld>
+    <p:spTree>
+      <p:nvGrpSpPr>
+        <p:cNvPr id="1" name=""/>
+        <p:cNvGrpSpPr/>
+        <p:nvPr/>
+      </p:nvGrpSpPr>
+      <p:grpSpPr>
+        <a:xfrm>
+          <a:off x="0" y="0"/>
+          <a:ext cx="0" cy="0"/>
+          <a:chOff x="0" y="0"/>
+          <a:chExt cx="0" cy="0"/>
+        </a:xfrm>
+      </p:grpSpPr>
+      <p:sp>
+        <p:nvSpPr>
+          <p:cNvPr id="2" name="Title 1"/>
+          <p:cNvSpPr>
+            <a:spLocks noGrp="1"/>
+          </p:cNvSpPr>
+          <p:nvPr>
+            <p:ph type="title"/>
+          </p:nvPr>
+        </p:nvSpPr>
+        <p:spPr/>
+        <p:txBody>
+          <a:bodyPr/>
+          <a:lstStyle/>
+          <a:p>
+            <a:r>
+              <a:rPr lang="en-US" dirty="0" smtClean="0"/>
+              <a:t>Page Allocation and Cleanup</a:t>
+            </a:r>
+            <a:endParaRPr lang="en-US" dirty="0"/>
+          </a:p>
+        </p:txBody>
+      </p:sp>
+      <p:sp>
+        <p:nvSpPr>
+          <p:cNvPr id="3" name="Content Placeholder 2"/>
+          <p:cNvSpPr>
+            <a:spLocks noGrp="1"/>
+          </p:cNvSpPr>
+          <p:nvPr>
+            <p:ph idx="1"/>
+          </p:nvPr>
+        </p:nvSpPr>
+        <p:spPr/>
+        <p:txBody>
+          <a:bodyPr/>
+          <a:lstStyle/>
+          <a:p>
+            <a:r>
+              <a:rPr lang="en-US" dirty="0" smtClean="0"/>
+              <a:t>Pages are managed on kernel lists</a:t>
+            </a:r>
+          </a:p>
+          <a:p>
+            <a:pPr lvl="1"/>
+            <a:r>
+              <a:rPr lang="en-US" b="1" dirty="0" smtClean="0"/>
+              <a:t>Free </a:t>
+            </a:r>
+            <a:r>
+              <a:rPr lang="en-US" dirty="0" smtClean="0"/>
+              <a:t>Memory that has never been used</a:t>
+            </a:r>
+            <a:endParaRPr lang="en-US" b="1" dirty="0" smtClean="0"/>
+          </a:p>
+          <a:p>
+            <a:pPr lvl="1"/>
+            <a:r>
+              <a:rPr lang="en-US" b="1" dirty="0" smtClean="0"/>
+              <a:t>Wired</a:t>
+            </a:r>
+            <a:r>
+              <a:rPr lang="en-US" dirty="0" smtClean="0"/>
+              <a:t> In use by the kernel</a:t>
+            </a:r>
+            <a:endParaRPr lang="en-US" b="1" dirty="0" smtClean="0"/>
+          </a:p>
+          <a:p>
+            <a:pPr lvl="1"/>
+            <a:r>
+              <a:rPr lang="en-US" b="1" dirty="0" smtClean="0"/>
+              <a:t>Active</a:t>
+            </a:r>
+            <a:r>
+              <a:rPr lang="en-US" dirty="0" smtClean="0"/>
+              <a:t> In used by a program</a:t>
+            </a:r>
+            <a:endParaRPr lang="en-US" b="1" dirty="0" smtClean="0"/>
+          </a:p>
+          <a:p>
+            <a:pPr lvl="1"/>
+            <a:r>
+              <a:rPr lang="en-US" b="1" dirty="0" smtClean="0"/>
+              <a:t>Inactive</a:t>
+            </a:r>
+            <a:r>
+              <a:rPr lang="en-US" dirty="0" smtClean="0"/>
+              <a:t> Has been used and awaiting re-use</a:t>
+            </a:r>
+          </a:p>
+          <a:p>
+            <a:r>
+              <a:rPr lang="en-US" dirty="0" err="1" smtClean="0"/>
+              <a:t>Zero’d</a:t>
+            </a:r>
+            <a:r>
+              <a:rPr lang="en-US" dirty="0" smtClean="0"/>
+              <a:t> on Demand</a:t>
+            </a:r>
+          </a:p>
+          <a:p>
+            <a:pPr lvl="1"/>
+            <a:r>
+              <a:rPr lang="en-US" dirty="0" smtClean="0"/>
+              <a:t>Why?</a:t>
+            </a:r>
+          </a:p>
+          <a:p>
+            <a:pPr lvl="1"/>
+            <a:r>
+              <a:rPr lang="en-US" dirty="0" smtClean="0"/>
+              <a:t>What are the possible implications of this choice?</a:t>
+            </a:r>
+          </a:p>
+          <a:p>
+            <a:r>
+              <a:rPr lang="en-US" dirty="0" smtClean="0"/>
+              <a:t>Reduce, reuse, recycle</a:t>
+            </a:r>
+            <a:endParaRPr lang="en-US" dirty="0"/>
+          </a:p>
+        </p:txBody>
+      </p:sp>
+      <p:sp>
+        <p:nvSpPr>
+          <p:cNvPr id="4" name="Footer Placeholder 3"/>
+          <p:cNvSpPr>
+            <a:spLocks noGrp="1"/>
+          </p:cNvSpPr>
+          <p:nvPr>
+            <p:ph type="ftr" sz="quarter" idx="11"/>
+          </p:nvPr>
+        </p:nvSpPr>
+        <p:spPr/>
+        <p:txBody>
+          <a:bodyPr/>
+          <a:lstStyle/>
+          <a:p>
+            <a:r>
+              <a:rPr lang="en-US" smtClean="0"/>
+              <a:t>Introduction to Operating Systems</a:t>
+            </a:r>
+            <a:endParaRPr lang="en-US" dirty="0"/>
+          </a:p>
+        </p:txBody>
+      </p:sp>
+    </p:spTree>
+    <p:extLst>
+      <p:ext uri="{BB962C8B-B14F-4D97-AF65-F5344CB8AC3E}">
+        <p14:creationId xmlns:p14="http://schemas.microsoft.com/office/powerpoint/2010/main" val="855407601"/>
       </p:ext>
     </p:extLst>
   </p:cSld>
@@ -7093,7 +8536,7 @@
           <a:p>
             <a:r>
               <a:rPr lang="en-US" dirty="0" smtClean="0"/>
-              <a:t>Review of Processes</a:t>
+              <a:t>The Process Model and Virtual Memory</a:t>
             </a:r>
             <a:endParaRPr lang="en-US" dirty="0"/>
           </a:p>
@@ -7114,7 +8557,32 @@
           <a:bodyPr/>
           <a:lstStyle/>
           <a:p>
-            <a:endParaRPr lang="en-US"/>
+            <a:r>
+              <a:rPr lang="en-US" dirty="0" smtClean="0"/>
+              <a:t>Without Virtual Memory a Process is just a C structure</a:t>
+            </a:r>
+          </a:p>
+          <a:p>
+            <a:r>
+              <a:rPr lang="en-US" dirty="0" smtClean="0"/>
+              <a:t>The VM system enforces containment</a:t>
+            </a:r>
+          </a:p>
+          <a:p>
+            <a:r>
+              <a:rPr lang="en-US" dirty="0" smtClean="0"/>
+              <a:t>All memory comes from the kernel</a:t>
+            </a:r>
+          </a:p>
+          <a:p>
+            <a:pPr lvl="1"/>
+            <a:r>
+              <a:rPr lang="en-US" dirty="0" smtClean="0"/>
+              <a:t>And returns to it when no longer needed</a:t>
+            </a:r>
+          </a:p>
+          <a:p>
+            <a:endParaRPr lang="en-US" dirty="0"/>
           </a:p>
         </p:txBody>
       </p:sp>
@@ -7135,7 +8603,7 @@
           <a:p>
             <a:r>
               <a:rPr lang="en-US" smtClean="0"/>
-              <a:t>A Look Inside FreeBSD with DTrace</a:t>
+              <a:t>Introduction to Operating Systems</a:t>
             </a:r>
             <a:endParaRPr lang="en-US" dirty="0"/>
           </a:p>
@@ -7144,7 +8612,1950 @@
     </p:spTree>
     <p:extLst>
       <p:ext uri="{BB962C8B-B14F-4D97-AF65-F5344CB8AC3E}">
-        <p14:creationId xmlns:p14="http://schemas.microsoft.com/office/powerpoint/2010/main" val="277315022"/>
+        <p14:creationId xmlns:p14="http://schemas.microsoft.com/office/powerpoint/2010/main" val="794060764"/>
+      </p:ext>
+    </p:extLst>
+  </p:cSld>
+  <p:clrMapOvr>
+    <a:masterClrMapping/>
+  </p:clrMapOvr>
+  <p:timing>
+    <p:tnLst>
+      <p:par>
+        <p:cTn id="1" dur="indefinite" restart="never" nodeType="tmRoot"/>
+      </p:par>
+    </p:tnLst>
+  </p:timing>
+</p:sld>
+</file>
+
+<file path=ppt/slides/slide20.xml><?xml version="1.0" encoding="utf-8"?>
+<p:sld xmlns:a="http://schemas.openxmlformats.org/drawingml/2006/main" xmlns:r="http://schemas.openxmlformats.org/officeDocument/2006/relationships" xmlns:p="http://schemas.openxmlformats.org/presentationml/2006/main">
+  <p:cSld>
+    <p:spTree>
+      <p:nvGrpSpPr>
+        <p:cNvPr id="1" name=""/>
+        <p:cNvGrpSpPr/>
+        <p:nvPr/>
+      </p:nvGrpSpPr>
+      <p:grpSpPr>
+        <a:xfrm>
+          <a:off x="0" y="0"/>
+          <a:ext cx="0" cy="0"/>
+          <a:chOff x="0" y="0"/>
+          <a:chExt cx="0" cy="0"/>
+        </a:xfrm>
+      </p:grpSpPr>
+      <p:sp>
+        <p:nvSpPr>
+          <p:cNvPr id="2" name="Title 1"/>
+          <p:cNvSpPr>
+            <a:spLocks noGrp="1"/>
+          </p:cNvSpPr>
+          <p:nvPr>
+            <p:ph type="title"/>
+          </p:nvPr>
+        </p:nvSpPr>
+        <p:spPr/>
+        <p:txBody>
+          <a:bodyPr/>
+          <a:lstStyle/>
+          <a:p>
+            <a:r>
+              <a:rPr lang="en-US" dirty="0" smtClean="0"/>
+              <a:t>Managing Memory</a:t>
+            </a:r>
+            <a:endParaRPr lang="en-US" dirty="0"/>
+          </a:p>
+        </p:txBody>
+      </p:sp>
+      <p:sp>
+        <p:nvSpPr>
+          <p:cNvPr id="3" name="Content Placeholder 2"/>
+          <p:cNvSpPr>
+            <a:spLocks noGrp="1"/>
+          </p:cNvSpPr>
+          <p:nvPr>
+            <p:ph idx="1"/>
+          </p:nvPr>
+        </p:nvSpPr>
+        <p:spPr/>
+        <p:txBody>
+          <a:bodyPr/>
+          <a:lstStyle/>
+          <a:p>
+            <a:r>
+              <a:rPr lang="en-US" dirty="0" smtClean="0"/>
+              <a:t>Every type of memory has a pager</a:t>
+            </a:r>
+          </a:p>
+          <a:p>
+            <a:r>
+              <a:rPr lang="en-US" dirty="0" smtClean="0"/>
+              <a:t>Responsible for managing memory</a:t>
+            </a:r>
+          </a:p>
+          <a:p>
+            <a:r>
+              <a:rPr lang="en-US" dirty="0" smtClean="0"/>
+              <a:t>Swap Pager</a:t>
+            </a:r>
+          </a:p>
+          <a:p>
+            <a:r>
+              <a:rPr lang="en-US" dirty="0" smtClean="0"/>
+              <a:t>VNODE Pager</a:t>
+            </a:r>
+          </a:p>
+          <a:p>
+            <a:endParaRPr lang="en-US" dirty="0" smtClean="0"/>
+          </a:p>
+          <a:p>
+            <a:endParaRPr lang="en-US" dirty="0"/>
+          </a:p>
+        </p:txBody>
+      </p:sp>
+      <p:sp>
+        <p:nvSpPr>
+          <p:cNvPr id="4" name="Footer Placeholder 3"/>
+          <p:cNvSpPr>
+            <a:spLocks noGrp="1"/>
+          </p:cNvSpPr>
+          <p:nvPr>
+            <p:ph type="ftr" sz="quarter" idx="11"/>
+          </p:nvPr>
+        </p:nvSpPr>
+        <p:spPr/>
+        <p:txBody>
+          <a:bodyPr/>
+          <a:lstStyle/>
+          <a:p>
+            <a:r>
+              <a:rPr lang="en-US" smtClean="0"/>
+              <a:t>Introduction to Operating Systems</a:t>
+            </a:r>
+            <a:endParaRPr lang="en-US" dirty="0"/>
+          </a:p>
+        </p:txBody>
+      </p:sp>
+    </p:spTree>
+    <p:extLst>
+      <p:ext uri="{BB962C8B-B14F-4D97-AF65-F5344CB8AC3E}">
+        <p14:creationId xmlns:p14="http://schemas.microsoft.com/office/powerpoint/2010/main" val="1785494212"/>
+      </p:ext>
+    </p:extLst>
+  </p:cSld>
+  <p:clrMapOvr>
+    <a:masterClrMapping/>
+  </p:clrMapOvr>
+  <p:timing>
+    <p:tnLst>
+      <p:par>
+        <p:cTn id="1" dur="indefinite" restart="never" nodeType="tmRoot"/>
+      </p:par>
+    </p:tnLst>
+  </p:timing>
+</p:sld>
+</file>
+
+<file path=ppt/slides/slide21.xml><?xml version="1.0" encoding="utf-8"?>
+<p:sld xmlns:a="http://schemas.openxmlformats.org/drawingml/2006/main" xmlns:r="http://schemas.openxmlformats.org/officeDocument/2006/relationships" xmlns:p="http://schemas.openxmlformats.org/presentationml/2006/main">
+  <p:cSld>
+    <p:spTree>
+      <p:nvGrpSpPr>
+        <p:cNvPr id="1" name=""/>
+        <p:cNvGrpSpPr/>
+        <p:nvPr/>
+      </p:nvGrpSpPr>
+      <p:grpSpPr>
+        <a:xfrm>
+          <a:off x="0" y="0"/>
+          <a:ext cx="0" cy="0"/>
+          <a:chOff x="0" y="0"/>
+          <a:chExt cx="0" cy="0"/>
+        </a:xfrm>
+      </p:grpSpPr>
+      <p:sp>
+        <p:nvSpPr>
+          <p:cNvPr id="2" name="Title 1"/>
+          <p:cNvSpPr>
+            <a:spLocks noGrp="1"/>
+          </p:cNvSpPr>
+          <p:nvPr>
+            <p:ph type="title"/>
+          </p:nvPr>
+        </p:nvSpPr>
+        <p:spPr/>
+        <p:txBody>
+          <a:bodyPr/>
+          <a:lstStyle/>
+          <a:p>
+            <a:r>
+              <a:rPr lang="en-US" dirty="0" smtClean="0"/>
+              <a:t>Kernel programmer view of VM</a:t>
+            </a:r>
+            <a:endParaRPr lang="en-US" dirty="0"/>
+          </a:p>
+        </p:txBody>
+      </p:sp>
+      <p:sp>
+        <p:nvSpPr>
+          <p:cNvPr id="4" name="Footer Placeholder 3"/>
+          <p:cNvSpPr>
+            <a:spLocks noGrp="1"/>
+          </p:cNvSpPr>
+          <p:nvPr>
+            <p:ph type="ftr" sz="quarter" idx="11"/>
+          </p:nvPr>
+        </p:nvSpPr>
+        <p:spPr/>
+        <p:txBody>
+          <a:bodyPr/>
+          <a:lstStyle/>
+          <a:p>
+            <a:r>
+              <a:rPr lang="en-US" smtClean="0"/>
+              <a:t>Introduction to Operating Systems</a:t>
+            </a:r>
+            <a:endParaRPr lang="en-US"/>
+          </a:p>
+        </p:txBody>
+      </p:sp>
+      <p:pic>
+        <p:nvPicPr>
+          <p:cNvPr id="6" name="Picture 5"/>
+          <p:cNvPicPr>
+            <a:picLocks noChangeAspect="1"/>
+          </p:cNvPicPr>
+          <p:nvPr/>
+        </p:nvPicPr>
+        <p:blipFill>
+          <a:blip r:embed="rId2">
+            <a:extLst>
+              <a:ext uri="{28A0092B-C50C-407E-A947-70E740481C1C}">
+                <a14:useLocalDpi xmlns:a14="http://schemas.microsoft.com/office/drawing/2010/main" val="0"/>
+              </a:ext>
+            </a:extLst>
+          </a:blip>
+          <a:stretch>
+            <a:fillRect/>
+          </a:stretch>
+        </p:blipFill>
+        <p:spPr>
+          <a:xfrm>
+            <a:off x="1694497" y="1352551"/>
+            <a:ext cx="8803006" cy="4874392"/>
+          </a:xfrm>
+          <a:prstGeom prst="rect">
+            <a:avLst/>
+          </a:prstGeom>
+        </p:spPr>
+      </p:pic>
+    </p:spTree>
+    <p:extLst>
+      <p:ext uri="{BB962C8B-B14F-4D97-AF65-F5344CB8AC3E}">
+        <p14:creationId xmlns:p14="http://schemas.microsoft.com/office/powerpoint/2010/main" val="1866259592"/>
+      </p:ext>
+    </p:extLst>
+  </p:cSld>
+  <p:clrMapOvr>
+    <a:masterClrMapping/>
+  </p:clrMapOvr>
+  <p:timing>
+    <p:tnLst>
+      <p:par>
+        <p:cTn id="1" dur="indefinite" restart="never" nodeType="tmRoot">
+          <p:childTnLst>
+            <p:seq concurrent="1" nextAc="seek">
+              <p:cTn id="2" dur="indefinite" nodeType="mainSeq">
+                <p:childTnLst>
+                  <p:par>
+                    <p:cTn id="3" fill="hold">
+                      <p:stCondLst>
+                        <p:cond delay="indefinite"/>
+                      </p:stCondLst>
+                      <p:childTnLst>
+                        <p:par>
+                          <p:cTn id="4" fill="hold">
+                            <p:stCondLst>
+                              <p:cond delay="0"/>
+                            </p:stCondLst>
+                            <p:childTnLst>
+                              <p:par>
+                                <p:cTn id="5" presetID="1" presetClass="entr" presetSubtype="0" fill="hold" nodeType="clickEffect">
+                                  <p:stCondLst>
+                                    <p:cond delay="0"/>
+                                  </p:stCondLst>
+                                  <p:childTnLst>
+                                    <p:set>
+                                      <p:cBhvr>
+                                        <p:cTn id="6" dur="1" fill="hold">
+                                          <p:stCondLst>
+                                            <p:cond delay="0"/>
+                                          </p:stCondLst>
+                                        </p:cTn>
+                                        <p:tgtEl>
+                                          <p:spTgt spid="6"/>
+                                        </p:tgtEl>
+                                        <p:attrNameLst>
+                                          <p:attrName>style.visibility</p:attrName>
+                                        </p:attrNameLst>
+                                      </p:cBhvr>
+                                      <p:to>
+                                        <p:strVal val="visible"/>
+                                      </p:to>
+                                    </p:set>
+                                  </p:childTnLst>
+                                </p:cTn>
+                              </p:par>
+                            </p:childTnLst>
+                          </p:cTn>
+                        </p:par>
+                      </p:childTnLst>
+                    </p:cTn>
+                  </p:par>
+                </p:childTnLst>
+              </p:cTn>
+              <p:prevCondLst>
+                <p:cond evt="onPrev" delay="0">
+                  <p:tgtEl>
+                    <p:sldTgt/>
+                  </p:tgtEl>
+                </p:cond>
+              </p:prevCondLst>
+              <p:nextCondLst>
+                <p:cond evt="onNext" delay="0">
+                  <p:tgtEl>
+                    <p:sldTgt/>
+                  </p:tgtEl>
+                </p:cond>
+              </p:nextCondLst>
+            </p:seq>
+          </p:childTnLst>
+        </p:cTn>
+      </p:par>
+    </p:tnLst>
+  </p:timing>
+</p:sld>
+</file>
+
+<file path=ppt/slides/slide22.xml><?xml version="1.0" encoding="utf-8"?>
+<p:sld xmlns:a="http://schemas.openxmlformats.org/drawingml/2006/main" xmlns:r="http://schemas.openxmlformats.org/officeDocument/2006/relationships" xmlns:p="http://schemas.openxmlformats.org/presentationml/2006/main">
+  <p:cSld>
+    <p:spTree>
+      <p:nvGrpSpPr>
+        <p:cNvPr id="1" name=""/>
+        <p:cNvGrpSpPr/>
+        <p:nvPr/>
+      </p:nvGrpSpPr>
+      <p:grpSpPr>
+        <a:xfrm>
+          <a:off x="0" y="0"/>
+          <a:ext cx="0" cy="0"/>
+          <a:chOff x="0" y="0"/>
+          <a:chExt cx="0" cy="0"/>
+        </a:xfrm>
+      </p:grpSpPr>
+      <p:sp>
+        <p:nvSpPr>
+          <p:cNvPr id="2" name="Title 1"/>
+          <p:cNvSpPr>
+            <a:spLocks noGrp="1"/>
+          </p:cNvSpPr>
+          <p:nvPr>
+            <p:ph type="title"/>
+          </p:nvPr>
+        </p:nvSpPr>
+        <p:spPr/>
+        <p:txBody>
+          <a:bodyPr/>
+          <a:lstStyle/>
+          <a:p>
+            <a:r>
+              <a:rPr lang="en-US" dirty="0" smtClean="0"/>
+              <a:t>Pagers for Different Memory</a:t>
+            </a:r>
+            <a:endParaRPr lang="en-US" dirty="0"/>
+          </a:p>
+        </p:txBody>
+      </p:sp>
+      <p:sp>
+        <p:nvSpPr>
+          <p:cNvPr id="4" name="Content Placeholder 3"/>
+          <p:cNvSpPr>
+            <a:spLocks noGrp="1"/>
+          </p:cNvSpPr>
+          <p:nvPr>
+            <p:ph idx="1"/>
+          </p:nvPr>
+        </p:nvSpPr>
+        <p:spPr/>
+        <p:txBody>
+          <a:bodyPr/>
+          <a:lstStyle/>
+          <a:p>
+            <a:r>
+              <a:rPr lang="en-US" dirty="0" smtClean="0"/>
+              <a:t>Device</a:t>
+            </a:r>
+          </a:p>
+          <a:p>
+            <a:r>
+              <a:rPr lang="en-US" dirty="0" smtClean="0"/>
+              <a:t>Physical</a:t>
+            </a:r>
+          </a:p>
+          <a:p>
+            <a:r>
+              <a:rPr lang="en-US" dirty="0" smtClean="0"/>
+              <a:t>Swap</a:t>
+            </a:r>
+          </a:p>
+          <a:p>
+            <a:r>
+              <a:rPr lang="en-US" dirty="0" smtClean="0"/>
+              <a:t>Scatter/Gather</a:t>
+            </a:r>
+          </a:p>
+          <a:p>
+            <a:pPr lvl="1"/>
+            <a:r>
+              <a:rPr lang="en-US" dirty="0" smtClean="0"/>
+              <a:t>Sparse memory pages</a:t>
+            </a:r>
+          </a:p>
+          <a:p>
+            <a:r>
+              <a:rPr lang="en-US" dirty="0" smtClean="0"/>
+              <a:t>VNODE</a:t>
+            </a:r>
+          </a:p>
+          <a:p>
+            <a:pPr lvl="1"/>
+            <a:r>
+              <a:rPr lang="en-US" dirty="0" smtClean="0"/>
+              <a:t>File data</a:t>
+            </a:r>
+          </a:p>
+          <a:p>
+            <a:endParaRPr lang="en-US" dirty="0"/>
+          </a:p>
+        </p:txBody>
+      </p:sp>
+      <p:sp>
+        <p:nvSpPr>
+          <p:cNvPr id="3" name="Footer Placeholder 2"/>
+          <p:cNvSpPr>
+            <a:spLocks noGrp="1"/>
+          </p:cNvSpPr>
+          <p:nvPr>
+            <p:ph type="ftr" sz="quarter" idx="11"/>
+          </p:nvPr>
+        </p:nvSpPr>
+        <p:spPr/>
+        <p:txBody>
+          <a:bodyPr/>
+          <a:lstStyle/>
+          <a:p>
+            <a:r>
+              <a:rPr lang="en-US" smtClean="0"/>
+              <a:t>Introduction to Operating Systems</a:t>
+            </a:r>
+            <a:endParaRPr lang="en-US"/>
+          </a:p>
+        </p:txBody>
+      </p:sp>
+    </p:spTree>
+    <p:extLst>
+      <p:ext uri="{BB962C8B-B14F-4D97-AF65-F5344CB8AC3E}">
+        <p14:creationId xmlns:p14="http://schemas.microsoft.com/office/powerpoint/2010/main" val="78814662"/>
+      </p:ext>
+    </p:extLst>
+  </p:cSld>
+  <p:clrMapOvr>
+    <a:masterClrMapping/>
+  </p:clrMapOvr>
+  <p:timing>
+    <p:tnLst>
+      <p:par>
+        <p:cTn id="1" dur="indefinite" restart="never" nodeType="tmRoot"/>
+      </p:par>
+    </p:tnLst>
+  </p:timing>
+</p:sld>
+</file>
+
+<file path=ppt/slides/slide23.xml><?xml version="1.0" encoding="utf-8"?>
+<p:sld xmlns:a="http://schemas.openxmlformats.org/drawingml/2006/main" xmlns:r="http://schemas.openxmlformats.org/officeDocument/2006/relationships" xmlns:p="http://schemas.openxmlformats.org/presentationml/2006/main">
+  <p:cSld>
+    <p:spTree>
+      <p:nvGrpSpPr>
+        <p:cNvPr id="1" name=""/>
+        <p:cNvGrpSpPr/>
+        <p:nvPr/>
+      </p:nvGrpSpPr>
+      <p:grpSpPr>
+        <a:xfrm>
+          <a:off x="0" y="0"/>
+          <a:ext cx="0" cy="0"/>
+          <a:chOff x="0" y="0"/>
+          <a:chExt cx="0" cy="0"/>
+        </a:xfrm>
+      </p:grpSpPr>
+      <p:sp>
+        <p:nvSpPr>
+          <p:cNvPr id="5" name="Title 4"/>
+          <p:cNvSpPr>
+            <a:spLocks noGrp="1"/>
+          </p:cNvSpPr>
+          <p:nvPr>
+            <p:ph type="title"/>
+          </p:nvPr>
+        </p:nvSpPr>
+        <p:spPr/>
+        <p:txBody>
+          <a:bodyPr/>
+          <a:lstStyle/>
+          <a:p>
+            <a:r>
+              <a:rPr lang="en-US" dirty="0" smtClean="0"/>
+              <a:t>Pager Policies</a:t>
+            </a:r>
+            <a:endParaRPr lang="en-US" dirty="0"/>
+          </a:p>
+        </p:txBody>
+      </p:sp>
+      <p:sp>
+        <p:nvSpPr>
+          <p:cNvPr id="6" name="Text Placeholder 5"/>
+          <p:cNvSpPr>
+            <a:spLocks noGrp="1"/>
+          </p:cNvSpPr>
+          <p:nvPr>
+            <p:ph type="body" idx="1"/>
+          </p:nvPr>
+        </p:nvSpPr>
+        <p:spPr/>
+        <p:txBody>
+          <a:bodyPr/>
+          <a:lstStyle/>
+          <a:p>
+            <a:r>
+              <a:rPr lang="en-US" dirty="0" smtClean="0"/>
+              <a:t>SWAP</a:t>
+            </a:r>
+            <a:endParaRPr lang="en-US" dirty="0"/>
+          </a:p>
+        </p:txBody>
+      </p:sp>
+      <p:sp>
+        <p:nvSpPr>
+          <p:cNvPr id="7" name="Content Placeholder 6"/>
+          <p:cNvSpPr>
+            <a:spLocks noGrp="1"/>
+          </p:cNvSpPr>
+          <p:nvPr>
+            <p:ph sz="half" idx="2"/>
+          </p:nvPr>
+        </p:nvSpPr>
+        <p:spPr/>
+        <p:txBody>
+          <a:bodyPr/>
+          <a:lstStyle/>
+          <a:p>
+            <a:r>
+              <a:rPr lang="en-US" dirty="0" smtClean="0"/>
+              <a:t>Zero’s pages for use</a:t>
+            </a:r>
+          </a:p>
+          <a:p>
+            <a:r>
+              <a:rPr lang="en-US" dirty="0" smtClean="0"/>
+              <a:t>Moves unused pages to storage</a:t>
+            </a:r>
+          </a:p>
+          <a:p>
+            <a:r>
+              <a:rPr lang="en-US" dirty="0" smtClean="0"/>
+              <a:t>Retrieves pages on demand</a:t>
+            </a:r>
+            <a:endParaRPr lang="en-US" dirty="0"/>
+          </a:p>
+        </p:txBody>
+      </p:sp>
+      <p:sp>
+        <p:nvSpPr>
+          <p:cNvPr id="8" name="Text Placeholder 7"/>
+          <p:cNvSpPr>
+            <a:spLocks noGrp="1"/>
+          </p:cNvSpPr>
+          <p:nvPr>
+            <p:ph type="body" sz="quarter" idx="3"/>
+          </p:nvPr>
+        </p:nvSpPr>
+        <p:spPr/>
+        <p:txBody>
+          <a:bodyPr/>
+          <a:lstStyle/>
+          <a:p>
+            <a:r>
+              <a:rPr lang="en-US" dirty="0" smtClean="0"/>
+              <a:t>VNODE</a:t>
+            </a:r>
+            <a:endParaRPr lang="en-US" dirty="0"/>
+          </a:p>
+        </p:txBody>
+      </p:sp>
+      <p:sp>
+        <p:nvSpPr>
+          <p:cNvPr id="9" name="Content Placeholder 8"/>
+          <p:cNvSpPr>
+            <a:spLocks noGrp="1"/>
+          </p:cNvSpPr>
+          <p:nvPr>
+            <p:ph sz="quarter" idx="4"/>
+          </p:nvPr>
+        </p:nvSpPr>
+        <p:spPr/>
+        <p:txBody>
+          <a:bodyPr/>
+          <a:lstStyle/>
+          <a:p>
+            <a:r>
+              <a:rPr lang="en-US" dirty="0" smtClean="0"/>
+              <a:t>Reads data from storage</a:t>
+            </a:r>
+          </a:p>
+          <a:p>
+            <a:r>
+              <a:rPr lang="en-US" dirty="0" smtClean="0"/>
+              <a:t>Flushes data to storage</a:t>
+            </a:r>
+          </a:p>
+          <a:p>
+            <a:r>
+              <a:rPr lang="en-US" dirty="0" smtClean="0"/>
+              <a:t>Must limit I/</a:t>
+            </a:r>
+            <a:r>
+              <a:rPr lang="en-US" dirty="0" err="1" smtClean="0"/>
+              <a:t>Os</a:t>
+            </a:r>
+            <a:endParaRPr lang="en-US" dirty="0"/>
+          </a:p>
+        </p:txBody>
+      </p:sp>
+      <p:sp>
+        <p:nvSpPr>
+          <p:cNvPr id="4" name="Footer Placeholder 3"/>
+          <p:cNvSpPr>
+            <a:spLocks noGrp="1"/>
+          </p:cNvSpPr>
+          <p:nvPr>
+            <p:ph type="ftr" sz="quarter" idx="11"/>
+          </p:nvPr>
+        </p:nvSpPr>
+        <p:spPr/>
+        <p:txBody>
+          <a:bodyPr/>
+          <a:lstStyle/>
+          <a:p>
+            <a:r>
+              <a:rPr lang="en-US" smtClean="0"/>
+              <a:t>Introduction to Operating Systems</a:t>
+            </a:r>
+            <a:endParaRPr lang="en-US" dirty="0"/>
+          </a:p>
+        </p:txBody>
+      </p:sp>
+    </p:spTree>
+    <p:extLst>
+      <p:ext uri="{BB962C8B-B14F-4D97-AF65-F5344CB8AC3E}">
+        <p14:creationId xmlns:p14="http://schemas.microsoft.com/office/powerpoint/2010/main" val="1406148345"/>
+      </p:ext>
+    </p:extLst>
+  </p:cSld>
+  <p:clrMapOvr>
+    <a:masterClrMapping/>
+  </p:clrMapOvr>
+  <p:timing>
+    <p:tnLst>
+      <p:par>
+        <p:cTn id="1" dur="indefinite" restart="never" nodeType="tmRoot"/>
+      </p:par>
+    </p:tnLst>
+  </p:timing>
+</p:sld>
+</file>
+
+<file path=ppt/slides/slide24.xml><?xml version="1.0" encoding="utf-8"?>
+<p:sld xmlns:a="http://schemas.openxmlformats.org/drawingml/2006/main" xmlns:r="http://schemas.openxmlformats.org/officeDocument/2006/relationships" xmlns:p="http://schemas.openxmlformats.org/presentationml/2006/main">
+  <p:cSld>
+    <p:spTree>
+      <p:nvGrpSpPr>
+        <p:cNvPr id="1" name=""/>
+        <p:cNvGrpSpPr/>
+        <p:nvPr/>
+      </p:nvGrpSpPr>
+      <p:grpSpPr>
+        <a:xfrm>
+          <a:off x="0" y="0"/>
+          <a:ext cx="0" cy="0"/>
+          <a:chOff x="0" y="0"/>
+          <a:chExt cx="0" cy="0"/>
+        </a:xfrm>
+      </p:grpSpPr>
+      <p:sp>
+        <p:nvSpPr>
+          <p:cNvPr id="2" name="Title 1"/>
+          <p:cNvSpPr>
+            <a:spLocks noGrp="1"/>
+          </p:cNvSpPr>
+          <p:nvPr>
+            <p:ph type="title"/>
+          </p:nvPr>
+        </p:nvSpPr>
+        <p:spPr/>
+        <p:txBody>
+          <a:bodyPr/>
+          <a:lstStyle/>
+          <a:p>
+            <a:r>
+              <a:rPr lang="en-US" dirty="0" smtClean="0"/>
+              <a:t>Kernel Interface to VM</a:t>
+            </a:r>
+            <a:endParaRPr lang="en-US" dirty="0"/>
+          </a:p>
+        </p:txBody>
+      </p:sp>
+      <p:sp>
+        <p:nvSpPr>
+          <p:cNvPr id="3" name="Content Placeholder 2"/>
+          <p:cNvSpPr>
+            <a:spLocks noGrp="1"/>
+          </p:cNvSpPr>
+          <p:nvPr>
+            <p:ph idx="1"/>
+          </p:nvPr>
+        </p:nvSpPr>
+        <p:spPr/>
+        <p:txBody>
+          <a:bodyPr/>
+          <a:lstStyle/>
+          <a:p>
+            <a:r>
+              <a:rPr lang="en-US" dirty="0" smtClean="0"/>
+              <a:t>FreeBSD uses structured objects</a:t>
+            </a:r>
+          </a:p>
+          <a:p>
+            <a:r>
+              <a:rPr lang="en-US" dirty="0" smtClean="0"/>
+              <a:t>All functions (methods) share a signature</a:t>
+            </a:r>
+          </a:p>
+          <a:p>
+            <a:r>
+              <a:rPr lang="en-US" dirty="0" err="1" smtClean="0"/>
+              <a:t>Subsytems</a:t>
+            </a:r>
+            <a:r>
+              <a:rPr lang="en-US" dirty="0" smtClean="0"/>
+              <a:t> have </a:t>
+            </a:r>
+            <a:r>
+              <a:rPr lang="en-US" dirty="0" err="1" smtClean="0">
+                <a:latin typeface="Courier" charset="0"/>
+                <a:ea typeface="Courier" charset="0"/>
+                <a:cs typeface="Courier" charset="0"/>
+              </a:rPr>
+              <a:t>init</a:t>
+            </a:r>
+            <a:r>
+              <a:rPr lang="en-US" dirty="0" smtClean="0">
+                <a:latin typeface="Courier" charset="0"/>
+                <a:ea typeface="Courier" charset="0"/>
+                <a:cs typeface="Courier" charset="0"/>
+              </a:rPr>
+              <a:t>()</a:t>
+            </a:r>
+            <a:r>
+              <a:rPr lang="en-US" dirty="0" smtClean="0"/>
+              <a:t> and </a:t>
+            </a:r>
+            <a:r>
+              <a:rPr lang="en-US" dirty="0" err="1" smtClean="0">
+                <a:latin typeface="Courier" charset="0"/>
+                <a:ea typeface="Courier" charset="0"/>
+                <a:cs typeface="Courier" charset="0"/>
+              </a:rPr>
+              <a:t>fini</a:t>
+            </a:r>
+            <a:r>
+              <a:rPr lang="en-US" dirty="0" smtClean="0">
+                <a:latin typeface="Courier" charset="0"/>
+                <a:ea typeface="Courier" charset="0"/>
+                <a:cs typeface="Courier" charset="0"/>
+              </a:rPr>
+              <a:t>()</a:t>
+            </a:r>
+            <a:r>
+              <a:rPr lang="en-US" dirty="0" smtClean="0"/>
+              <a:t> routines </a:t>
+            </a:r>
+          </a:p>
+          <a:p>
+            <a:pPr lvl="1"/>
+            <a:r>
+              <a:rPr lang="en-US" dirty="0" smtClean="0"/>
+              <a:t>Constructor</a:t>
+            </a:r>
+          </a:p>
+          <a:p>
+            <a:pPr lvl="1"/>
+            <a:r>
+              <a:rPr lang="en-US" dirty="0" smtClean="0"/>
+              <a:t>Destructor</a:t>
+            </a:r>
+          </a:p>
+          <a:p>
+            <a:r>
+              <a:rPr lang="en-US" dirty="0" smtClean="0"/>
+              <a:t>Allows for extensions</a:t>
+            </a:r>
+          </a:p>
+          <a:p>
+            <a:r>
+              <a:rPr lang="en-US" dirty="0" smtClean="0"/>
+              <a:t>New types of hardware do not require a new API</a:t>
+            </a:r>
+          </a:p>
+          <a:p>
+            <a:pPr lvl="1"/>
+            <a:r>
+              <a:rPr lang="en-US" dirty="0" smtClean="0"/>
+              <a:t>Only a new sub-class</a:t>
+            </a:r>
+            <a:endParaRPr lang="en-US" dirty="0"/>
+          </a:p>
+        </p:txBody>
+      </p:sp>
+      <p:sp>
+        <p:nvSpPr>
+          <p:cNvPr id="4" name="Footer Placeholder 3"/>
+          <p:cNvSpPr>
+            <a:spLocks noGrp="1"/>
+          </p:cNvSpPr>
+          <p:nvPr>
+            <p:ph type="ftr" sz="quarter" idx="11"/>
+          </p:nvPr>
+        </p:nvSpPr>
+        <p:spPr/>
+        <p:txBody>
+          <a:bodyPr/>
+          <a:lstStyle/>
+          <a:p>
+            <a:r>
+              <a:rPr lang="en-US" smtClean="0"/>
+              <a:t>Introduction to Operating Systems</a:t>
+            </a:r>
+            <a:endParaRPr lang="en-US" dirty="0"/>
+          </a:p>
+        </p:txBody>
+      </p:sp>
+    </p:spTree>
+    <p:extLst>
+      <p:ext uri="{BB962C8B-B14F-4D97-AF65-F5344CB8AC3E}">
+        <p14:creationId xmlns:p14="http://schemas.microsoft.com/office/powerpoint/2010/main" val="1408866695"/>
+      </p:ext>
+    </p:extLst>
+  </p:cSld>
+  <p:clrMapOvr>
+    <a:masterClrMapping/>
+  </p:clrMapOvr>
+  <p:timing>
+    <p:tnLst>
+      <p:par>
+        <p:cTn id="1" dur="indefinite" restart="never" nodeType="tmRoot"/>
+      </p:par>
+    </p:tnLst>
+  </p:timing>
+</p:sld>
+</file>
+
+<file path=ppt/slides/slide25.xml><?xml version="1.0" encoding="utf-8"?>
+<p:sld xmlns:a="http://schemas.openxmlformats.org/drawingml/2006/main" xmlns:r="http://schemas.openxmlformats.org/officeDocument/2006/relationships" xmlns:p="http://schemas.openxmlformats.org/presentationml/2006/main">
+  <p:cSld>
+    <p:spTree>
+      <p:nvGrpSpPr>
+        <p:cNvPr id="1" name=""/>
+        <p:cNvGrpSpPr/>
+        <p:nvPr/>
+      </p:nvGrpSpPr>
+      <p:grpSpPr>
+        <a:xfrm>
+          <a:off x="0" y="0"/>
+          <a:ext cx="0" cy="0"/>
+          <a:chOff x="0" y="0"/>
+          <a:chExt cx="0" cy="0"/>
+        </a:xfrm>
+      </p:grpSpPr>
+      <p:sp>
+        <p:nvSpPr>
+          <p:cNvPr id="2" name="Title 1"/>
+          <p:cNvSpPr>
+            <a:spLocks noGrp="1"/>
+          </p:cNvSpPr>
+          <p:nvPr>
+            <p:ph type="title"/>
+          </p:nvPr>
+        </p:nvSpPr>
+        <p:spPr/>
+        <p:txBody>
+          <a:bodyPr/>
+          <a:lstStyle/>
+          <a:p>
+            <a:r>
+              <a:rPr lang="en-US" dirty="0" smtClean="0"/>
+              <a:t>Kernel OO Programming</a:t>
+            </a:r>
+            <a:endParaRPr lang="en-US" dirty="0"/>
+          </a:p>
+        </p:txBody>
+      </p:sp>
+      <p:sp>
+        <p:nvSpPr>
+          <p:cNvPr id="3" name="Content Placeholder 2"/>
+          <p:cNvSpPr>
+            <a:spLocks noGrp="1"/>
+          </p:cNvSpPr>
+          <p:nvPr>
+            <p:ph idx="1"/>
+          </p:nvPr>
+        </p:nvSpPr>
+        <p:spPr/>
+        <p:txBody>
+          <a:bodyPr/>
+          <a:lstStyle/>
+          <a:p>
+            <a:r>
+              <a:rPr lang="en-US" dirty="0" err="1">
+                <a:latin typeface="Courier" charset="0"/>
+                <a:ea typeface="Courier" charset="0"/>
+                <a:cs typeface="Courier" charset="0"/>
+              </a:rPr>
+              <a:t>struct</a:t>
+            </a:r>
+            <a:r>
+              <a:rPr lang="en-US" dirty="0">
+                <a:latin typeface="Courier" charset="0"/>
+                <a:ea typeface="Courier" charset="0"/>
+                <a:cs typeface="Courier" charset="0"/>
+              </a:rPr>
+              <a:t> </a:t>
+            </a:r>
+            <a:r>
+              <a:rPr lang="en-US" dirty="0" err="1">
+                <a:latin typeface="Courier" charset="0"/>
+                <a:ea typeface="Courier" charset="0"/>
+                <a:cs typeface="Courier" charset="0"/>
+              </a:rPr>
+              <a:t>pagerops</a:t>
+            </a:r>
+            <a:r>
+              <a:rPr lang="en-US" dirty="0">
+                <a:latin typeface="Courier" charset="0"/>
+                <a:ea typeface="Courier" charset="0"/>
+                <a:cs typeface="Courier" charset="0"/>
+              </a:rPr>
+              <a:t> </a:t>
+            </a:r>
+            <a:r>
+              <a:rPr lang="en-US" dirty="0" err="1">
+                <a:latin typeface="Courier" charset="0"/>
+                <a:ea typeface="Courier" charset="0"/>
+                <a:cs typeface="Courier" charset="0"/>
+              </a:rPr>
+              <a:t>defaultpagerops</a:t>
+            </a:r>
+            <a:r>
+              <a:rPr lang="en-US" dirty="0">
+                <a:latin typeface="Courier" charset="0"/>
+                <a:ea typeface="Courier" charset="0"/>
+                <a:cs typeface="Courier" charset="0"/>
+              </a:rPr>
+              <a:t> = </a:t>
+            </a:r>
+            <a:r>
+              <a:rPr lang="en-US" dirty="0" smtClean="0">
+                <a:latin typeface="Courier" charset="0"/>
+                <a:ea typeface="Courier" charset="0"/>
+                <a:cs typeface="Courier" charset="0"/>
+              </a:rPr>
+              <a:t>{</a:t>
+            </a:r>
+          </a:p>
+          <a:p>
+            <a:r>
+              <a:rPr lang="en-US" dirty="0" smtClean="0">
+                <a:latin typeface="Courier" charset="0"/>
+                <a:ea typeface="Courier" charset="0"/>
+                <a:cs typeface="Courier" charset="0"/>
+              </a:rPr>
+              <a:t>.</a:t>
+            </a:r>
+            <a:r>
+              <a:rPr lang="en-US" dirty="0" err="1">
+                <a:latin typeface="Courier" charset="0"/>
+                <a:ea typeface="Courier" charset="0"/>
+                <a:cs typeface="Courier" charset="0"/>
+              </a:rPr>
+              <a:t>pgo_alloc</a:t>
+            </a:r>
+            <a:r>
+              <a:rPr lang="en-US" dirty="0">
+                <a:latin typeface="Courier" charset="0"/>
+                <a:ea typeface="Courier" charset="0"/>
+                <a:cs typeface="Courier" charset="0"/>
+              </a:rPr>
+              <a:t> =	</a:t>
+            </a:r>
+            <a:r>
+              <a:rPr lang="en-US" dirty="0" smtClean="0">
+                <a:latin typeface="Courier" charset="0"/>
+                <a:ea typeface="Courier" charset="0"/>
+                <a:cs typeface="Courier" charset="0"/>
+              </a:rPr>
+              <a:t>	</a:t>
+            </a:r>
+            <a:r>
+              <a:rPr lang="en-US" dirty="0" err="1" smtClean="0">
+                <a:latin typeface="Courier" charset="0"/>
+                <a:ea typeface="Courier" charset="0"/>
+                <a:cs typeface="Courier" charset="0"/>
+              </a:rPr>
+              <a:t>default_pager_alloc</a:t>
+            </a:r>
+            <a:r>
+              <a:rPr lang="en-US" dirty="0">
+                <a:latin typeface="Courier" charset="0"/>
+                <a:ea typeface="Courier" charset="0"/>
+                <a:cs typeface="Courier" charset="0"/>
+              </a:rPr>
+              <a:t>,	</a:t>
+            </a:r>
+            <a:endParaRPr lang="en-US" dirty="0" smtClean="0">
+              <a:latin typeface="Courier" charset="0"/>
+              <a:ea typeface="Courier" charset="0"/>
+              <a:cs typeface="Courier" charset="0"/>
+            </a:endParaRPr>
+          </a:p>
+          <a:p>
+            <a:r>
+              <a:rPr lang="en-US" dirty="0" smtClean="0">
+                <a:latin typeface="Courier" charset="0"/>
+                <a:ea typeface="Courier" charset="0"/>
+                <a:cs typeface="Courier" charset="0"/>
+              </a:rPr>
+              <a:t>.</a:t>
+            </a:r>
+            <a:r>
+              <a:rPr lang="en-US" dirty="0" err="1">
+                <a:latin typeface="Courier" charset="0"/>
+                <a:ea typeface="Courier" charset="0"/>
+                <a:cs typeface="Courier" charset="0"/>
+              </a:rPr>
+              <a:t>pgo_dealloc</a:t>
+            </a:r>
+            <a:r>
+              <a:rPr lang="en-US" dirty="0">
+                <a:latin typeface="Courier" charset="0"/>
+                <a:ea typeface="Courier" charset="0"/>
+                <a:cs typeface="Courier" charset="0"/>
+              </a:rPr>
+              <a:t> =		</a:t>
+            </a:r>
+            <a:r>
+              <a:rPr lang="en-US" dirty="0" err="1" smtClean="0">
+                <a:latin typeface="Courier" charset="0"/>
+                <a:ea typeface="Courier" charset="0"/>
+                <a:cs typeface="Courier" charset="0"/>
+              </a:rPr>
+              <a:t>default_pager_dealloc</a:t>
+            </a:r>
+            <a:r>
+              <a:rPr lang="en-US" dirty="0">
+                <a:latin typeface="Courier" charset="0"/>
+                <a:ea typeface="Courier" charset="0"/>
+                <a:cs typeface="Courier" charset="0"/>
+              </a:rPr>
+              <a:t>,	</a:t>
+            </a:r>
+            <a:endParaRPr lang="en-US" dirty="0" smtClean="0">
+              <a:latin typeface="Courier" charset="0"/>
+              <a:ea typeface="Courier" charset="0"/>
+              <a:cs typeface="Courier" charset="0"/>
+            </a:endParaRPr>
+          </a:p>
+          <a:p>
+            <a:r>
+              <a:rPr lang="en-US" dirty="0" smtClean="0">
+                <a:latin typeface="Courier" charset="0"/>
+                <a:ea typeface="Courier" charset="0"/>
+                <a:cs typeface="Courier" charset="0"/>
+              </a:rPr>
+              <a:t>.</a:t>
+            </a:r>
+            <a:r>
+              <a:rPr lang="en-US" dirty="0" err="1">
+                <a:latin typeface="Courier" charset="0"/>
+                <a:ea typeface="Courier" charset="0"/>
+                <a:cs typeface="Courier" charset="0"/>
+              </a:rPr>
+              <a:t>pgo_getpages</a:t>
+            </a:r>
+            <a:r>
+              <a:rPr lang="en-US" dirty="0">
+                <a:latin typeface="Courier" charset="0"/>
+                <a:ea typeface="Courier" charset="0"/>
+                <a:cs typeface="Courier" charset="0"/>
+              </a:rPr>
+              <a:t> =	</a:t>
+            </a:r>
+            <a:r>
+              <a:rPr lang="en-US" dirty="0" err="1">
+                <a:latin typeface="Courier" charset="0"/>
+                <a:ea typeface="Courier" charset="0"/>
+                <a:cs typeface="Courier" charset="0"/>
+              </a:rPr>
+              <a:t>default_pager_getpages</a:t>
+            </a:r>
+            <a:r>
+              <a:rPr lang="en-US" dirty="0">
+                <a:latin typeface="Courier" charset="0"/>
+                <a:ea typeface="Courier" charset="0"/>
+                <a:cs typeface="Courier" charset="0"/>
+              </a:rPr>
+              <a:t>,	</a:t>
+            </a:r>
+            <a:endParaRPr lang="en-US" dirty="0" smtClean="0">
+              <a:latin typeface="Courier" charset="0"/>
+              <a:ea typeface="Courier" charset="0"/>
+              <a:cs typeface="Courier" charset="0"/>
+            </a:endParaRPr>
+          </a:p>
+          <a:p>
+            <a:r>
+              <a:rPr lang="en-US" dirty="0" smtClean="0">
+                <a:latin typeface="Courier" charset="0"/>
+                <a:ea typeface="Courier" charset="0"/>
+                <a:cs typeface="Courier" charset="0"/>
+              </a:rPr>
+              <a:t>.</a:t>
+            </a:r>
+            <a:r>
+              <a:rPr lang="en-US" dirty="0" err="1">
+                <a:latin typeface="Courier" charset="0"/>
+                <a:ea typeface="Courier" charset="0"/>
+                <a:cs typeface="Courier" charset="0"/>
+              </a:rPr>
+              <a:t>pgo_putpages</a:t>
+            </a:r>
+            <a:r>
+              <a:rPr lang="en-US" dirty="0">
+                <a:latin typeface="Courier" charset="0"/>
+                <a:ea typeface="Courier" charset="0"/>
+                <a:cs typeface="Courier" charset="0"/>
+              </a:rPr>
+              <a:t> =	</a:t>
+            </a:r>
+            <a:r>
+              <a:rPr lang="en-US" dirty="0" err="1">
+                <a:latin typeface="Courier" charset="0"/>
+                <a:ea typeface="Courier" charset="0"/>
+                <a:cs typeface="Courier" charset="0"/>
+              </a:rPr>
+              <a:t>default_pager_putpages</a:t>
+            </a:r>
+            <a:r>
+              <a:rPr lang="en-US" dirty="0">
+                <a:latin typeface="Courier" charset="0"/>
+                <a:ea typeface="Courier" charset="0"/>
+                <a:cs typeface="Courier" charset="0"/>
+              </a:rPr>
+              <a:t>,	</a:t>
+            </a:r>
+            <a:endParaRPr lang="en-US" dirty="0" smtClean="0">
+              <a:latin typeface="Courier" charset="0"/>
+              <a:ea typeface="Courier" charset="0"/>
+              <a:cs typeface="Courier" charset="0"/>
+            </a:endParaRPr>
+          </a:p>
+          <a:p>
+            <a:r>
+              <a:rPr lang="en-US" dirty="0" smtClean="0">
+                <a:latin typeface="Courier" charset="0"/>
+                <a:ea typeface="Courier" charset="0"/>
+                <a:cs typeface="Courier" charset="0"/>
+              </a:rPr>
+              <a:t>.</a:t>
+            </a:r>
+            <a:r>
+              <a:rPr lang="en-US" dirty="0" err="1">
+                <a:latin typeface="Courier" charset="0"/>
+                <a:ea typeface="Courier" charset="0"/>
+                <a:cs typeface="Courier" charset="0"/>
+              </a:rPr>
+              <a:t>pgo_haspage</a:t>
+            </a:r>
+            <a:r>
+              <a:rPr lang="en-US" dirty="0">
+                <a:latin typeface="Courier" charset="0"/>
+                <a:ea typeface="Courier" charset="0"/>
+                <a:cs typeface="Courier" charset="0"/>
+              </a:rPr>
+              <a:t> =	</a:t>
+            </a:r>
+            <a:r>
+              <a:rPr lang="en-US" dirty="0" smtClean="0">
+                <a:latin typeface="Courier" charset="0"/>
+                <a:ea typeface="Courier" charset="0"/>
+                <a:cs typeface="Courier" charset="0"/>
+              </a:rPr>
+              <a:t>	</a:t>
+            </a:r>
+            <a:r>
+              <a:rPr lang="en-US" dirty="0" err="1" smtClean="0">
+                <a:latin typeface="Courier" charset="0"/>
+                <a:ea typeface="Courier" charset="0"/>
+                <a:cs typeface="Courier" charset="0"/>
+              </a:rPr>
+              <a:t>default_pager_haspage</a:t>
+            </a:r>
+            <a:r>
+              <a:rPr lang="en-US" dirty="0" smtClean="0">
+                <a:latin typeface="Courier" charset="0"/>
+                <a:ea typeface="Courier" charset="0"/>
+                <a:cs typeface="Courier" charset="0"/>
+              </a:rPr>
+              <a:t>,</a:t>
+            </a:r>
+          </a:p>
+          <a:p>
+            <a:r>
+              <a:rPr lang="en-US" dirty="0" smtClean="0">
+                <a:latin typeface="Courier" charset="0"/>
+                <a:ea typeface="Courier" charset="0"/>
+                <a:cs typeface="Courier" charset="0"/>
+              </a:rPr>
+              <a:t>};</a:t>
+            </a:r>
+            <a:endParaRPr lang="en-US" dirty="0">
+              <a:latin typeface="Courier" charset="0"/>
+              <a:ea typeface="Courier" charset="0"/>
+              <a:cs typeface="Courier" charset="0"/>
+            </a:endParaRPr>
+          </a:p>
+        </p:txBody>
+      </p:sp>
+      <p:sp>
+        <p:nvSpPr>
+          <p:cNvPr id="4" name="Footer Placeholder 3"/>
+          <p:cNvSpPr>
+            <a:spLocks noGrp="1"/>
+          </p:cNvSpPr>
+          <p:nvPr>
+            <p:ph type="ftr" sz="quarter" idx="11"/>
+          </p:nvPr>
+        </p:nvSpPr>
+        <p:spPr/>
+        <p:txBody>
+          <a:bodyPr/>
+          <a:lstStyle/>
+          <a:p>
+            <a:r>
+              <a:rPr lang="en-US" smtClean="0"/>
+              <a:t>Introduction to Operating Systems</a:t>
+            </a:r>
+            <a:endParaRPr lang="en-US" dirty="0"/>
+          </a:p>
+        </p:txBody>
+      </p:sp>
+    </p:spTree>
+    <p:extLst>
+      <p:ext uri="{BB962C8B-B14F-4D97-AF65-F5344CB8AC3E}">
+        <p14:creationId xmlns:p14="http://schemas.microsoft.com/office/powerpoint/2010/main" val="1208962850"/>
+      </p:ext>
+    </p:extLst>
+  </p:cSld>
+  <p:clrMapOvr>
+    <a:masterClrMapping/>
+  </p:clrMapOvr>
+  <p:timing>
+    <p:tnLst>
+      <p:par>
+        <p:cTn id="1" dur="indefinite" restart="never" nodeType="tmRoot"/>
+      </p:par>
+    </p:tnLst>
+  </p:timing>
+</p:sld>
+</file>
+
+<file path=ppt/slides/slide26.xml><?xml version="1.0" encoding="utf-8"?>
+<p:sld xmlns:a="http://schemas.openxmlformats.org/drawingml/2006/main" xmlns:r="http://schemas.openxmlformats.org/officeDocument/2006/relationships" xmlns:p="http://schemas.openxmlformats.org/presentationml/2006/main">
+  <p:cSld>
+    <p:spTree>
+      <p:nvGrpSpPr>
+        <p:cNvPr id="1" name=""/>
+        <p:cNvGrpSpPr/>
+        <p:nvPr/>
+      </p:nvGrpSpPr>
+      <p:grpSpPr>
+        <a:xfrm>
+          <a:off x="0" y="0"/>
+          <a:ext cx="0" cy="0"/>
+          <a:chOff x="0" y="0"/>
+          <a:chExt cx="0" cy="0"/>
+        </a:xfrm>
+      </p:grpSpPr>
+      <p:sp>
+        <p:nvSpPr>
+          <p:cNvPr id="2" name="Title 1"/>
+          <p:cNvSpPr>
+            <a:spLocks noGrp="1"/>
+          </p:cNvSpPr>
+          <p:nvPr>
+            <p:ph type="title"/>
+          </p:nvPr>
+        </p:nvSpPr>
+        <p:spPr/>
+        <p:txBody>
+          <a:bodyPr/>
+          <a:lstStyle/>
+          <a:p>
+            <a:r>
+              <a:rPr lang="en-US" dirty="0" smtClean="0"/>
+              <a:t>Kernel OO Programming </a:t>
+            </a:r>
+            <a:r>
+              <a:rPr lang="en-US" dirty="0" err="1" smtClean="0"/>
+              <a:t>Con’t</a:t>
+            </a:r>
+            <a:endParaRPr lang="en-US" dirty="0"/>
+          </a:p>
+        </p:txBody>
+      </p:sp>
+      <p:sp>
+        <p:nvSpPr>
+          <p:cNvPr id="3" name="Content Placeholder 2"/>
+          <p:cNvSpPr>
+            <a:spLocks noGrp="1"/>
+          </p:cNvSpPr>
+          <p:nvPr>
+            <p:ph idx="1"/>
+          </p:nvPr>
+        </p:nvSpPr>
+        <p:spPr/>
+        <p:txBody>
+          <a:bodyPr>
+            <a:normAutofit/>
+          </a:bodyPr>
+          <a:lstStyle/>
+          <a:p>
+            <a:r>
+              <a:rPr lang="en-US" sz="2000" dirty="0" err="1" smtClean="0">
+                <a:latin typeface="Courier" charset="0"/>
+                <a:ea typeface="Courier" charset="0"/>
+                <a:cs typeface="Courier" charset="0"/>
+              </a:rPr>
+              <a:t>default_pager_haspage</a:t>
+            </a:r>
+            <a:r>
+              <a:rPr lang="en-US" sz="2000" dirty="0" smtClean="0">
+                <a:latin typeface="Courier" charset="0"/>
+                <a:ea typeface="Courier" charset="0"/>
+                <a:cs typeface="Courier" charset="0"/>
+              </a:rPr>
+              <a:t>(</a:t>
+            </a:r>
+            <a:r>
+              <a:rPr lang="en-US" sz="2000" dirty="0" err="1" smtClean="0">
+                <a:latin typeface="Courier" charset="0"/>
+                <a:ea typeface="Courier" charset="0"/>
+                <a:cs typeface="Courier" charset="0"/>
+              </a:rPr>
+              <a:t>vm_object_t</a:t>
+            </a:r>
+            <a:r>
+              <a:rPr lang="en-US" sz="2000" dirty="0">
+                <a:latin typeface="Courier" charset="0"/>
+                <a:ea typeface="Courier" charset="0"/>
+                <a:cs typeface="Courier" charset="0"/>
+              </a:rPr>
+              <a:t>, </a:t>
+            </a:r>
+            <a:r>
+              <a:rPr lang="en-US" sz="2000" dirty="0" err="1">
+                <a:latin typeface="Courier" charset="0"/>
+                <a:ea typeface="Courier" charset="0"/>
+                <a:cs typeface="Courier" charset="0"/>
+              </a:rPr>
+              <a:t>vm_pindex_t</a:t>
+            </a:r>
+            <a:r>
+              <a:rPr lang="en-US" sz="2000" dirty="0">
+                <a:latin typeface="Courier" charset="0"/>
+                <a:ea typeface="Courier" charset="0"/>
+                <a:cs typeface="Courier" charset="0"/>
+              </a:rPr>
+              <a:t>, </a:t>
+            </a:r>
+            <a:r>
+              <a:rPr lang="en-US" sz="2000" dirty="0" err="1">
+                <a:latin typeface="Courier" charset="0"/>
+                <a:ea typeface="Courier" charset="0"/>
+                <a:cs typeface="Courier" charset="0"/>
+              </a:rPr>
+              <a:t>int</a:t>
+            </a:r>
+            <a:r>
+              <a:rPr lang="en-US" sz="2000" dirty="0">
+                <a:latin typeface="Courier" charset="0"/>
+                <a:ea typeface="Courier" charset="0"/>
+                <a:cs typeface="Courier" charset="0"/>
+              </a:rPr>
+              <a:t> *, </a:t>
+            </a:r>
+            <a:r>
+              <a:rPr lang="en-US" sz="2000" dirty="0" err="1" smtClean="0">
+                <a:latin typeface="Courier" charset="0"/>
+                <a:ea typeface="Courier" charset="0"/>
+                <a:cs typeface="Courier" charset="0"/>
+              </a:rPr>
+              <a:t>int</a:t>
+            </a:r>
+            <a:r>
+              <a:rPr lang="en-US" sz="2000" dirty="0" smtClean="0">
+                <a:latin typeface="Courier" charset="0"/>
+                <a:ea typeface="Courier" charset="0"/>
+                <a:cs typeface="Courier" charset="0"/>
+              </a:rPr>
+              <a:t> *);</a:t>
+            </a:r>
+          </a:p>
+          <a:p>
+            <a:r>
+              <a:rPr lang="en-US" sz="2000" dirty="0" err="1" smtClean="0">
+                <a:latin typeface="Courier" charset="0"/>
+                <a:ea typeface="Courier" charset="0"/>
+                <a:cs typeface="Courier" charset="0"/>
+              </a:rPr>
+              <a:t>swap_pager_haspage</a:t>
+            </a:r>
+            <a:r>
+              <a:rPr lang="en-US" sz="2000" dirty="0" smtClean="0">
+                <a:latin typeface="Courier" charset="0"/>
+                <a:ea typeface="Courier" charset="0"/>
+                <a:cs typeface="Courier" charset="0"/>
+              </a:rPr>
+              <a:t>(</a:t>
+            </a:r>
+            <a:r>
+              <a:rPr lang="en-US" sz="2000" dirty="0" err="1" smtClean="0">
+                <a:latin typeface="Courier" charset="0"/>
+                <a:ea typeface="Courier" charset="0"/>
+                <a:cs typeface="Courier" charset="0"/>
+              </a:rPr>
+              <a:t>vm_object_t</a:t>
+            </a:r>
+            <a:r>
+              <a:rPr lang="en-US" sz="2000" dirty="0" smtClean="0">
+                <a:latin typeface="Courier" charset="0"/>
+                <a:ea typeface="Courier" charset="0"/>
+                <a:cs typeface="Courier" charset="0"/>
+              </a:rPr>
+              <a:t>, </a:t>
+            </a:r>
+            <a:r>
+              <a:rPr lang="en-US" sz="2000" dirty="0" err="1" smtClean="0">
+                <a:latin typeface="Courier" charset="0"/>
+                <a:ea typeface="Courier" charset="0"/>
+                <a:cs typeface="Courier" charset="0"/>
+              </a:rPr>
+              <a:t>vm_pindex_t</a:t>
+            </a:r>
+            <a:r>
+              <a:rPr lang="en-US" sz="2000" dirty="0" smtClean="0">
+                <a:latin typeface="Courier" charset="0"/>
+                <a:ea typeface="Courier" charset="0"/>
+                <a:cs typeface="Courier" charset="0"/>
+              </a:rPr>
+              <a:t>, </a:t>
+            </a:r>
+            <a:r>
+              <a:rPr lang="en-US" sz="2000" dirty="0" err="1" smtClean="0">
+                <a:latin typeface="Courier" charset="0"/>
+                <a:ea typeface="Courier" charset="0"/>
+                <a:cs typeface="Courier" charset="0"/>
+              </a:rPr>
+              <a:t>int</a:t>
+            </a:r>
+            <a:r>
+              <a:rPr lang="en-US" sz="2000" dirty="0" smtClean="0">
+                <a:latin typeface="Courier" charset="0"/>
+                <a:ea typeface="Courier" charset="0"/>
+                <a:cs typeface="Courier" charset="0"/>
+              </a:rPr>
+              <a:t> *, </a:t>
+            </a:r>
+            <a:r>
+              <a:rPr lang="en-US" sz="2000" dirty="0" err="1" smtClean="0">
+                <a:latin typeface="Courier" charset="0"/>
+                <a:ea typeface="Courier" charset="0"/>
+                <a:cs typeface="Courier" charset="0"/>
+              </a:rPr>
+              <a:t>int</a:t>
+            </a:r>
+            <a:r>
+              <a:rPr lang="en-US" sz="2000" dirty="0" smtClean="0">
+                <a:latin typeface="Courier" charset="0"/>
+                <a:ea typeface="Courier" charset="0"/>
+                <a:cs typeface="Courier" charset="0"/>
+              </a:rPr>
+              <a:t> *);</a:t>
+            </a:r>
+          </a:p>
+          <a:p>
+            <a:r>
+              <a:rPr lang="en-US" sz="2000" dirty="0" err="1">
+                <a:latin typeface="Courier" charset="0"/>
+                <a:ea typeface="Courier" charset="0"/>
+                <a:cs typeface="Courier" charset="0"/>
+              </a:rPr>
+              <a:t>vnode_pager_haspage</a:t>
+            </a:r>
+            <a:r>
+              <a:rPr lang="en-US" sz="2000" dirty="0">
+                <a:latin typeface="Courier" charset="0"/>
+                <a:ea typeface="Courier" charset="0"/>
+                <a:cs typeface="Courier" charset="0"/>
+              </a:rPr>
+              <a:t>(</a:t>
+            </a:r>
+            <a:r>
+              <a:rPr lang="en-US" sz="2000" dirty="0" err="1">
+                <a:latin typeface="Courier" charset="0"/>
+                <a:ea typeface="Courier" charset="0"/>
+                <a:cs typeface="Courier" charset="0"/>
+              </a:rPr>
+              <a:t>vm_object_t</a:t>
+            </a:r>
+            <a:r>
+              <a:rPr lang="en-US" sz="2000" dirty="0">
+                <a:latin typeface="Courier" charset="0"/>
+                <a:ea typeface="Courier" charset="0"/>
+                <a:cs typeface="Courier" charset="0"/>
+              </a:rPr>
+              <a:t>, </a:t>
+            </a:r>
+            <a:r>
+              <a:rPr lang="en-US" sz="2000" dirty="0" err="1">
+                <a:latin typeface="Courier" charset="0"/>
+                <a:ea typeface="Courier" charset="0"/>
+                <a:cs typeface="Courier" charset="0"/>
+              </a:rPr>
+              <a:t>vm_pindex_t</a:t>
+            </a:r>
+            <a:r>
+              <a:rPr lang="en-US" sz="2000" dirty="0">
+                <a:latin typeface="Courier" charset="0"/>
+                <a:ea typeface="Courier" charset="0"/>
+                <a:cs typeface="Courier" charset="0"/>
+              </a:rPr>
+              <a:t>, </a:t>
+            </a:r>
+            <a:r>
+              <a:rPr lang="en-US" sz="2000" dirty="0" err="1">
+                <a:latin typeface="Courier" charset="0"/>
+                <a:ea typeface="Courier" charset="0"/>
+                <a:cs typeface="Courier" charset="0"/>
+              </a:rPr>
+              <a:t>int</a:t>
+            </a:r>
+            <a:r>
+              <a:rPr lang="en-US" sz="2000" dirty="0">
+                <a:latin typeface="Courier" charset="0"/>
+                <a:ea typeface="Courier" charset="0"/>
+                <a:cs typeface="Courier" charset="0"/>
+              </a:rPr>
+              <a:t> *, </a:t>
+            </a:r>
+            <a:r>
+              <a:rPr lang="en-US" sz="2000" dirty="0" err="1">
+                <a:latin typeface="Courier" charset="0"/>
+                <a:ea typeface="Courier" charset="0"/>
+                <a:cs typeface="Courier" charset="0"/>
+              </a:rPr>
+              <a:t>int</a:t>
+            </a:r>
+            <a:r>
+              <a:rPr lang="en-US" sz="2000" dirty="0">
+                <a:latin typeface="Courier" charset="0"/>
+                <a:ea typeface="Courier" charset="0"/>
+                <a:cs typeface="Courier" charset="0"/>
+              </a:rPr>
+              <a:t> </a:t>
+            </a:r>
+            <a:r>
+              <a:rPr lang="en-US" sz="2000" dirty="0" smtClean="0">
+                <a:latin typeface="Courier" charset="0"/>
+                <a:ea typeface="Courier" charset="0"/>
+                <a:cs typeface="Courier" charset="0"/>
+              </a:rPr>
+              <a:t>*);</a:t>
+            </a:r>
+          </a:p>
+          <a:p>
+            <a:r>
+              <a:rPr lang="en-US" sz="2000" dirty="0" smtClean="0">
+                <a:latin typeface="Courier" charset="0"/>
+                <a:ea typeface="Courier" charset="0"/>
+                <a:cs typeface="Courier" charset="0"/>
+              </a:rPr>
+              <a:t>etc.</a:t>
+            </a:r>
+            <a:endParaRPr lang="en-US" sz="2000" dirty="0">
+              <a:latin typeface="Courier" charset="0"/>
+              <a:ea typeface="Courier" charset="0"/>
+              <a:cs typeface="Courier" charset="0"/>
+            </a:endParaRPr>
+          </a:p>
+        </p:txBody>
+      </p:sp>
+      <p:sp>
+        <p:nvSpPr>
+          <p:cNvPr id="4" name="Footer Placeholder 3"/>
+          <p:cNvSpPr>
+            <a:spLocks noGrp="1"/>
+          </p:cNvSpPr>
+          <p:nvPr>
+            <p:ph type="ftr" sz="quarter" idx="11"/>
+          </p:nvPr>
+        </p:nvSpPr>
+        <p:spPr/>
+        <p:txBody>
+          <a:bodyPr/>
+          <a:lstStyle/>
+          <a:p>
+            <a:r>
+              <a:rPr lang="en-US" smtClean="0"/>
+              <a:t>Introduction to Operating Systems</a:t>
+            </a:r>
+            <a:endParaRPr lang="en-US" dirty="0"/>
+          </a:p>
+        </p:txBody>
+      </p:sp>
+    </p:spTree>
+    <p:extLst>
+      <p:ext uri="{BB962C8B-B14F-4D97-AF65-F5344CB8AC3E}">
+        <p14:creationId xmlns:p14="http://schemas.microsoft.com/office/powerpoint/2010/main" val="1823902669"/>
+      </p:ext>
+    </p:extLst>
+  </p:cSld>
+  <p:clrMapOvr>
+    <a:masterClrMapping/>
+  </p:clrMapOvr>
+  <p:timing>
+    <p:tnLst>
+      <p:par>
+        <p:cTn id="1" dur="indefinite" restart="never" nodeType="tmRoot"/>
+      </p:par>
+    </p:tnLst>
+  </p:timing>
+</p:sld>
+</file>
+
+<file path=ppt/slides/slide27.xml><?xml version="1.0" encoding="utf-8"?>
+<p:sld xmlns:a="http://schemas.openxmlformats.org/drawingml/2006/main" xmlns:r="http://schemas.openxmlformats.org/officeDocument/2006/relationships" xmlns:p="http://schemas.openxmlformats.org/presentationml/2006/main">
+  <p:cSld>
+    <p:spTree>
+      <p:nvGrpSpPr>
+        <p:cNvPr id="1" name=""/>
+        <p:cNvGrpSpPr/>
+        <p:nvPr/>
+      </p:nvGrpSpPr>
+      <p:grpSpPr>
+        <a:xfrm>
+          <a:off x="0" y="0"/>
+          <a:ext cx="0" cy="0"/>
+          <a:chOff x="0" y="0"/>
+          <a:chExt cx="0" cy="0"/>
+        </a:xfrm>
+      </p:grpSpPr>
+      <p:sp>
+        <p:nvSpPr>
+          <p:cNvPr id="2" name="Title 1"/>
+          <p:cNvSpPr>
+            <a:spLocks noGrp="1"/>
+          </p:cNvSpPr>
+          <p:nvPr>
+            <p:ph type="title"/>
+          </p:nvPr>
+        </p:nvSpPr>
+        <p:spPr/>
+        <p:txBody>
+          <a:bodyPr/>
+          <a:lstStyle/>
+          <a:p>
+            <a:r>
+              <a:rPr lang="en-US" dirty="0" smtClean="0"/>
+              <a:t>Evolution of Page Replacement</a:t>
+            </a:r>
+            <a:endParaRPr lang="en-US" dirty="0"/>
+          </a:p>
+        </p:txBody>
+      </p:sp>
+      <p:sp>
+        <p:nvSpPr>
+          <p:cNvPr id="3" name="Content Placeholder 2"/>
+          <p:cNvSpPr>
+            <a:spLocks noGrp="1"/>
+          </p:cNvSpPr>
+          <p:nvPr>
+            <p:ph idx="1"/>
+          </p:nvPr>
+        </p:nvSpPr>
+        <p:spPr/>
+        <p:txBody>
+          <a:bodyPr/>
+          <a:lstStyle/>
+          <a:p>
+            <a:r>
+              <a:rPr lang="en-US" dirty="0" smtClean="0"/>
+              <a:t>All algorithms are global to all usable memory</a:t>
+            </a:r>
+          </a:p>
+          <a:p>
+            <a:r>
+              <a:rPr lang="en-US" b="1" dirty="0" smtClean="0"/>
+              <a:t>LRU </a:t>
+            </a:r>
+            <a:r>
+              <a:rPr lang="en-US" dirty="0" smtClean="0"/>
+              <a:t>Clock Hands Algorithm</a:t>
+            </a:r>
+          </a:p>
+          <a:p>
+            <a:pPr lvl="1"/>
+            <a:r>
+              <a:rPr lang="en-US" dirty="0" smtClean="0"/>
+              <a:t>Mark and Sweep</a:t>
+            </a:r>
+          </a:p>
+          <a:p>
+            <a:r>
+              <a:rPr lang="en-US" b="1" dirty="0" smtClean="0"/>
+              <a:t>LRA</a:t>
+            </a:r>
+            <a:r>
+              <a:rPr lang="en-US" dirty="0"/>
+              <a:t> </a:t>
+            </a:r>
+            <a:r>
+              <a:rPr lang="en-US" dirty="0" smtClean="0"/>
+              <a:t>Least Recently Active</a:t>
+            </a:r>
+          </a:p>
+          <a:p>
+            <a:pPr lvl="1"/>
+            <a:r>
+              <a:rPr lang="en-US" dirty="0" smtClean="0"/>
+              <a:t>Mark and Sweep</a:t>
+            </a:r>
+          </a:p>
+          <a:p>
+            <a:pPr lvl="1"/>
+            <a:r>
+              <a:rPr lang="en-US" dirty="0" smtClean="0"/>
+              <a:t>Increment a usage count</a:t>
+            </a:r>
+          </a:p>
+        </p:txBody>
+      </p:sp>
+      <p:sp>
+        <p:nvSpPr>
+          <p:cNvPr id="4" name="Footer Placeholder 3"/>
+          <p:cNvSpPr>
+            <a:spLocks noGrp="1"/>
+          </p:cNvSpPr>
+          <p:nvPr>
+            <p:ph type="ftr" sz="quarter" idx="11"/>
+          </p:nvPr>
+        </p:nvSpPr>
+        <p:spPr/>
+        <p:txBody>
+          <a:bodyPr/>
+          <a:lstStyle/>
+          <a:p>
+            <a:r>
+              <a:rPr lang="en-US" smtClean="0"/>
+              <a:t>Introduction to Operating Systems</a:t>
+            </a:r>
+            <a:endParaRPr lang="en-US" dirty="0"/>
+          </a:p>
+        </p:txBody>
+      </p:sp>
+    </p:spTree>
+    <p:extLst>
+      <p:ext uri="{BB962C8B-B14F-4D97-AF65-F5344CB8AC3E}">
+        <p14:creationId xmlns:p14="http://schemas.microsoft.com/office/powerpoint/2010/main" val="1830449535"/>
+      </p:ext>
+    </p:extLst>
+  </p:cSld>
+  <p:clrMapOvr>
+    <a:masterClrMapping/>
+  </p:clrMapOvr>
+  <p:timing>
+    <p:tnLst>
+      <p:par>
+        <p:cTn id="1" dur="indefinite" restart="never" nodeType="tmRoot"/>
+      </p:par>
+    </p:tnLst>
+  </p:timing>
+</p:sld>
+</file>
+
+<file path=ppt/slides/slide28.xml><?xml version="1.0" encoding="utf-8"?>
+<p:sld xmlns:a="http://schemas.openxmlformats.org/drawingml/2006/main" xmlns:r="http://schemas.openxmlformats.org/officeDocument/2006/relationships" xmlns:p="http://schemas.openxmlformats.org/presentationml/2006/main">
+  <p:cSld>
+    <p:spTree>
+      <p:nvGrpSpPr>
+        <p:cNvPr id="1" name=""/>
+        <p:cNvGrpSpPr/>
+        <p:nvPr/>
+      </p:nvGrpSpPr>
+      <p:grpSpPr>
+        <a:xfrm>
+          <a:off x="0" y="0"/>
+          <a:ext cx="0" cy="0"/>
+          <a:chOff x="0" y="0"/>
+          <a:chExt cx="0" cy="0"/>
+        </a:xfrm>
+      </p:grpSpPr>
+      <p:sp>
+        <p:nvSpPr>
+          <p:cNvPr id="2" name="Title 1"/>
+          <p:cNvSpPr>
+            <a:spLocks noGrp="1"/>
+          </p:cNvSpPr>
+          <p:nvPr>
+            <p:ph type="title"/>
+          </p:nvPr>
+        </p:nvSpPr>
+        <p:spPr/>
+        <p:txBody>
+          <a:bodyPr/>
+          <a:lstStyle/>
+          <a:p>
+            <a:r>
+              <a:rPr lang="en-US" dirty="0" smtClean="0"/>
+              <a:t>Observing Virtual Memory</a:t>
+            </a:r>
+            <a:endParaRPr lang="en-US" dirty="0"/>
+          </a:p>
+        </p:txBody>
+      </p:sp>
+      <p:sp>
+        <p:nvSpPr>
+          <p:cNvPr id="3" name="Content Placeholder 2"/>
+          <p:cNvSpPr>
+            <a:spLocks noGrp="1"/>
+          </p:cNvSpPr>
+          <p:nvPr>
+            <p:ph idx="1"/>
+          </p:nvPr>
+        </p:nvSpPr>
+        <p:spPr/>
+        <p:txBody>
+          <a:bodyPr/>
+          <a:lstStyle/>
+          <a:p>
+            <a:r>
+              <a:rPr lang="en-US" dirty="0" smtClean="0"/>
+              <a:t>FreeBSD’s </a:t>
+            </a:r>
+            <a:r>
+              <a:rPr lang="en-US" dirty="0" err="1" smtClean="0"/>
+              <a:t>vm</a:t>
+            </a:r>
+            <a:r>
+              <a:rPr lang="en-US" dirty="0" smtClean="0"/>
+              <a:t> provider has only one </a:t>
+            </a:r>
+            <a:r>
+              <a:rPr lang="en-US" dirty="0" err="1" smtClean="0"/>
+              <a:t>tracepoint</a:t>
+            </a:r>
+            <a:endParaRPr lang="en-US" dirty="0" smtClean="0"/>
+          </a:p>
+          <a:p>
+            <a:pPr lvl="1"/>
+            <a:r>
+              <a:rPr lang="en-US" dirty="0" err="1" smtClean="0"/>
+              <a:t>vm-lowmem_scan</a:t>
+            </a:r>
+            <a:endParaRPr lang="en-US" dirty="0" smtClean="0"/>
+          </a:p>
+          <a:p>
+            <a:pPr lvl="1"/>
+            <a:r>
+              <a:rPr lang="en-US" dirty="0" smtClean="0"/>
+              <a:t>Does not take any arguments</a:t>
+            </a:r>
+          </a:p>
+          <a:p>
+            <a:r>
+              <a:rPr lang="en-US" dirty="0" smtClean="0"/>
+              <a:t>We can trace page faults</a:t>
+            </a:r>
+            <a:endParaRPr lang="en-US" dirty="0"/>
+          </a:p>
+          <a:p>
+            <a:r>
+              <a:rPr lang="en-US" dirty="0" smtClean="0"/>
+              <a:t>Also can see the pagers being active</a:t>
+            </a:r>
+            <a:endParaRPr lang="en-US" dirty="0"/>
+          </a:p>
+        </p:txBody>
+      </p:sp>
+      <p:sp>
+        <p:nvSpPr>
+          <p:cNvPr id="4" name="Footer Placeholder 3"/>
+          <p:cNvSpPr>
+            <a:spLocks noGrp="1"/>
+          </p:cNvSpPr>
+          <p:nvPr>
+            <p:ph type="ftr" sz="quarter" idx="11"/>
+          </p:nvPr>
+        </p:nvSpPr>
+        <p:spPr/>
+        <p:txBody>
+          <a:bodyPr/>
+          <a:lstStyle/>
+          <a:p>
+            <a:r>
+              <a:rPr lang="en-US" smtClean="0"/>
+              <a:t>Introduction to Operating Systems</a:t>
+            </a:r>
+            <a:endParaRPr lang="en-US" dirty="0"/>
+          </a:p>
+        </p:txBody>
+      </p:sp>
+    </p:spTree>
+    <p:extLst>
+      <p:ext uri="{BB962C8B-B14F-4D97-AF65-F5344CB8AC3E}">
+        <p14:creationId xmlns:p14="http://schemas.microsoft.com/office/powerpoint/2010/main" val="1559188252"/>
       </p:ext>
     </p:extLst>
   </p:cSld>
@@ -7195,7 +10606,7 @@
           <a:p>
             <a:r>
               <a:rPr lang="en-US" dirty="0" smtClean="0"/>
-              <a:t>Review of Locking</a:t>
+              <a:t>Types of Memory</a:t>
             </a:r>
             <a:endParaRPr lang="en-US" dirty="0"/>
           </a:p>
@@ -7216,7 +10627,77 @@
           <a:bodyPr/>
           <a:lstStyle/>
           <a:p>
-            <a:endParaRPr lang="en-US"/>
+            <a:r>
+              <a:rPr lang="en-US" dirty="0" smtClean="0"/>
+              <a:t>Stack</a:t>
+            </a:r>
+          </a:p>
+          <a:p>
+            <a:r>
+              <a:rPr lang="en-US" dirty="0" smtClean="0"/>
+              <a:t>Automatic variables</a:t>
+            </a:r>
+            <a:endParaRPr lang="en-US" dirty="0"/>
+          </a:p>
+          <a:p>
+            <a:r>
+              <a:rPr lang="en-US" dirty="0" smtClean="0"/>
+              <a:t>Function </a:t>
+            </a:r>
+            <a:r>
+              <a:rPr lang="en-US" dirty="0"/>
+              <a:t>call </a:t>
+            </a:r>
+            <a:r>
+              <a:rPr lang="en-US" dirty="0" smtClean="0"/>
+              <a:t>frames</a:t>
+            </a:r>
+          </a:p>
+          <a:p>
+            <a:r>
+              <a:rPr lang="en-US" dirty="0" smtClean="0"/>
+              <a:t>Heap</a:t>
+            </a:r>
+          </a:p>
+          <a:p>
+            <a:pPr lvl="1"/>
+            <a:r>
+              <a:rPr lang="en-US" dirty="0" smtClean="0"/>
+              <a:t>Pretty </a:t>
+            </a:r>
+            <a:r>
+              <a:rPr lang="en-US" dirty="0"/>
+              <a:t>much everything </a:t>
+            </a:r>
+            <a:r>
+              <a:rPr lang="en-US" dirty="0" smtClean="0"/>
+              <a:t>else</a:t>
+            </a:r>
+          </a:p>
+          <a:p>
+            <a:r>
+              <a:rPr lang="en-US" dirty="0" smtClean="0"/>
+              <a:t>Caches</a:t>
+            </a:r>
+          </a:p>
+          <a:p>
+            <a:pPr lvl="1"/>
+            <a:r>
+              <a:rPr lang="en-US" dirty="0" smtClean="0"/>
+              <a:t>L1</a:t>
+            </a:r>
+            <a:r>
+              <a:rPr lang="en-US" dirty="0"/>
+              <a:t>, L2, </a:t>
+            </a:r>
+            <a:r>
+              <a:rPr lang="en-US" dirty="0" smtClean="0"/>
+              <a:t>L3</a:t>
+            </a:r>
+            <a:r>
+              <a:rPr lang="en-US" dirty="0"/>
+              <a:t>, etc. </a:t>
+            </a:r>
           </a:p>
         </p:txBody>
       </p:sp>
@@ -7237,179 +10718,7 @@
           <a:p>
             <a:r>
               <a:rPr lang="en-US" smtClean="0"/>
-              <a:t>A Look Inside FreeBSD with DTrace</a:t>
-            </a:r>
-            <a:endParaRPr lang="en-US" dirty="0"/>
-          </a:p>
-        </p:txBody>
-      </p:sp>
-    </p:spTree>
-    <p:extLst>
-      <p:ext uri="{BB962C8B-B14F-4D97-AF65-F5344CB8AC3E}">
-        <p14:creationId xmlns:p14="http://schemas.microsoft.com/office/powerpoint/2010/main" val="794060764"/>
-      </p:ext>
-    </p:extLst>
-  </p:cSld>
-  <p:clrMapOvr>
-    <a:masterClrMapping/>
-  </p:clrMapOvr>
-  <p:timing>
-    <p:tnLst>
-      <p:par>
-        <p:cTn id="1" dur="indefinite" restart="never" nodeType="tmRoot"/>
-      </p:par>
-    </p:tnLst>
-  </p:timing>
-</p:sld>
-</file>
-
-<file path=ppt/slides/slide4.xml><?xml version="1.0" encoding="utf-8"?>
-<p:sld xmlns:a="http://schemas.openxmlformats.org/drawingml/2006/main" xmlns:r="http://schemas.openxmlformats.org/officeDocument/2006/relationships" xmlns:p="http://schemas.openxmlformats.org/presentationml/2006/main">
-  <p:cSld>
-    <p:spTree>
-      <p:nvGrpSpPr>
-        <p:cNvPr id="1" name=""/>
-        <p:cNvGrpSpPr/>
-        <p:nvPr/>
-      </p:nvGrpSpPr>
-      <p:grpSpPr>
-        <a:xfrm>
-          <a:off x="0" y="0"/>
-          <a:ext cx="0" cy="0"/>
-          <a:chOff x="0" y="0"/>
-          <a:chExt cx="0" cy="0"/>
-        </a:xfrm>
-      </p:grpSpPr>
-      <p:sp>
-        <p:nvSpPr>
-          <p:cNvPr id="2" name="Title 1"/>
-          <p:cNvSpPr>
-            <a:spLocks noGrp="1"/>
-          </p:cNvSpPr>
-          <p:nvPr>
-            <p:ph type="title"/>
-          </p:nvPr>
-        </p:nvSpPr>
-        <p:spPr/>
-        <p:txBody>
-          <a:bodyPr/>
-          <a:lstStyle/>
-          <a:p>
-            <a:r>
-              <a:rPr lang="en-US" dirty="0" smtClean="0"/>
-              <a:t>Types of Memory</a:t>
-            </a:r>
-            <a:endParaRPr lang="en-US" dirty="0"/>
-          </a:p>
-        </p:txBody>
-      </p:sp>
-      <p:sp>
-        <p:nvSpPr>
-          <p:cNvPr id="3" name="Content Placeholder 2"/>
-          <p:cNvSpPr>
-            <a:spLocks noGrp="1"/>
-          </p:cNvSpPr>
-          <p:nvPr>
-            <p:ph idx="1"/>
-          </p:nvPr>
-        </p:nvSpPr>
-        <p:spPr/>
-        <p:txBody>
-          <a:bodyPr/>
-          <a:lstStyle/>
-          <a:p>
-            <a:r>
-              <a:rPr lang="en-US" dirty="0" smtClean="0"/>
-              <a:t>Stack</a:t>
-            </a:r>
-          </a:p>
-          <a:p>
-            <a:r>
-              <a:rPr lang="en-US" dirty="0" smtClean="0"/>
-              <a:t>Automatic variables</a:t>
-            </a:r>
-            <a:endParaRPr lang="en-US" dirty="0"/>
-          </a:p>
-          <a:p>
-            <a:r>
-              <a:rPr lang="en-US" dirty="0" smtClean="0"/>
-              <a:t>Function </a:t>
-            </a:r>
-            <a:r>
-              <a:rPr lang="en-US" dirty="0"/>
-              <a:t>call </a:t>
-            </a:r>
-            <a:r>
-              <a:rPr lang="en-US" dirty="0" smtClean="0"/>
-              <a:t>frames</a:t>
-            </a:r>
-          </a:p>
-          <a:p>
-            <a:r>
-              <a:rPr lang="en-US" dirty="0" smtClean="0"/>
-              <a:t>Heap</a:t>
-            </a:r>
-          </a:p>
-          <a:p>
-            <a:pPr lvl="1"/>
-            <a:r>
-              <a:rPr lang="en-US" dirty="0" smtClean="0"/>
-              <a:t>Pretty </a:t>
-            </a:r>
-            <a:r>
-              <a:rPr lang="en-US" dirty="0"/>
-              <a:t>much everything </a:t>
-            </a:r>
-            <a:r>
-              <a:rPr lang="en-US" dirty="0" smtClean="0"/>
-              <a:t>else</a:t>
-            </a:r>
-          </a:p>
-          <a:p>
-            <a:r>
-              <a:rPr lang="en-US" dirty="0" smtClean="0"/>
-              <a:t>Caches</a:t>
-            </a:r>
-          </a:p>
-          <a:p>
-            <a:pPr lvl="1"/>
-            <a:r>
-              <a:rPr lang="en-US" dirty="0" smtClean="0"/>
-              <a:t>L1</a:t>
-            </a:r>
-            <a:r>
-              <a:rPr lang="en-US" dirty="0"/>
-              <a:t>, L2, </a:t>
-            </a:r>
-            <a:r>
-              <a:rPr lang="en-US" dirty="0" smtClean="0"/>
-              <a:t>L3</a:t>
-            </a:r>
-            <a:r>
-              <a:rPr lang="en-US" dirty="0"/>
-              <a:t>, etc. </a:t>
-            </a:r>
-          </a:p>
-        </p:txBody>
-      </p:sp>
-      <p:sp>
-        <p:nvSpPr>
-          <p:cNvPr id="4" name="Footer Placeholder 3"/>
-          <p:cNvSpPr>
-            <a:spLocks noGrp="1"/>
-          </p:cNvSpPr>
-          <p:nvPr>
-            <p:ph type="ftr" sz="quarter" idx="11"/>
-          </p:nvPr>
-        </p:nvSpPr>
-        <p:spPr/>
-        <p:txBody>
-          <a:bodyPr/>
-          <a:lstStyle/>
-          <a:p>
-            <a:r>
-              <a:rPr lang="en-US" smtClean="0"/>
-              <a:t>A Look Inside FreeBSD with DTrace</a:t>
+              <a:t>Introduction to Operating Systems</a:t>
             </a:r>
             <a:endParaRPr lang="en-US" dirty="0"/>
           </a:p>
@@ -7768,7 +11077,7 @@
 </p:sld>
 </file>
 
-<file path=ppt/slides/slide5.xml><?xml version="1.0" encoding="utf-8"?>
+<file path=ppt/slides/slide4.xml><?xml version="1.0" encoding="utf-8"?>
 <p:sld xmlns:a="http://schemas.openxmlformats.org/drawingml/2006/main" xmlns:r="http://schemas.openxmlformats.org/officeDocument/2006/relationships" xmlns:p="http://schemas.openxmlformats.org/presentationml/2006/main">
   <p:cSld>
     <p:spTree>
@@ -7902,7 +11211,7 @@
           <a:p>
             <a:r>
               <a:rPr lang="en-US" smtClean="0"/>
-              <a:t>A Look Inside FreeBSD with DTrace</a:t>
+              <a:t>Introduction to Operating Systems</a:t>
             </a:r>
             <a:endParaRPr lang="en-US" dirty="0"/>
           </a:p>
@@ -8248,7 +11557,7 @@
 </p:sld>
 </file>
 
-<file path=ppt/slides/slide6.xml><?xml version="1.0" encoding="utf-8"?>
+<file path=ppt/slides/slide5.xml><?xml version="1.0" encoding="utf-8"?>
 <p:sld xmlns:a="http://schemas.openxmlformats.org/drawingml/2006/main" xmlns:r="http://schemas.openxmlformats.org/officeDocument/2006/relationships" xmlns:p="http://schemas.openxmlformats.org/presentationml/2006/main">
   <p:cSld>
     <p:spTree>
@@ -8348,7 +11657,7 @@
           <a:p>
             <a:r>
               <a:rPr lang="en-US" smtClean="0"/>
-              <a:t>A Look Inside FreeBSD with DTrace</a:t>
+              <a:t>Introduction to Operating Systems</a:t>
             </a:r>
             <a:endParaRPr lang="en-US" dirty="0"/>
           </a:p>
@@ -8547,7 +11856,7 @@
 </p:sld>
 </file>
 
-<file path=ppt/slides/slide7.xml><?xml version="1.0" encoding="utf-8"?>
+<file path=ppt/slides/slide6.xml><?xml version="1.0" encoding="utf-8"?>
 <p:sld xmlns:a="http://schemas.openxmlformats.org/drawingml/2006/main" xmlns:r="http://schemas.openxmlformats.org/officeDocument/2006/relationships" xmlns:p="http://schemas.openxmlformats.org/presentationml/2006/main">
   <p:cSld>
     <p:spTree>
@@ -8633,7 +11942,7 @@
           <a:p>
             <a:r>
               <a:rPr lang="en-US" smtClean="0"/>
-              <a:t>A Look Inside FreeBSD with DTrace</a:t>
+              <a:t>Introduction to Operating Systems</a:t>
             </a:r>
             <a:endParaRPr lang="en-US" dirty="0"/>
           </a:p>
@@ -8643,6 +11952,118 @@
     <p:extLst>
       <p:ext uri="{BB962C8B-B14F-4D97-AF65-F5344CB8AC3E}">
         <p14:creationId xmlns:p14="http://schemas.microsoft.com/office/powerpoint/2010/main" val="290234904"/>
+      </p:ext>
+    </p:extLst>
+  </p:cSld>
+  <p:clrMapOvr>
+    <a:masterClrMapping/>
+  </p:clrMapOvr>
+  <p:timing>
+    <p:tnLst>
+      <p:par>
+        <p:cTn id="1" dur="indefinite" restart="never" nodeType="tmRoot"/>
+      </p:par>
+    </p:tnLst>
+  </p:timing>
+</p:sld>
+</file>
+
+<file path=ppt/slides/slide7.xml><?xml version="1.0" encoding="utf-8"?>
+<p:sld xmlns:a="http://schemas.openxmlformats.org/drawingml/2006/main" xmlns:r="http://schemas.openxmlformats.org/officeDocument/2006/relationships" xmlns:p="http://schemas.openxmlformats.org/presentationml/2006/main">
+  <p:cSld>
+    <p:spTree>
+      <p:nvGrpSpPr>
+        <p:cNvPr id="1" name=""/>
+        <p:cNvGrpSpPr/>
+        <p:nvPr/>
+      </p:nvGrpSpPr>
+      <p:grpSpPr>
+        <a:xfrm>
+          <a:off x="0" y="0"/>
+          <a:ext cx="0" cy="0"/>
+          <a:chOff x="0" y="0"/>
+          <a:chExt cx="0" cy="0"/>
+        </a:xfrm>
+      </p:grpSpPr>
+      <p:sp>
+        <p:nvSpPr>
+          <p:cNvPr id="2" name="Title 1"/>
+          <p:cNvSpPr>
+            <a:spLocks noGrp="1"/>
+          </p:cNvSpPr>
+          <p:nvPr>
+            <p:ph type="title"/>
+          </p:nvPr>
+        </p:nvSpPr>
+        <p:spPr/>
+        <p:txBody>
+          <a:bodyPr/>
+          <a:lstStyle/>
+          <a:p>
+            <a:r>
+              <a:rPr lang="en-US" dirty="0" smtClean="0"/>
+              <a:t>Cores Close Up</a:t>
+            </a:r>
+            <a:endParaRPr lang="en-US" dirty="0"/>
+          </a:p>
+        </p:txBody>
+      </p:sp>
+      <p:pic>
+        <p:nvPicPr>
+          <p:cNvPr id="5" name="Content Placeholder 4"/>
+          <p:cNvPicPr>
+            <a:picLocks noGrp="1" noChangeAspect="1"/>
+          </p:cNvPicPr>
+          <p:nvPr>
+            <p:ph idx="1"/>
+          </p:nvPr>
+        </p:nvPicPr>
+        <p:blipFill>
+          <a:blip r:embed="rId2">
+            <a:extLst>
+              <a:ext uri="{28A0092B-C50C-407E-A947-70E740481C1C}">
+                <a14:useLocalDpi xmlns:a14="http://schemas.microsoft.com/office/drawing/2010/main" val="0"/>
+              </a:ext>
+            </a:extLst>
+          </a:blip>
+          <a:stretch>
+            <a:fillRect/>
+          </a:stretch>
+        </p:blipFill>
+        <p:spPr>
+          <a:xfrm>
+            <a:off x="2911475" y="1582738"/>
+            <a:ext cx="6429375" cy="4286250"/>
+          </a:xfrm>
+        </p:spPr>
+      </p:pic>
+      <p:sp>
+        <p:nvSpPr>
+          <p:cNvPr id="4" name="Footer Placeholder 3"/>
+          <p:cNvSpPr>
+            <a:spLocks noGrp="1"/>
+          </p:cNvSpPr>
+          <p:nvPr>
+            <p:ph type="ftr" sz="quarter" idx="11"/>
+          </p:nvPr>
+        </p:nvSpPr>
+        <p:spPr/>
+        <p:txBody>
+          <a:bodyPr/>
+          <a:lstStyle/>
+          <a:p>
+            <a:r>
+              <a:rPr lang="en-US" smtClean="0"/>
+              <a:t>Introduction to Operating Systems</a:t>
+            </a:r>
+            <a:endParaRPr lang="en-US" dirty="0"/>
+          </a:p>
+        </p:txBody>
+      </p:sp>
+    </p:spTree>
+    <p:extLst>
+      <p:ext uri="{BB962C8B-B14F-4D97-AF65-F5344CB8AC3E}">
+        <p14:creationId xmlns:p14="http://schemas.microsoft.com/office/powerpoint/2010/main" val="1042669191"/>
       </p:ext>
     </p:extLst>
   </p:cSld>
@@ -8693,49 +12114,20 @@
           <a:p>
             <a:r>
               <a:rPr lang="en-US" dirty="0" smtClean="0"/>
-              <a:t>Cores Close Up</a:t>
+              <a:t>A World Without Virtual Memory</a:t>
             </a:r>
             <a:endParaRPr lang="en-US" dirty="0"/>
           </a:p>
         </p:txBody>
       </p:sp>
-      <p:pic>
-        <p:nvPicPr>
-          <p:cNvPr id="5" name="Content Placeholder 4"/>
-          <p:cNvPicPr>
-            <a:picLocks noGrp="1" noChangeAspect="1"/>
-          </p:cNvPicPr>
+      <p:sp>
+        <p:nvSpPr>
+          <p:cNvPr id="3" name="Content Placeholder 2"/>
+          <p:cNvSpPr>
+            <a:spLocks noGrp="1"/>
+          </p:cNvSpPr>
           <p:nvPr>
             <p:ph idx="1"/>
-          </p:nvPr>
-        </p:nvPicPr>
-        <p:blipFill>
-          <a:blip r:embed="rId2">
-            <a:extLst>
-              <a:ext uri="{28A0092B-C50C-407E-A947-70E740481C1C}">
-                <a14:useLocalDpi xmlns:a14="http://schemas.microsoft.com/office/drawing/2010/main" val="0"/>
-              </a:ext>
-            </a:extLst>
-          </a:blip>
-          <a:stretch>
-            <a:fillRect/>
-          </a:stretch>
-        </p:blipFill>
-        <p:spPr>
-          <a:xfrm>
-            <a:off x="2911475" y="1582738"/>
-            <a:ext cx="6429375" cy="4286250"/>
-          </a:xfrm>
-        </p:spPr>
-      </p:pic>
-      <p:sp>
-        <p:nvSpPr>
-          <p:cNvPr id="4" name="Footer Placeholder 3"/>
-          <p:cNvSpPr>
-            <a:spLocks noGrp="1"/>
-          </p:cNvSpPr>
-          <p:nvPr>
-            <p:ph type="ftr" sz="quarter" idx="11"/>
           </p:nvPr>
         </p:nvSpPr>
         <p:spPr/>
@@ -8744,58 +12136,81 @@
           <a:lstStyle/>
           <a:p>
             <a:r>
-              <a:rPr lang="en-US" smtClean="0"/>
-              <a:t>A Look Inside FreeBSD with DTrace</a:t>
+              <a:rPr lang="en-US" dirty="0" smtClean="0"/>
+              <a:t>Single </a:t>
+            </a:r>
+            <a:r>
+              <a:rPr lang="en-US" dirty="0"/>
+              <a:t>Address Space Systems  </a:t>
+            </a:r>
+            <a:endParaRPr lang="en-US" dirty="0" smtClean="0"/>
+          </a:p>
+          <a:p>
+            <a:r>
+              <a:rPr lang="en-US" dirty="0" smtClean="0"/>
+              <a:t>Embedded </a:t>
+            </a:r>
+            <a:r>
+              <a:rPr lang="en-US" dirty="0"/>
+              <a:t>and Real Time Operating Systems (RTOS)  </a:t>
+            </a:r>
+            <a:endParaRPr lang="en-US" dirty="0" smtClean="0"/>
+          </a:p>
+          <a:p>
+            <a:r>
+              <a:rPr lang="en-US" dirty="0" smtClean="0"/>
+              <a:t>These </a:t>
+            </a:r>
+            <a:r>
+              <a:rPr lang="en-US" dirty="0"/>
+              <a:t>still </a:t>
+            </a:r>
+            <a:r>
+              <a:rPr lang="en-US" dirty="0" smtClean="0"/>
+              <a:t>exist</a:t>
+            </a:r>
+          </a:p>
+          <a:p>
+            <a:pPr lvl="1"/>
+            <a:r>
+              <a:rPr lang="en-US" dirty="0" smtClean="0"/>
+              <a:t>There </a:t>
+            </a:r>
+            <a:r>
+              <a:rPr lang="en-US" dirty="0"/>
+              <a:t>are several on </a:t>
+            </a:r>
+            <a:r>
+              <a:rPr lang="en-US" dirty="0" smtClean="0"/>
+              <a:t>Mars</a:t>
+            </a:r>
+          </a:p>
+          <a:p>
+            <a:pPr lvl="1"/>
+            <a:r>
+              <a:rPr lang="en-US" dirty="0" smtClean="0"/>
+              <a:t>There </a:t>
+            </a:r>
+            <a:r>
+              <a:rPr lang="en-US" dirty="0"/>
+              <a:t>are even more in automotive braking </a:t>
+            </a:r>
+            <a:r>
+              <a:rPr lang="en-US" dirty="0" smtClean="0"/>
+              <a:t>systems</a:t>
             </a:r>
             <a:endParaRPr lang="en-US" dirty="0"/>
           </a:p>
         </p:txBody>
       </p:sp>
-    </p:spTree>
-    <p:extLst>
-      <p:ext uri="{BB962C8B-B14F-4D97-AF65-F5344CB8AC3E}">
-        <p14:creationId xmlns:p14="http://schemas.microsoft.com/office/powerpoint/2010/main" val="1042669191"/>
-      </p:ext>
-    </p:extLst>
-  </p:cSld>
-  <p:clrMapOvr>
-    <a:masterClrMapping/>
-  </p:clrMapOvr>
-  <p:timing>
-    <p:tnLst>
-      <p:par>
-        <p:cTn id="1" dur="indefinite" restart="never" nodeType="tmRoot"/>
-      </p:par>
-    </p:tnLst>
-  </p:timing>
-</p:sld>
-</file>
-
-<file path=ppt/slides/slide9.xml><?xml version="1.0" encoding="utf-8"?>
-<p:sld xmlns:a="http://schemas.openxmlformats.org/drawingml/2006/main" xmlns:r="http://schemas.openxmlformats.org/officeDocument/2006/relationships" xmlns:p="http://schemas.openxmlformats.org/presentationml/2006/main">
-  <p:cSld>
-    <p:spTree>
-      <p:nvGrpSpPr>
-        <p:cNvPr id="1" name=""/>
-        <p:cNvGrpSpPr/>
-        <p:nvPr/>
-      </p:nvGrpSpPr>
-      <p:grpSpPr>
-        <a:xfrm>
-          <a:off x="0" y="0"/>
-          <a:ext cx="0" cy="0"/>
-          <a:chOff x="0" y="0"/>
-          <a:chExt cx="0" cy="0"/>
-        </a:xfrm>
-      </p:grpSpPr>
-      <p:sp>
-        <p:nvSpPr>
-          <p:cNvPr id="2" name="Title 1"/>
-          <p:cNvSpPr>
-            <a:spLocks noGrp="1"/>
-          </p:cNvSpPr>
-          <p:nvPr>
-            <p:ph type="title"/>
+      <p:sp>
+        <p:nvSpPr>
+          <p:cNvPr id="4" name="Footer Placeholder 3"/>
+          <p:cNvSpPr>
+            <a:spLocks noGrp="1"/>
+          </p:cNvSpPr>
+          <p:nvPr>
+            <p:ph type="ftr" sz="quarter" idx="11"/>
           </p:nvPr>
         </p:nvSpPr>
         <p:spPr/>
@@ -8804,114 +12219,8 @@
           <a:lstStyle/>
           <a:p>
             <a:r>
-              <a:rPr lang="en-US" dirty="0" smtClean="0"/>
-              <a:t>A World Without Virtual Memory</a:t>
-            </a:r>
-            <a:endParaRPr lang="en-US" dirty="0"/>
-          </a:p>
-        </p:txBody>
-      </p:sp>
-      <p:sp>
-        <p:nvSpPr>
-          <p:cNvPr id="3" name="Content Placeholder 2"/>
-          <p:cNvSpPr>
-            <a:spLocks noGrp="1"/>
-          </p:cNvSpPr>
-          <p:nvPr>
-            <p:ph idx="1"/>
-          </p:nvPr>
-        </p:nvSpPr>
-        <p:spPr/>
-        <p:txBody>
-          <a:bodyPr/>
-          <a:lstStyle/>
-          <a:p>
-            <a:r>
-              <a:rPr lang="en-US" dirty="0" smtClean="0"/>
-              <a:t>Single </a:t>
-            </a:r>
-            <a:r>
-              <a:rPr lang="en-US" dirty="0"/>
-              <a:t>Address Space Systems  </a:t>
-            </a:r>
-            <a:endParaRPr lang="en-US" dirty="0" smtClean="0"/>
-          </a:p>
-          <a:p>
-            <a:r>
-              <a:rPr lang="en-US" dirty="0" smtClean="0"/>
-              <a:t>Embedded </a:t>
-            </a:r>
-            <a:r>
-              <a:rPr lang="en-US" dirty="0"/>
-              <a:t>and Real Time Operating Systems (RTOS)  </a:t>
-            </a:r>
-            <a:endParaRPr lang="en-US" dirty="0" smtClean="0"/>
-          </a:p>
-          <a:p>
-            <a:r>
-              <a:rPr lang="en-US" dirty="0" smtClean="0"/>
-              <a:t>These </a:t>
-            </a:r>
-            <a:r>
-              <a:rPr lang="en-US" dirty="0"/>
-              <a:t>still </a:t>
-            </a:r>
-            <a:r>
-              <a:rPr lang="en-US" dirty="0" smtClean="0"/>
-              <a:t>exist</a:t>
-            </a:r>
-          </a:p>
-          <a:p>
-            <a:pPr lvl="1"/>
-            <a:r>
-              <a:rPr lang="en-US" dirty="0" smtClean="0"/>
-              <a:t>There </a:t>
-            </a:r>
-            <a:r>
-              <a:rPr lang="en-US" dirty="0"/>
-              <a:t>are several on </a:t>
-            </a:r>
-            <a:r>
-              <a:rPr lang="en-US" dirty="0" smtClean="0"/>
-              <a:t>Mars</a:t>
-            </a:r>
-          </a:p>
-          <a:p>
-            <a:pPr lvl="1"/>
-            <a:r>
-              <a:rPr lang="en-US" dirty="0" smtClean="0"/>
-              <a:t>There </a:t>
-            </a:r>
-            <a:r>
-              <a:rPr lang="en-US" dirty="0"/>
-              <a:t>are even more in automotive braking </a:t>
-            </a:r>
-            <a:r>
-              <a:rPr lang="en-US" dirty="0" smtClean="0"/>
-              <a:t>systems</a:t>
-            </a:r>
-            <a:endParaRPr lang="en-US" dirty="0"/>
-          </a:p>
-        </p:txBody>
-      </p:sp>
-      <p:sp>
-        <p:nvSpPr>
-          <p:cNvPr id="4" name="Footer Placeholder 3"/>
-          <p:cNvSpPr>
-            <a:spLocks noGrp="1"/>
-          </p:cNvSpPr>
-          <p:nvPr>
-            <p:ph type="ftr" sz="quarter" idx="11"/>
-          </p:nvPr>
-        </p:nvSpPr>
-        <p:spPr/>
-        <p:txBody>
-          <a:bodyPr/>
-          <a:lstStyle/>
-          <a:p>
-            <a:r>
               <a:rPr lang="en-US" smtClean="0"/>
-              <a:t>A Look Inside FreeBSD with DTrace</a:t>
+              <a:t>Introduction to Operating Systems</a:t>
             </a:r>
             <a:endParaRPr lang="en-US" dirty="0"/>
           </a:p>
@@ -8963,6 +12272,462 @@
         <p:cTn id="1" dur="indefinite" restart="never" nodeType="tmRoot"/>
       </p:par>
     </p:tnLst>
+  </p:timing>
+</p:sld>
+</file>
+
+<file path=ppt/slides/slide9.xml><?xml version="1.0" encoding="utf-8"?>
+<p:sld xmlns:a="http://schemas.openxmlformats.org/drawingml/2006/main" xmlns:r="http://schemas.openxmlformats.org/officeDocument/2006/relationships" xmlns:p="http://schemas.openxmlformats.org/presentationml/2006/main">
+  <p:cSld>
+    <p:spTree>
+      <p:nvGrpSpPr>
+        <p:cNvPr id="1" name=""/>
+        <p:cNvGrpSpPr/>
+        <p:nvPr/>
+      </p:nvGrpSpPr>
+      <p:grpSpPr>
+        <a:xfrm>
+          <a:off x="0" y="0"/>
+          <a:ext cx="0" cy="0"/>
+          <a:chOff x="0" y="0"/>
+          <a:chExt cx="0" cy="0"/>
+        </a:xfrm>
+      </p:grpSpPr>
+      <p:sp>
+        <p:nvSpPr>
+          <p:cNvPr id="2" name="Title 1"/>
+          <p:cNvSpPr>
+            <a:spLocks noGrp="1"/>
+          </p:cNvSpPr>
+          <p:nvPr>
+            <p:ph type="title"/>
+          </p:nvPr>
+        </p:nvSpPr>
+        <p:spPr/>
+        <p:txBody>
+          <a:bodyPr/>
+          <a:lstStyle/>
+          <a:p>
+            <a:r>
+              <a:rPr lang="en-US" dirty="0" smtClean="0"/>
+              <a:t>Advantages of Virtual Memory</a:t>
+            </a:r>
+            <a:endParaRPr lang="en-US" dirty="0"/>
+          </a:p>
+        </p:txBody>
+      </p:sp>
+      <p:sp>
+        <p:nvSpPr>
+          <p:cNvPr id="3" name="Content Placeholder 2"/>
+          <p:cNvSpPr>
+            <a:spLocks noGrp="1"/>
+          </p:cNvSpPr>
+          <p:nvPr>
+            <p:ph idx="1"/>
+          </p:nvPr>
+        </p:nvSpPr>
+        <p:spPr/>
+        <p:txBody>
+          <a:bodyPr/>
+          <a:lstStyle/>
+          <a:p>
+            <a:r>
+              <a:rPr lang="en-US" b="1" dirty="0" smtClean="0"/>
+              <a:t>Simplification</a:t>
+            </a:r>
+            <a:r>
+              <a:rPr lang="en-US" dirty="0" smtClean="0"/>
+              <a:t> </a:t>
+            </a:r>
+            <a:r>
+              <a:rPr lang="en-US" dirty="0"/>
+              <a:t>Programs (mostly) </a:t>
+            </a:r>
+            <a:r>
+              <a:rPr lang="en-US" dirty="0" smtClean="0"/>
+              <a:t>don’t </a:t>
+            </a:r>
+            <a:r>
+              <a:rPr lang="en-US" dirty="0"/>
+              <a:t>care about </a:t>
+            </a:r>
+            <a:r>
+              <a:rPr lang="en-US" dirty="0" smtClean="0"/>
+              <a:t>addresses</a:t>
+            </a:r>
+          </a:p>
+          <a:p>
+            <a:pPr lvl="1"/>
+            <a:r>
+              <a:rPr lang="en-US" dirty="0" smtClean="0"/>
+              <a:t>Code is position independent</a:t>
+            </a:r>
+            <a:endParaRPr lang="en-US" dirty="0"/>
+          </a:p>
+          <a:p>
+            <a:r>
+              <a:rPr lang="en-US" b="1" dirty="0" smtClean="0"/>
+              <a:t>Portability</a:t>
+            </a:r>
+            <a:r>
+              <a:rPr lang="en-US" dirty="0" smtClean="0"/>
+              <a:t> </a:t>
+            </a:r>
+            <a:r>
+              <a:rPr lang="en-US" dirty="0"/>
+              <a:t>No memory location is more special than any </a:t>
+            </a:r>
+            <a:r>
+              <a:rPr lang="en-US" dirty="0" smtClean="0"/>
+              <a:t>other</a:t>
+            </a:r>
+          </a:p>
+          <a:p>
+            <a:pPr lvl="1"/>
+            <a:r>
+              <a:rPr lang="en-US" dirty="0" smtClean="0"/>
+              <a:t>Zero page</a:t>
+            </a:r>
+            <a:r>
+              <a:rPr lang="en-US" dirty="0" smtClean="0"/>
+              <a:t>  </a:t>
+            </a:r>
+            <a:endParaRPr lang="en-US" dirty="0" smtClean="0"/>
+          </a:p>
+          <a:p>
+            <a:r>
+              <a:rPr lang="en-US" b="1" dirty="0" smtClean="0"/>
+              <a:t>Protection</a:t>
+            </a:r>
+            <a:r>
+              <a:rPr lang="en-US" dirty="0" smtClean="0"/>
+              <a:t> </a:t>
+            </a:r>
+            <a:r>
+              <a:rPr lang="en-US" dirty="0"/>
+              <a:t>All memory accesses go via the </a:t>
+            </a:r>
+            <a:r>
+              <a:rPr lang="en-US" dirty="0" smtClean="0"/>
+              <a:t>kernel</a:t>
+            </a:r>
+            <a:endParaRPr lang="en-US" dirty="0"/>
+          </a:p>
+          <a:p>
+            <a:pPr lvl="1"/>
+            <a:r>
+              <a:rPr lang="en-US" dirty="0" smtClean="0"/>
+              <a:t>Enforces separation</a:t>
+            </a:r>
+            <a:endParaRPr lang="en-US" dirty="0"/>
+          </a:p>
+        </p:txBody>
+      </p:sp>
+      <p:sp>
+        <p:nvSpPr>
+          <p:cNvPr id="4" name="Footer Placeholder 3"/>
+          <p:cNvSpPr>
+            <a:spLocks noGrp="1"/>
+          </p:cNvSpPr>
+          <p:nvPr>
+            <p:ph type="ftr" sz="quarter" idx="11"/>
+          </p:nvPr>
+        </p:nvSpPr>
+        <p:spPr/>
+        <p:txBody>
+          <a:bodyPr/>
+          <a:lstStyle/>
+          <a:p>
+            <a:r>
+              <a:rPr lang="en-US" smtClean="0"/>
+              <a:t>Introduction to Operating Systems</a:t>
+            </a:r>
+            <a:endParaRPr lang="en-US" dirty="0"/>
+          </a:p>
+        </p:txBody>
+      </p:sp>
+    </p:spTree>
+    <p:extLst>
+      <p:ext uri="{BB962C8B-B14F-4D97-AF65-F5344CB8AC3E}">
+        <p14:creationId xmlns:p14="http://schemas.microsoft.com/office/powerpoint/2010/main" val="1467265578"/>
+      </p:ext>
+    </p:extLst>
+  </p:cSld>
+  <p:clrMapOvr>
+    <a:masterClrMapping/>
+  </p:clrMapOvr>
+  <p:timing>
+    <p:tnLst>
+      <p:par>
+        <p:cTn id="1" dur="indefinite" restart="never" nodeType="tmRoot">
+          <p:childTnLst>
+            <p:seq concurrent="1" nextAc="seek">
+              <p:cTn id="2" dur="indefinite" nodeType="mainSeq">
+                <p:childTnLst>
+                  <p:par>
+                    <p:cTn id="3" fill="hold">
+                      <p:stCondLst>
+                        <p:cond delay="indefinite"/>
+                      </p:stCondLst>
+                      <p:childTnLst>
+                        <p:par>
+                          <p:cTn id="4" fill="hold">
+                            <p:stCondLst>
+                              <p:cond delay="0"/>
+                            </p:stCondLst>
+                            <p:childTnLst>
+                              <p:par>
+                                <p:cTn id="5" presetID="1" presetClass="entr" presetSubtype="0" fill="hold" grpId="0" nodeType="clickEffect">
+                                  <p:stCondLst>
+                                    <p:cond delay="0"/>
+                                  </p:stCondLst>
+                                  <p:childTnLst>
+                                    <p:set>
+                                      <p:cBhvr>
+                                        <p:cTn id="6" dur="1" fill="hold">
+                                          <p:stCondLst>
+                                            <p:cond delay="0"/>
+                                          </p:stCondLst>
+                                        </p:cTn>
+                                        <p:tgtEl>
+                                          <p:spTgt spid="3">
+                                            <p:txEl>
+                                              <p:pRg st="0" end="0"/>
+                                            </p:txEl>
+                                          </p:spTgt>
+                                        </p:tgtEl>
+                                        <p:attrNameLst>
+                                          <p:attrName>style.visibility</p:attrName>
+                                        </p:attrNameLst>
+                                      </p:cBhvr>
+                                      <p:to>
+                                        <p:strVal val="visible"/>
+                                      </p:to>
+                                    </p:set>
+                                  </p:childTnLst>
+                                </p:cTn>
+                              </p:par>
+                              <p:par>
+                                <p:cTn id="7" presetID="1" presetClass="entr" presetSubtype="0" fill="hold" grpId="0" nodeType="withEffect">
+                                  <p:stCondLst>
+                                    <p:cond delay="0"/>
+                                  </p:stCondLst>
+                                  <p:childTnLst>
+                                    <p:set>
+                                      <p:cBhvr>
+                                        <p:cTn id="8" dur="1" fill="hold">
+                                          <p:stCondLst>
+                                            <p:cond delay="0"/>
+                                          </p:stCondLst>
+                                        </p:cTn>
+                                        <p:tgtEl>
+                                          <p:spTgt spid="3">
+                                            <p:txEl>
+                                              <p:pRg st="1" end="1"/>
+                                            </p:txEl>
+                                          </p:spTgt>
+                                        </p:tgtEl>
+                                        <p:attrNameLst>
+                                          <p:attrName>style.visibility</p:attrName>
+                                        </p:attrNameLst>
+                                      </p:cBhvr>
+                                      <p:to>
+                                        <p:strVal val="visible"/>
+                                      </p:to>
+                                    </p:set>
+                                  </p:childTnLst>
+                                </p:cTn>
+                              </p:par>
+                            </p:childTnLst>
+                          </p:cTn>
+                        </p:par>
+                      </p:childTnLst>
+                    </p:cTn>
+                  </p:par>
+                  <p:par>
+                    <p:cTn id="9" fill="hold">
+                      <p:stCondLst>
+                        <p:cond delay="indefinite"/>
+                      </p:stCondLst>
+                      <p:childTnLst>
+                        <p:par>
+                          <p:cTn id="10" fill="hold">
+                            <p:stCondLst>
+                              <p:cond delay="0"/>
+                            </p:stCondLst>
+                            <p:childTnLst>
+                              <p:par>
+                                <p:cTn id="11" presetID="1" presetClass="entr" presetSubtype="0" fill="hold" grpId="0" nodeType="clickEffect">
+                                  <p:stCondLst>
+                                    <p:cond delay="0"/>
+                                  </p:stCondLst>
+                                  <p:childTnLst>
+                                    <p:set>
+                                      <p:cBhvr>
+                                        <p:cTn id="12" dur="1" fill="hold">
+                                          <p:stCondLst>
+                                            <p:cond delay="0"/>
+                                          </p:stCondLst>
+                                        </p:cTn>
+                                        <p:tgtEl>
+                                          <p:spTgt spid="3">
+                                            <p:txEl>
+                                              <p:pRg st="2" end="2"/>
+                                            </p:txEl>
+                                          </p:spTgt>
+                                        </p:tgtEl>
+                                        <p:attrNameLst>
+                                          <p:attrName>style.visibility</p:attrName>
+                                        </p:attrNameLst>
+                                      </p:cBhvr>
+                                      <p:to>
+                                        <p:strVal val="visible"/>
+                                      </p:to>
+                                    </p:set>
+                                  </p:childTnLst>
+                                </p:cTn>
+                              </p:par>
+                              <p:par>
+                                <p:cTn id="13" presetID="1" presetClass="entr" presetSubtype="0" fill="hold" grpId="0" nodeType="withEffect">
+                                  <p:stCondLst>
+                                    <p:cond delay="0"/>
+                                  </p:stCondLst>
+                                  <p:childTnLst>
+                                    <p:set>
+                                      <p:cBhvr>
+                                        <p:cTn id="14" dur="1" fill="hold">
+                                          <p:stCondLst>
+                                            <p:cond delay="0"/>
+                                          </p:stCondLst>
+                                        </p:cTn>
+                                        <p:tgtEl>
+                                          <p:spTgt spid="3">
+                                            <p:txEl>
+                                              <p:pRg st="3" end="3"/>
+                                            </p:txEl>
+                                          </p:spTgt>
+                                        </p:tgtEl>
+                                        <p:attrNameLst>
+                                          <p:attrName>style.visibility</p:attrName>
+                                        </p:attrNameLst>
+                                      </p:cBhvr>
+                                      <p:to>
+                                        <p:strVal val="visible"/>
+                                      </p:to>
+                                    </p:set>
+                                  </p:childTnLst>
+                                </p:cTn>
+                              </p:par>
+                            </p:childTnLst>
+                          </p:cTn>
+                        </p:par>
+                      </p:childTnLst>
+                    </p:cTn>
+                  </p:par>
+                  <p:par>
+                    <p:cTn id="15" fill="hold">
+                      <p:stCondLst>
+                        <p:cond delay="indefinite"/>
+                      </p:stCondLst>
+                      <p:childTnLst>
+                        <p:par>
+                          <p:cTn id="16" fill="hold">
+                            <p:stCondLst>
+                              <p:cond delay="0"/>
+                            </p:stCondLst>
+                            <p:childTnLst>
+                              <p:par>
+                                <p:cTn id="17" presetID="1" presetClass="entr" presetSubtype="0" fill="hold" grpId="0" nodeType="clickEffect">
+                                  <p:stCondLst>
+                                    <p:cond delay="0"/>
+                                  </p:stCondLst>
+                                  <p:childTnLst>
+                                    <p:set>
+                                      <p:cBhvr>
+                                        <p:cTn id="18" dur="1" fill="hold">
+                                          <p:stCondLst>
+                                            <p:cond delay="0"/>
+                                          </p:stCondLst>
+                                        </p:cTn>
+                                        <p:tgtEl>
+                                          <p:spTgt spid="3">
+                                            <p:txEl>
+                                              <p:pRg st="4" end="4"/>
+                                            </p:txEl>
+                                          </p:spTgt>
+                                        </p:tgtEl>
+                                        <p:attrNameLst>
+                                          <p:attrName>style.visibility</p:attrName>
+                                        </p:attrNameLst>
+                                      </p:cBhvr>
+                                      <p:to>
+                                        <p:strVal val="visible"/>
+                                      </p:to>
+                                    </p:set>
+                                  </p:childTnLst>
+                                </p:cTn>
+                              </p:par>
+                              <p:par>
+                                <p:cTn id="19" presetID="1" presetClass="entr" presetSubtype="0" fill="hold" grpId="0" nodeType="withEffect">
+                                  <p:stCondLst>
+                                    <p:cond delay="0"/>
+                                  </p:stCondLst>
+                                  <p:childTnLst>
+                                    <p:set>
+                                      <p:cBhvr>
+                                        <p:cTn id="20" dur="1" fill="hold">
+                                          <p:stCondLst>
+                                            <p:cond delay="0"/>
+                                          </p:stCondLst>
+                                        </p:cTn>
+                                        <p:tgtEl>
+                                          <p:spTgt spid="3">
+                                            <p:txEl>
+                                              <p:pRg st="5" end="5"/>
+                                            </p:txEl>
+                                          </p:spTgt>
+                                        </p:tgtEl>
+                                        <p:attrNameLst>
+                                          <p:attrName>style.visibility</p:attrName>
+                                        </p:attrNameLst>
+                                      </p:cBhvr>
+                                      <p:to>
+                                        <p:strVal val="visible"/>
+                                      </p:to>
+                                    </p:set>
+                                  </p:childTnLst>
+                                </p:cTn>
+                              </p:par>
+                            </p:childTnLst>
+                          </p:cTn>
+                        </p:par>
+                      </p:childTnLst>
+                    </p:cTn>
+                  </p:par>
+                </p:childTnLst>
+              </p:cTn>
+              <p:prevCondLst>
+                <p:cond evt="onPrev" delay="0">
+                  <p:tgtEl>
+                    <p:sldTgt/>
+                  </p:tgtEl>
+                </p:cond>
+              </p:prevCondLst>
+              <p:nextCondLst>
+                <p:cond evt="onNext" delay="0">
+                  <p:tgtEl>
+                    <p:sldTgt/>
+                  </p:tgtEl>
+                </p:cond>
+              </p:nextCondLst>
+            </p:seq>
+          </p:childTnLst>
+        </p:cTn>
+      </p:par>
+    </p:tnLst>
+    <p:bldLst>
+      <p:bldP spid="3" grpId="0" build="p"/>
+    </p:bldLst>
   </p:timing>
 </p:sld>
 </file>
